--- a/Job_Prediction_Presentation.pptx
+++ b/Job_Prediction_Presentation.pptx
@@ -166,19 +166,21 @@
               </a:defRPr>
             </a:pPr>
             <a:r>
-              <a:rPr lang="en-US" dirty="0">
+              <a:rPr lang="en-US" b="0" i="0" dirty="0">
                 <a:solidFill>
                   <a:schemeClr val="tx1">
                     <a:lumMod val="75000"/>
                     <a:lumOff val="25000"/>
                   </a:schemeClr>
                 </a:solidFill>
+                <a:latin typeface="Al Tarikh" charset="-78"/>
               </a:rPr>
               <a:t>Gross Revenue</a:t>
             </a:r>
           </a:p>
         </c:rich>
       </c:tx>
+      <c:layout/>
       <c:overlay val="0"/>
       <c:spPr>
         <a:noFill/>
@@ -358,11 +360,11 @@
           <c:showBubbleSize val="0"/>
         </c:dLbls>
         <c:gapWidth val="25"/>
-        <c:axId val="-705268016"/>
-        <c:axId val="-670606464"/>
+        <c:axId val="-774779408"/>
+        <c:axId val="-737234480"/>
       </c:barChart>
       <c:catAx>
-        <c:axId val="-705268016"/>
+        <c:axId val="-774779408"/>
         <c:scaling>
           <c:orientation val="minMax"/>
         </c:scaling>
@@ -405,7 +407,7 @@
             <a:endParaRPr lang="en-US"/>
           </a:p>
         </c:txPr>
-        <c:crossAx val="-670606464"/>
+        <c:crossAx val="-737234480"/>
         <c:crosses val="autoZero"/>
         <c:auto val="1"/>
         <c:lblAlgn val="ctr"/>
@@ -413,7 +415,7 @@
         <c:noMultiLvlLbl val="0"/>
       </c:catAx>
       <c:valAx>
-        <c:axId val="-670606464"/>
+        <c:axId val="-737234480"/>
         <c:scaling>
           <c:orientation val="minMax"/>
         </c:scaling>
@@ -464,7 +466,7 @@
             <a:endParaRPr lang="en-US"/>
           </a:p>
         </c:txPr>
-        <c:crossAx val="-705268016"/>
+        <c:crossAx val="-774779408"/>
         <c:crosses val="autoZero"/>
         <c:crossBetween val="between"/>
       </c:valAx>
@@ -544,19 +546,21 @@
               </a:defRPr>
             </a:pPr>
             <a:r>
-              <a:rPr lang="en-US" dirty="0">
+              <a:rPr lang="en-US" b="0" i="0" dirty="0">
                 <a:solidFill>
                   <a:schemeClr val="tx1">
                     <a:lumMod val="75000"/>
                     <a:lumOff val="25000"/>
                   </a:schemeClr>
                 </a:solidFill>
+                <a:latin typeface="Al Tarikh" charset="-78"/>
               </a:rPr>
               <a:t>Company Sales</a:t>
             </a:r>
           </a:p>
         </c:rich>
       </c:tx>
+      <c:layout/>
       <c:overlay val="0"/>
       <c:spPr>
         <a:noFill/>
@@ -719,6 +723,22 @@
                   <c:y val="-0.140025232893487"/>
                 </c:manualLayout>
               </c:layout>
+              <c:tx>
+                <c:rich>
+                  <a:bodyPr/>
+                  <a:lstStyle/>
+                  <a:p>
+                    <a:fld id="{FAFA31EF-F334-7B49-9C1B-36D490442649}" type="VALUE">
+                      <a:rPr lang="en-US" b="0" i="0">
+                        <a:latin typeface="Al Tarikh" charset="-78"/>
+                      </a:rPr>
+                      <a:pPr/>
+                      <a:t>[VALUE]</a:t>
+                    </a:fld>
+                    <a:endParaRPr lang="en-US"/>
+                  </a:p>
+                </c:rich>
+              </c:tx>
               <c:showLegendKey val="1"/>
               <c:showVal val="1"/>
               <c:showCatName val="0"/>
@@ -729,7 +749,11 @@
                 <c:ext xmlns:c16="http://schemas.microsoft.com/office/drawing/2014/chart" uri="{C3380CC4-5D6E-409C-BE32-E72D297353CC}">
                   <c16:uniqueId val="{00000001-0ADA-48E7-A321-402E979D2202}"/>
                 </c:ext>
-                <c:ext xmlns:c15="http://schemas.microsoft.com/office/drawing/2012/chart" uri="{CE6537A1-D6FC-4f65-9D91-7224C49458BB}"/>
+                <c:ext xmlns:c15="http://schemas.microsoft.com/office/drawing/2012/chart" uri="{CE6537A1-D6FC-4f65-9D91-7224C49458BB}">
+                  <c15:layout/>
+                  <c15:dlblFieldTable/>
+                  <c15:showDataLabelsRange val="0"/>
+                </c:ext>
               </c:extLst>
             </c:dLbl>
             <c:dLbl>
@@ -740,6 +764,22 @@
                   <c:y val="-0.151455864150098"/>
                 </c:manualLayout>
               </c:layout>
+              <c:tx>
+                <c:rich>
+                  <a:bodyPr/>
+                  <a:lstStyle/>
+                  <a:p>
+                    <a:fld id="{544E7810-8F11-CA41-9EA2-6222B62533E8}" type="VALUE">
+                      <a:rPr lang="en-US" b="0" i="0">
+                        <a:latin typeface="Al Tarikh" charset="-78"/>
+                      </a:rPr>
+                      <a:pPr/>
+                      <a:t>[VALUE]</a:t>
+                    </a:fld>
+                    <a:endParaRPr lang="en-US"/>
+                  </a:p>
+                </c:rich>
+              </c:tx>
               <c:showLegendKey val="1"/>
               <c:showVal val="1"/>
               <c:showCatName val="0"/>
@@ -750,7 +790,11 @@
                 <c:ext xmlns:c16="http://schemas.microsoft.com/office/drawing/2014/chart" uri="{C3380CC4-5D6E-409C-BE32-E72D297353CC}">
                   <c16:uniqueId val="{00000006-BEFA-4A5E-AB52-FBB4B74C74A7}"/>
                 </c:ext>
-                <c:ext xmlns:c15="http://schemas.microsoft.com/office/drawing/2012/chart" uri="{CE6537A1-D6FC-4f65-9D91-7224C49458BB}"/>
+                <c:ext xmlns:c15="http://schemas.microsoft.com/office/drawing/2012/chart" uri="{CE6537A1-D6FC-4f65-9D91-7224C49458BB}">
+                  <c15:layout/>
+                  <c15:dlblFieldTable/>
+                  <c15:showDataLabelsRange val="0"/>
+                </c:ext>
               </c:extLst>
             </c:dLbl>
             <c:dLbl>
@@ -761,6 +805,22 @@
                   <c:y val="0.285765781415279"/>
                 </c:manualLayout>
               </c:layout>
+              <c:tx>
+                <c:rich>
+                  <a:bodyPr/>
+                  <a:lstStyle/>
+                  <a:p>
+                    <a:fld id="{BB922A49-27C6-5647-A980-A60C021C14E2}" type="VALUE">
+                      <a:rPr lang="en-US" b="0" i="0">
+                        <a:latin typeface="Al Tarikh" charset="-78"/>
+                      </a:rPr>
+                      <a:pPr/>
+                      <a:t>[VALUE]</a:t>
+                    </a:fld>
+                    <a:endParaRPr lang="en-US"/>
+                  </a:p>
+                </c:rich>
+              </c:tx>
               <c:showLegendKey val="1"/>
               <c:showVal val="1"/>
               <c:showCatName val="0"/>
@@ -771,7 +831,11 @@
                 <c:ext xmlns:c16="http://schemas.microsoft.com/office/drawing/2014/chart" uri="{C3380CC4-5D6E-409C-BE32-E72D297353CC}">
                   <c16:uniqueId val="{00000003-0ADA-48E7-A321-402E979D2202}"/>
                 </c:ext>
-                <c:ext xmlns:c15="http://schemas.microsoft.com/office/drawing/2012/chart" uri="{CE6537A1-D6FC-4f65-9D91-7224C49458BB}"/>
+                <c:ext xmlns:c15="http://schemas.microsoft.com/office/drawing/2012/chart" uri="{CE6537A1-D6FC-4f65-9D91-7224C49458BB}">
+                  <c15:layout/>
+                  <c15:dlblFieldTable/>
+                  <c15:showDataLabelsRange val="0"/>
+                </c:ext>
               </c:extLst>
             </c:dLbl>
             <c:dLbl>
@@ -782,6 +846,22 @@
                   <c:y val="0.228612625132223"/>
                 </c:manualLayout>
               </c:layout>
+              <c:tx>
+                <c:rich>
+                  <a:bodyPr/>
+                  <a:lstStyle/>
+                  <a:p>
+                    <a:fld id="{1B8A1098-A861-CB4D-949B-4ACDE3BBA1C7}" type="VALUE">
+                      <a:rPr lang="en-US" b="0" i="0">
+                        <a:latin typeface="Al Tarikh" charset="-78"/>
+                      </a:rPr>
+                      <a:pPr/>
+                      <a:t>[VALUE]</a:t>
+                    </a:fld>
+                    <a:endParaRPr lang="en-US"/>
+                  </a:p>
+                </c:rich>
+              </c:tx>
               <c:showLegendKey val="1"/>
               <c:showVal val="1"/>
               <c:showCatName val="0"/>
@@ -792,7 +872,11 @@
                 <c:ext xmlns:c16="http://schemas.microsoft.com/office/drawing/2014/chart" uri="{C3380CC4-5D6E-409C-BE32-E72D297353CC}">
                   <c16:uniqueId val="{00000005-0ADA-48E7-A321-402E979D2202}"/>
                 </c:ext>
-                <c:ext xmlns:c15="http://schemas.microsoft.com/office/drawing/2012/chart" uri="{CE6537A1-D6FC-4f65-9D91-7224C49458BB}"/>
+                <c:ext xmlns:c15="http://schemas.microsoft.com/office/drawing/2012/chart" uri="{CE6537A1-D6FC-4f65-9D91-7224C49458BB}">
+                  <c15:layout/>
+                  <c15:dlblFieldTable/>
+                  <c15:showDataLabelsRange val="0"/>
+                </c:ext>
               </c:extLst>
             </c:dLbl>
             <c:spPr>
@@ -976,38 +1060,42 @@
               </a:defRPr>
             </a:pPr>
             <a:r>
-              <a:rPr lang="en-US" dirty="0">
+              <a:rPr lang="en-US" b="0" i="0" dirty="0">
                 <a:solidFill>
                   <a:schemeClr val="tx1">
                     <a:lumMod val="75000"/>
                     <a:lumOff val="25000"/>
                   </a:schemeClr>
                 </a:solidFill>
+                <a:latin typeface="Al Tarikh" charset="-78"/>
               </a:rPr>
               <a:t>Revenue</a:t>
             </a:r>
             <a:r>
-              <a:rPr lang="en-US" baseline="0" dirty="0">
+              <a:rPr lang="en-US" b="0" i="0" baseline="0" dirty="0">
                 <a:solidFill>
                   <a:schemeClr val="tx1">
                     <a:lumMod val="75000"/>
                     <a:lumOff val="25000"/>
                   </a:schemeClr>
                 </a:solidFill>
+                <a:latin typeface="Al Tarikh" charset="-78"/>
               </a:rPr>
               <a:t> Over Time</a:t>
             </a:r>
-            <a:endParaRPr lang="en-US" dirty="0">
+            <a:endParaRPr lang="en-US" b="0" i="0" dirty="0">
               <a:solidFill>
                 <a:schemeClr val="tx1">
                   <a:lumMod val="75000"/>
                   <a:lumOff val="25000"/>
                 </a:schemeClr>
               </a:solidFill>
+              <a:latin typeface="Al Tarikh" charset="-78"/>
             </a:endParaRPr>
           </a:p>
         </c:rich>
       </c:tx>
+      <c:layout/>
       <c:overlay val="0"/>
       <c:spPr>
         <a:noFill/>
@@ -1244,11 +1332,11 @@
         </c:dLbls>
         <c:marker val="1"/>
         <c:smooth val="0"/>
-        <c:axId val="-662877056"/>
-        <c:axId val="-662874736"/>
+        <c:axId val="-774450960"/>
+        <c:axId val="-774448208"/>
       </c:lineChart>
       <c:catAx>
-        <c:axId val="-662877056"/>
+        <c:axId val="-774450960"/>
         <c:scaling>
           <c:orientation val="minMax"/>
         </c:scaling>
@@ -1291,7 +1379,7 @@
             <a:endParaRPr lang="en-US"/>
           </a:p>
         </c:txPr>
-        <c:crossAx val="-662874736"/>
+        <c:crossAx val="-774448208"/>
         <c:crosses val="autoZero"/>
         <c:auto val="1"/>
         <c:lblAlgn val="ctr"/>
@@ -1299,7 +1387,7 @@
         <c:noMultiLvlLbl val="0"/>
       </c:catAx>
       <c:valAx>
-        <c:axId val="-662874736"/>
+        <c:axId val="-774448208"/>
         <c:scaling>
           <c:orientation val="minMax"/>
         </c:scaling>
@@ -1350,7 +1438,7 @@
             <a:endParaRPr lang="en-US"/>
           </a:p>
         </c:txPr>
-        <c:crossAx val="-662877056"/>
+        <c:crossAx val="-774450960"/>
         <c:crosses val="autoZero"/>
         <c:crossBetween val="between"/>
       </c:valAx>
@@ -3052,7 +3140,7 @@
           <p:cNvPr id="2" name="Header Placeholder 1">
             <a:extLst>
               <a:ext uri="{FF2B5EF4-FFF2-40B4-BE49-F238E27FC236}">
-                <a16:creationId xmlns:a16="http://schemas.microsoft.com/office/drawing/2014/main" xmlns="" id="{B76F666D-E0C2-435B-BAA8-9287F9E5D38A}"/>
+                <a16:creationId xmlns="" xmlns:a16="http://schemas.microsoft.com/office/drawing/2014/main" id="{B76F666D-E0C2-435B-BAA8-9287F9E5D38A}"/>
               </a:ext>
             </a:extLst>
           </p:cNvPr>
@@ -3080,7 +3168,9 @@
             </a:lvl1pPr>
           </a:lstStyle>
           <a:p>
-            <a:endParaRPr lang="en-US"/>
+            <a:endParaRPr lang="en-US" dirty="0">
+              <a:latin typeface="Al Tarikh" charset="-78"/>
+            </a:endParaRPr>
           </a:p>
         </p:txBody>
       </p:sp>
@@ -3089,7 +3179,7 @@
           <p:cNvPr id="3" name="Date Placeholder 2">
             <a:extLst>
               <a:ext uri="{FF2B5EF4-FFF2-40B4-BE49-F238E27FC236}">
-                <a16:creationId xmlns:a16="http://schemas.microsoft.com/office/drawing/2014/main" xmlns="" id="{19FEBCAF-CB3F-4928-91AA-D61472F880C0}"/>
+                <a16:creationId xmlns="" xmlns:a16="http://schemas.microsoft.com/office/drawing/2014/main" id="{19FEBCAF-CB3F-4928-91AA-D61472F880C0}"/>
               </a:ext>
             </a:extLst>
           </p:cNvPr>
@@ -3118,10 +3208,14 @@
           </a:lstStyle>
           <a:p>
             <a:fld id="{EF1077DB-935E-4A0A-947A-D283B9F9F452}" type="datetimeFigureOut">
-              <a:rPr lang="en-US" smtClean="0"/>
-              <a:t>6/14/20</a:t>
+              <a:rPr lang="en-US" smtClean="0">
+                <a:latin typeface="Al Tarikh" charset="-78"/>
+              </a:rPr>
+              <a:t>6/16/20</a:t>
             </a:fld>
-            <a:endParaRPr lang="en-US"/>
+            <a:endParaRPr lang="en-US" dirty="0">
+              <a:latin typeface="Al Tarikh" charset="-78"/>
+            </a:endParaRPr>
           </a:p>
         </p:txBody>
       </p:sp>
@@ -3130,7 +3224,7 @@
           <p:cNvPr id="4" name="Footer Placeholder 3">
             <a:extLst>
               <a:ext uri="{FF2B5EF4-FFF2-40B4-BE49-F238E27FC236}">
-                <a16:creationId xmlns:a16="http://schemas.microsoft.com/office/drawing/2014/main" xmlns="" id="{69256698-63C6-4CCC-81CB-EA5604C30F1E}"/>
+                <a16:creationId xmlns="" xmlns:a16="http://schemas.microsoft.com/office/drawing/2014/main" id="{69256698-63C6-4CCC-81CB-EA5604C30F1E}"/>
               </a:ext>
             </a:extLst>
           </p:cNvPr>
@@ -3158,7 +3252,9 @@
             </a:lvl1pPr>
           </a:lstStyle>
           <a:p>
-            <a:endParaRPr lang="en-US"/>
+            <a:endParaRPr lang="en-US" dirty="0">
+              <a:latin typeface="Al Tarikh" charset="-78"/>
+            </a:endParaRPr>
           </a:p>
         </p:txBody>
       </p:sp>
@@ -3167,7 +3263,7 @@
           <p:cNvPr id="5" name="Slide Number Placeholder 4">
             <a:extLst>
               <a:ext uri="{FF2B5EF4-FFF2-40B4-BE49-F238E27FC236}">
-                <a16:creationId xmlns:a16="http://schemas.microsoft.com/office/drawing/2014/main" xmlns="" id="{B2467FDA-05D7-4760-A373-5D6AEAAF4278}"/>
+                <a16:creationId xmlns="" xmlns:a16="http://schemas.microsoft.com/office/drawing/2014/main" id="{B2467FDA-05D7-4760-A373-5D6AEAAF4278}"/>
               </a:ext>
             </a:extLst>
           </p:cNvPr>
@@ -3196,10 +3292,14 @@
           </a:lstStyle>
           <a:p>
             <a:fld id="{682C0B10-7CAE-41E4-AB02-7E8B1FF2B898}" type="slidenum">
-              <a:rPr lang="en-US" smtClean="0"/>
+              <a:rPr lang="en-US" smtClean="0">
+                <a:latin typeface="Al Tarikh" charset="-78"/>
+              </a:rPr>
               <a:t>‹#›</a:t>
             </a:fld>
-            <a:endParaRPr lang="en-US"/>
+            <a:endParaRPr lang="en-US" dirty="0">
+              <a:latin typeface="Al Tarikh" charset="-78"/>
+            </a:endParaRPr>
           </a:p>
         </p:txBody>
       </p:sp>
@@ -3259,11 +3359,13 @@
           <a:bodyPr vert="horz" lIns="91440" tIns="45720" rIns="91440" bIns="45720" rtlCol="0"/>
           <a:lstStyle>
             <a:lvl1pPr algn="l">
-              <a:defRPr sz="1200"/>
+              <a:defRPr sz="1200" b="0" i="0">
+                <a:latin typeface="Al Tarikh" charset="-78"/>
+              </a:defRPr>
             </a:lvl1pPr>
           </a:lstStyle>
           <a:p>
-            <a:endParaRPr lang="en-US" noProof="0"/>
+            <a:endParaRPr lang="en-US" dirty="0"/>
           </a:p>
         </p:txBody>
       </p:sp>
@@ -3290,15 +3392,18 @@
           <a:bodyPr vert="horz" lIns="91440" tIns="45720" rIns="91440" bIns="45720" rtlCol="0"/>
           <a:lstStyle>
             <a:lvl1pPr algn="r">
-              <a:defRPr sz="1200"/>
+              <a:defRPr sz="1200" b="0" i="0">
+                <a:latin typeface="Al Tarikh" charset="-78"/>
+              </a:defRPr>
             </a:lvl1pPr>
           </a:lstStyle>
           <a:p>
             <a:fld id="{2D9EC30E-1A71-4188-9BE7-E2A64929A436}" type="datetimeFigureOut">
-              <a:rPr lang="en-US" noProof="0" smtClean="0"/>
-              <a:t>6/14/20</a:t>
+              <a:rPr lang="en-US" smtClean="0"/>
+              <a:pPr/>
+              <a:t>6/16/20</a:t>
             </a:fld>
-            <a:endParaRPr lang="en-US" noProof="0"/>
+            <a:endParaRPr lang="en-US" dirty="0"/>
           </a:p>
         </p:txBody>
       </p:sp>
@@ -3331,7 +3436,7 @@
           <a:bodyPr vert="horz" lIns="91440" tIns="45720" rIns="91440" bIns="45720" rtlCol="0" anchor="ctr"/>
           <a:lstStyle/>
           <a:p>
-            <a:endParaRPr lang="en-US" noProof="0"/>
+            <a:endParaRPr lang="en-US" noProof="0" dirty="0"/>
           </a:p>
         </p:txBody>
       </p:sp>
@@ -3360,35 +3465,35 @@
           <a:p>
             <a:pPr lvl="0"/>
             <a:r>
-              <a:rPr lang="en-US" noProof="0"/>
+              <a:rPr lang="en-US" noProof="0" dirty="0"/>
               <a:t>Edit Master text styles</a:t>
             </a:r>
           </a:p>
           <a:p>
             <a:pPr lvl="1"/>
             <a:r>
-              <a:rPr lang="en-US" noProof="0"/>
+              <a:rPr lang="en-US" noProof="0" dirty="0"/>
               <a:t>Second level</a:t>
             </a:r>
           </a:p>
           <a:p>
             <a:pPr lvl="2"/>
             <a:r>
-              <a:rPr lang="en-US" noProof="0"/>
+              <a:rPr lang="en-US" noProof="0" dirty="0"/>
               <a:t>Third level</a:t>
             </a:r>
           </a:p>
           <a:p>
             <a:pPr lvl="3"/>
             <a:r>
-              <a:rPr lang="en-US" noProof="0"/>
+              <a:rPr lang="en-US" noProof="0" dirty="0"/>
               <a:t>Fourth level</a:t>
             </a:r>
           </a:p>
           <a:p>
             <a:pPr lvl="4"/>
             <a:r>
-              <a:rPr lang="en-US" noProof="0"/>
+              <a:rPr lang="en-US" noProof="0" dirty="0"/>
               <a:t>Fifth level</a:t>
             </a:r>
           </a:p>
@@ -3417,11 +3522,13 @@
           <a:bodyPr vert="horz" lIns="91440" tIns="45720" rIns="91440" bIns="45720" rtlCol="0" anchor="b"/>
           <a:lstStyle>
             <a:lvl1pPr algn="l">
-              <a:defRPr sz="1200"/>
+              <a:defRPr sz="1200" b="0" i="0">
+                <a:latin typeface="Al Tarikh" charset="-78"/>
+              </a:defRPr>
             </a:lvl1pPr>
           </a:lstStyle>
           <a:p>
-            <a:endParaRPr lang="en-US" noProof="0"/>
+            <a:endParaRPr lang="en-US" dirty="0"/>
           </a:p>
         </p:txBody>
       </p:sp>
@@ -3448,15 +3555,18 @@
           <a:bodyPr vert="horz" lIns="91440" tIns="45720" rIns="91440" bIns="45720" rtlCol="0" anchor="b"/>
           <a:lstStyle>
             <a:lvl1pPr algn="r">
-              <a:defRPr sz="1200"/>
+              <a:defRPr sz="1200" b="0" i="0">
+                <a:latin typeface="Al Tarikh" charset="-78"/>
+              </a:defRPr>
             </a:lvl1pPr>
           </a:lstStyle>
           <a:p>
             <a:fld id="{8530193B-564F-4854-8A52-728F3FB19C85}" type="slidenum">
-              <a:rPr lang="en-US" noProof="0" smtClean="0"/>
+              <a:rPr lang="en-US" smtClean="0"/>
+              <a:pPr/>
               <a:t>‹#›</a:t>
             </a:fld>
-            <a:endParaRPr lang="en-US" noProof="0"/>
+            <a:endParaRPr lang="en-US" dirty="0"/>
           </a:p>
         </p:txBody>
       </p:sp>
@@ -3470,51 +3580,51 @@
   <p:clrMap bg1="lt1" tx1="dk1" bg2="lt2" tx2="dk2" accent1="accent1" accent2="accent2" accent3="accent3" accent4="accent4" accent5="accent5" accent6="accent6" hlink="hlink" folHlink="folHlink"/>
   <p:notesStyle>
     <a:lvl1pPr marL="0" algn="l" defTabSz="914400" rtl="0" eaLnBrk="1" latinLnBrk="0" hangingPunct="1">
-      <a:defRPr sz="1200" kern="1200">
+      <a:defRPr sz="1200" b="0" i="0" kern="1200">
         <a:solidFill>
           <a:schemeClr val="tx1"/>
         </a:solidFill>
-        <a:latin typeface="+mn-lt"/>
+        <a:latin typeface="Al Tarikh" charset="-78"/>
         <a:ea typeface="+mn-ea"/>
         <a:cs typeface="+mn-cs"/>
       </a:defRPr>
     </a:lvl1pPr>
     <a:lvl2pPr marL="457200" algn="l" defTabSz="914400" rtl="0" eaLnBrk="1" latinLnBrk="0" hangingPunct="1">
-      <a:defRPr sz="1200" kern="1200">
+      <a:defRPr sz="1200" b="0" i="0" kern="1200">
         <a:solidFill>
           <a:schemeClr val="tx1"/>
         </a:solidFill>
-        <a:latin typeface="+mn-lt"/>
+        <a:latin typeface="Al Tarikh" charset="-78"/>
         <a:ea typeface="+mn-ea"/>
         <a:cs typeface="+mn-cs"/>
       </a:defRPr>
     </a:lvl2pPr>
     <a:lvl3pPr marL="914400" algn="l" defTabSz="914400" rtl="0" eaLnBrk="1" latinLnBrk="0" hangingPunct="1">
-      <a:defRPr sz="1200" kern="1200">
+      <a:defRPr sz="1200" b="0" i="0" kern="1200">
         <a:solidFill>
           <a:schemeClr val="tx1"/>
         </a:solidFill>
-        <a:latin typeface="+mn-lt"/>
+        <a:latin typeface="Al Tarikh" charset="-78"/>
         <a:ea typeface="+mn-ea"/>
         <a:cs typeface="+mn-cs"/>
       </a:defRPr>
     </a:lvl3pPr>
     <a:lvl4pPr marL="1371600" algn="l" defTabSz="914400" rtl="0" eaLnBrk="1" latinLnBrk="0" hangingPunct="1">
-      <a:defRPr sz="1200" kern="1200">
+      <a:defRPr sz="1200" b="0" i="0" kern="1200">
         <a:solidFill>
           <a:schemeClr val="tx1"/>
         </a:solidFill>
-        <a:latin typeface="+mn-lt"/>
+        <a:latin typeface="Al Tarikh" charset="-78"/>
         <a:ea typeface="+mn-ea"/>
         <a:cs typeface="+mn-cs"/>
       </a:defRPr>
     </a:lvl4pPr>
     <a:lvl5pPr marL="1828800" algn="l" defTabSz="914400" rtl="0" eaLnBrk="1" latinLnBrk="0" hangingPunct="1">
-      <a:defRPr sz="1200" kern="1200">
+      <a:defRPr sz="1200" b="0" i="0" kern="1200">
         <a:solidFill>
           <a:schemeClr val="tx1"/>
         </a:solidFill>
-        <a:latin typeface="+mn-lt"/>
+        <a:latin typeface="Al Tarikh" charset="-78"/>
         <a:ea typeface="+mn-ea"/>
         <a:cs typeface="+mn-cs"/>
       </a:defRPr>
@@ -3694,7 +3804,7 @@
           <a:p>
             <a:fld id="{A65A2499-6CB7-8C48-91A8-FB3A55F0105D}" type="datetimeFigureOut">
               <a:rPr lang="en-US" smtClean="0"/>
-              <a:t>6/14/20</a:t>
+              <a:t>6/16/20</a:t>
             </a:fld>
             <a:endParaRPr lang="en-US"/>
           </a:p>
@@ -3747,7 +3857,7 @@
           <p:cNvPr id="7" name="Rectangle 6">
             <a:extLst>
               <a:ext uri="{FF2B5EF4-FFF2-40B4-BE49-F238E27FC236}">
-                <a16:creationId xmlns:a16="http://schemas.microsoft.com/office/drawing/2014/main" xmlns="" id="{EC0FBB1B-4F0E-4365-BF27-3150FC6C3B90}"/>
+                <a16:creationId xmlns="" xmlns:a16="http://schemas.microsoft.com/office/drawing/2014/main" id="{EC0FBB1B-4F0E-4365-BF27-3150FC6C3B90}"/>
               </a:ext>
             </a:extLst>
           </p:cNvPr>
@@ -3792,7 +3902,9 @@
           <a:lstStyle/>
           <a:p>
             <a:pPr algn="ctr"/>
-            <a:endParaRPr lang="en-US" noProof="0" dirty="0"/>
+            <a:endParaRPr lang="en-US" b="0" i="0" noProof="0" dirty="0">
+              <a:latin typeface="Al Tarikh" charset="-78"/>
+            </a:endParaRPr>
           </a:p>
         </p:txBody>
       </p:sp>
@@ -3801,7 +3913,7 @@
           <p:cNvPr id="8" name="Rectangle 7">
             <a:extLst>
               <a:ext uri="{FF2B5EF4-FFF2-40B4-BE49-F238E27FC236}">
-                <a16:creationId xmlns:a16="http://schemas.microsoft.com/office/drawing/2014/main" xmlns="" id="{7A13D8A8-6C3D-4527-959D-41C3213F7F02}"/>
+                <a16:creationId xmlns="" xmlns:a16="http://schemas.microsoft.com/office/drawing/2014/main" id="{7A13D8A8-6C3D-4527-959D-41C3213F7F02}"/>
               </a:ext>
             </a:extLst>
           </p:cNvPr>
@@ -3844,7 +3956,9 @@
           <a:lstStyle/>
           <a:p>
             <a:pPr algn="ctr"/>
-            <a:endParaRPr lang="en-US" noProof="0" dirty="0"/>
+            <a:endParaRPr lang="en-US" b="0" i="0" noProof="0" dirty="0">
+              <a:latin typeface="Al Tarikh" charset="-78"/>
+            </a:endParaRPr>
           </a:p>
         </p:txBody>
       </p:sp>
@@ -3853,7 +3967,7 @@
           <p:cNvPr id="9" name="Rectangle 8">
             <a:extLst>
               <a:ext uri="{FF2B5EF4-FFF2-40B4-BE49-F238E27FC236}">
-                <a16:creationId xmlns:a16="http://schemas.microsoft.com/office/drawing/2014/main" xmlns="" id="{9504A767-1C0B-484E-BF7D-CD42D30A52EE}"/>
+                <a16:creationId xmlns="" xmlns:a16="http://schemas.microsoft.com/office/drawing/2014/main" id="{9504A767-1C0B-484E-BF7D-CD42D30A52EE}"/>
               </a:ext>
             </a:extLst>
           </p:cNvPr>
@@ -3896,7 +4010,9 @@
           <a:lstStyle/>
           <a:p>
             <a:pPr algn="ctr"/>
-            <a:endParaRPr lang="en-US" noProof="0" dirty="0"/>
+            <a:endParaRPr lang="en-US" b="0" i="0" noProof="0" dirty="0">
+              <a:latin typeface="Al Tarikh" charset="-78"/>
+            </a:endParaRPr>
           </a:p>
         </p:txBody>
       </p:sp>
@@ -3905,7 +4021,7 @@
           <p:cNvPr id="10" name="Rectangle 9">
             <a:extLst>
               <a:ext uri="{FF2B5EF4-FFF2-40B4-BE49-F238E27FC236}">
-                <a16:creationId xmlns:a16="http://schemas.microsoft.com/office/drawing/2014/main" xmlns="" id="{51DD44D8-4A8F-4693-B90A-166855B29D25}"/>
+                <a16:creationId xmlns="" xmlns:a16="http://schemas.microsoft.com/office/drawing/2014/main" id="{51DD44D8-4A8F-4693-B90A-166855B29D25}"/>
               </a:ext>
             </a:extLst>
           </p:cNvPr>
@@ -3945,7 +4061,9 @@
           <a:lstStyle/>
           <a:p>
             <a:pPr algn="ctr"/>
-            <a:endParaRPr lang="en-US" noProof="0" dirty="0"/>
+            <a:endParaRPr lang="en-US" b="0" i="0" noProof="0" dirty="0">
+              <a:latin typeface="Al Tarikh" charset="-78"/>
+            </a:endParaRPr>
           </a:p>
         </p:txBody>
       </p:sp>
@@ -4066,7 +4184,7 @@
           <a:p>
             <a:fld id="{A65A2499-6CB7-8C48-91A8-FB3A55F0105D}" type="datetimeFigureOut">
               <a:rPr lang="en-US" smtClean="0"/>
-              <a:t>6/14/20</a:t>
+              <a:t>6/16/20</a:t>
             </a:fld>
             <a:endParaRPr lang="en-US"/>
           </a:p>
@@ -4247,7 +4365,7 @@
           <a:p>
             <a:fld id="{A65A2499-6CB7-8C48-91A8-FB3A55F0105D}" type="datetimeFigureOut">
               <a:rPr lang="en-US" smtClean="0"/>
-              <a:t>6/14/20</a:t>
+              <a:t>6/16/20</a:t>
             </a:fld>
             <a:endParaRPr lang="en-US"/>
           </a:p>
@@ -4341,7 +4459,7 @@
           <p:cNvPr id="41" name="Picture Placeholder 40">
             <a:extLst>
               <a:ext uri="{FF2B5EF4-FFF2-40B4-BE49-F238E27FC236}">
-                <a16:creationId xmlns:a16="http://schemas.microsoft.com/office/drawing/2014/main" xmlns="" id="{EB7F0EE8-BE52-4A79-8FC8-4A2487FA01FC}"/>
+                <a16:creationId xmlns="" xmlns:a16="http://schemas.microsoft.com/office/drawing/2014/main" id="{EB7F0EE8-BE52-4A79-8FC8-4A2487FA01FC}"/>
               </a:ext>
             </a:extLst>
           </p:cNvPr>
@@ -4387,7 +4505,7 @@
           <p:cNvPr id="2" name="Title 1">
             <a:extLst>
               <a:ext uri="{FF2B5EF4-FFF2-40B4-BE49-F238E27FC236}">
-                <a16:creationId xmlns:a16="http://schemas.microsoft.com/office/drawing/2014/main" xmlns="" id="{00F23EB7-E336-46EB-A4A0-3DB7A6BF4CE1}"/>
+                <a16:creationId xmlns="" xmlns:a16="http://schemas.microsoft.com/office/drawing/2014/main" id="{00F23EB7-E336-46EB-A4A0-3DB7A6BF4CE1}"/>
               </a:ext>
             </a:extLst>
           </p:cNvPr>
@@ -4430,7 +4548,7 @@
           <p:cNvPr id="3" name="Subtitle 2">
             <a:extLst>
               <a:ext uri="{FF2B5EF4-FFF2-40B4-BE49-F238E27FC236}">
-                <a16:creationId xmlns:a16="http://schemas.microsoft.com/office/drawing/2014/main" xmlns="" id="{C9980B88-3F4A-4688-9ED0-17EF37E62D93}"/>
+                <a16:creationId xmlns="" xmlns:a16="http://schemas.microsoft.com/office/drawing/2014/main" id="{C9980B88-3F4A-4688-9ED0-17EF37E62D93}"/>
               </a:ext>
             </a:extLst>
           </p:cNvPr>
@@ -4481,7 +4599,7 @@
           <p:cNvPr id="13" name="Rectangle 12">
             <a:extLst>
               <a:ext uri="{FF2B5EF4-FFF2-40B4-BE49-F238E27FC236}">
-                <a16:creationId xmlns:a16="http://schemas.microsoft.com/office/drawing/2014/main" xmlns="" id="{EC0FBB1B-4F0E-4365-BF27-3150FC6C3B90}"/>
+                <a16:creationId xmlns="" xmlns:a16="http://schemas.microsoft.com/office/drawing/2014/main" id="{EC0FBB1B-4F0E-4365-BF27-3150FC6C3B90}"/>
               </a:ext>
             </a:extLst>
           </p:cNvPr>
@@ -4526,7 +4644,9 @@
           <a:lstStyle/>
           <a:p>
             <a:pPr algn="ctr"/>
-            <a:endParaRPr lang="en-US" noProof="0" dirty="0"/>
+            <a:endParaRPr lang="en-US" b="0" i="0" noProof="0" dirty="0">
+              <a:latin typeface="Al Tarikh" charset="-78"/>
+            </a:endParaRPr>
           </a:p>
         </p:txBody>
       </p:sp>
@@ -4535,7 +4655,7 @@
           <p:cNvPr id="14" name="Rectangle 13">
             <a:extLst>
               <a:ext uri="{FF2B5EF4-FFF2-40B4-BE49-F238E27FC236}">
-                <a16:creationId xmlns:a16="http://schemas.microsoft.com/office/drawing/2014/main" xmlns="" id="{7A13D8A8-6C3D-4527-959D-41C3213F7F02}"/>
+                <a16:creationId xmlns="" xmlns:a16="http://schemas.microsoft.com/office/drawing/2014/main" id="{7A13D8A8-6C3D-4527-959D-41C3213F7F02}"/>
               </a:ext>
             </a:extLst>
           </p:cNvPr>
@@ -4578,7 +4698,9 @@
           <a:lstStyle/>
           <a:p>
             <a:pPr algn="ctr"/>
-            <a:endParaRPr lang="en-US" noProof="0" dirty="0"/>
+            <a:endParaRPr lang="en-US" b="0" i="0" noProof="0" dirty="0">
+              <a:latin typeface="Al Tarikh" charset="-78"/>
+            </a:endParaRPr>
           </a:p>
         </p:txBody>
       </p:sp>
@@ -4587,7 +4709,7 @@
           <p:cNvPr id="15" name="Rectangle 14">
             <a:extLst>
               <a:ext uri="{FF2B5EF4-FFF2-40B4-BE49-F238E27FC236}">
-                <a16:creationId xmlns:a16="http://schemas.microsoft.com/office/drawing/2014/main" xmlns="" id="{9504A767-1C0B-484E-BF7D-CD42D30A52EE}"/>
+                <a16:creationId xmlns="" xmlns:a16="http://schemas.microsoft.com/office/drawing/2014/main" id="{9504A767-1C0B-484E-BF7D-CD42D30A52EE}"/>
               </a:ext>
             </a:extLst>
           </p:cNvPr>
@@ -4630,7 +4752,9 @@
           <a:lstStyle/>
           <a:p>
             <a:pPr algn="ctr"/>
-            <a:endParaRPr lang="en-US" noProof="0" dirty="0"/>
+            <a:endParaRPr lang="en-US" b="0" i="0" noProof="0" dirty="0">
+              <a:latin typeface="Al Tarikh" charset="-78"/>
+            </a:endParaRPr>
           </a:p>
         </p:txBody>
       </p:sp>
@@ -4639,7 +4763,7 @@
           <p:cNvPr id="8" name="Rectangle 7">
             <a:extLst>
               <a:ext uri="{FF2B5EF4-FFF2-40B4-BE49-F238E27FC236}">
-                <a16:creationId xmlns:a16="http://schemas.microsoft.com/office/drawing/2014/main" xmlns="" id="{51DD44D8-4A8F-4693-B90A-166855B29D25}"/>
+                <a16:creationId xmlns="" xmlns:a16="http://schemas.microsoft.com/office/drawing/2014/main" id="{51DD44D8-4A8F-4693-B90A-166855B29D25}"/>
               </a:ext>
             </a:extLst>
           </p:cNvPr>
@@ -4679,7 +4803,9 @@
           <a:lstStyle/>
           <a:p>
             <a:pPr algn="ctr"/>
-            <a:endParaRPr lang="en-US" noProof="0" dirty="0"/>
+            <a:endParaRPr lang="en-US" b="0" i="0" noProof="0" dirty="0">
+              <a:latin typeface="Al Tarikh" charset="-78"/>
+            </a:endParaRPr>
           </a:p>
         </p:txBody>
       </p:sp>
@@ -4718,7 +4844,7 @@
           <p:cNvPr id="7" name="Picture Placeholder 6">
             <a:extLst>
               <a:ext uri="{FF2B5EF4-FFF2-40B4-BE49-F238E27FC236}">
-                <a16:creationId xmlns:a16="http://schemas.microsoft.com/office/drawing/2014/main" xmlns="" id="{890ED7CE-A9D2-4D19-B978-56BFB74E657C}"/>
+                <a16:creationId xmlns="" xmlns:a16="http://schemas.microsoft.com/office/drawing/2014/main" id="{890ED7CE-A9D2-4D19-B978-56BFB74E657C}"/>
               </a:ext>
             </a:extLst>
           </p:cNvPr>
@@ -4764,7 +4890,7 @@
           <p:cNvPr id="2" name="Title 1">
             <a:extLst>
               <a:ext uri="{FF2B5EF4-FFF2-40B4-BE49-F238E27FC236}">
-                <a16:creationId xmlns:a16="http://schemas.microsoft.com/office/drawing/2014/main" xmlns="" id="{40EE479C-D1F6-4BAC-80D2-90EF74E3261A}"/>
+                <a16:creationId xmlns="" xmlns:a16="http://schemas.microsoft.com/office/drawing/2014/main" id="{40EE479C-D1F6-4BAC-80D2-90EF74E3261A}"/>
               </a:ext>
             </a:extLst>
           </p:cNvPr>
@@ -4811,7 +4937,7 @@
           <p:cNvPr id="10" name="Subtitle 2">
             <a:extLst>
               <a:ext uri="{FF2B5EF4-FFF2-40B4-BE49-F238E27FC236}">
-                <a16:creationId xmlns:a16="http://schemas.microsoft.com/office/drawing/2014/main" xmlns="" id="{3FAEED1D-0E66-4F74-9455-675F5CB7EAD4}"/>
+                <a16:creationId xmlns="" xmlns:a16="http://schemas.microsoft.com/office/drawing/2014/main" id="{3FAEED1D-0E66-4F74-9455-675F5CB7EAD4}"/>
               </a:ext>
             </a:extLst>
           </p:cNvPr>
@@ -4875,7 +5001,7 @@
           <p:cNvPr id="3" name="Content Placeholder 2">
             <a:extLst>
               <a:ext uri="{FF2B5EF4-FFF2-40B4-BE49-F238E27FC236}">
-                <a16:creationId xmlns:a16="http://schemas.microsoft.com/office/drawing/2014/main" xmlns="" id="{A22238F2-C6EC-476F-8371-119AECBA5622}"/>
+                <a16:creationId xmlns="" xmlns:a16="http://schemas.microsoft.com/office/drawing/2014/main" id="{A22238F2-C6EC-476F-8371-119AECBA5622}"/>
               </a:ext>
             </a:extLst>
           </p:cNvPr>
@@ -4989,7 +5115,7 @@
           <p:cNvPr id="4" name="Footer Placeholder 3">
             <a:extLst>
               <a:ext uri="{FF2B5EF4-FFF2-40B4-BE49-F238E27FC236}">
-                <a16:creationId xmlns:a16="http://schemas.microsoft.com/office/drawing/2014/main" xmlns="" id="{57847F90-9DB6-4832-9EB7-393AADAE8B70}"/>
+                <a16:creationId xmlns="" xmlns:a16="http://schemas.microsoft.com/office/drawing/2014/main" id="{57847F90-9DB6-4832-9EB7-393AADAE8B70}"/>
               </a:ext>
             </a:extLst>
           </p:cNvPr>
@@ -5017,7 +5143,7 @@
           <p:cNvPr id="5" name="Slide Number Placeholder 4">
             <a:extLst>
               <a:ext uri="{FF2B5EF4-FFF2-40B4-BE49-F238E27FC236}">
-                <a16:creationId xmlns:a16="http://schemas.microsoft.com/office/drawing/2014/main" xmlns="" id="{0505ED12-A431-4761-87A4-F05164BE0221}"/>
+                <a16:creationId xmlns="" xmlns:a16="http://schemas.microsoft.com/office/drawing/2014/main" id="{0505ED12-A431-4761-87A4-F05164BE0221}"/>
               </a:ext>
             </a:extLst>
           </p:cNvPr>
@@ -5047,7 +5173,7 @@
           <p:cNvPr id="8" name="Rectangle 7">
             <a:extLst>
               <a:ext uri="{FF2B5EF4-FFF2-40B4-BE49-F238E27FC236}">
-                <a16:creationId xmlns:a16="http://schemas.microsoft.com/office/drawing/2014/main" xmlns="" id="{1508F53F-6AA2-4060-904A-BC90211DC043}"/>
+                <a16:creationId xmlns="" xmlns:a16="http://schemas.microsoft.com/office/drawing/2014/main" id="{1508F53F-6AA2-4060-904A-BC90211DC043}"/>
               </a:ext>
             </a:extLst>
           </p:cNvPr>
@@ -5090,7 +5216,9 @@
           <a:lstStyle/>
           <a:p>
             <a:pPr algn="l"/>
-            <a:endParaRPr lang="en-US" noProof="0" dirty="0"/>
+            <a:endParaRPr lang="en-US" b="0" i="0" noProof="0" dirty="0">
+              <a:latin typeface="Al Tarikh" charset="-78"/>
+            </a:endParaRPr>
           </a:p>
         </p:txBody>
       </p:sp>
@@ -5129,7 +5257,7 @@
           <p:cNvPr id="7" name="Picture Placeholder 6">
             <a:extLst>
               <a:ext uri="{FF2B5EF4-FFF2-40B4-BE49-F238E27FC236}">
-                <a16:creationId xmlns:a16="http://schemas.microsoft.com/office/drawing/2014/main" xmlns="" id="{890ED7CE-A9D2-4D19-B978-56BFB74E657C}"/>
+                <a16:creationId xmlns="" xmlns:a16="http://schemas.microsoft.com/office/drawing/2014/main" id="{890ED7CE-A9D2-4D19-B978-56BFB74E657C}"/>
               </a:ext>
             </a:extLst>
           </p:cNvPr>
@@ -5175,7 +5303,7 @@
           <p:cNvPr id="2" name="Title 1">
             <a:extLst>
               <a:ext uri="{FF2B5EF4-FFF2-40B4-BE49-F238E27FC236}">
-                <a16:creationId xmlns:a16="http://schemas.microsoft.com/office/drawing/2014/main" xmlns="" id="{40EE479C-D1F6-4BAC-80D2-90EF74E3261A}"/>
+                <a16:creationId xmlns="" xmlns:a16="http://schemas.microsoft.com/office/drawing/2014/main" id="{40EE479C-D1F6-4BAC-80D2-90EF74E3261A}"/>
               </a:ext>
             </a:extLst>
           </p:cNvPr>
@@ -5224,7 +5352,7 @@
           <p:cNvPr id="10" name="Subtitle 2">
             <a:extLst>
               <a:ext uri="{FF2B5EF4-FFF2-40B4-BE49-F238E27FC236}">
-                <a16:creationId xmlns:a16="http://schemas.microsoft.com/office/drawing/2014/main" xmlns="" id="{3FAEED1D-0E66-4F74-9455-675F5CB7EAD4}"/>
+                <a16:creationId xmlns="" xmlns:a16="http://schemas.microsoft.com/office/drawing/2014/main" id="{3FAEED1D-0E66-4F74-9455-675F5CB7EAD4}"/>
               </a:ext>
             </a:extLst>
           </p:cNvPr>
@@ -5288,7 +5416,7 @@
           <p:cNvPr id="3" name="Content Placeholder 2">
             <a:extLst>
               <a:ext uri="{FF2B5EF4-FFF2-40B4-BE49-F238E27FC236}">
-                <a16:creationId xmlns:a16="http://schemas.microsoft.com/office/drawing/2014/main" xmlns="" id="{A22238F2-C6EC-476F-8371-119AECBA5622}"/>
+                <a16:creationId xmlns="" xmlns:a16="http://schemas.microsoft.com/office/drawing/2014/main" id="{A22238F2-C6EC-476F-8371-119AECBA5622}"/>
               </a:ext>
             </a:extLst>
           </p:cNvPr>
@@ -5402,7 +5530,7 @@
           <p:cNvPr id="4" name="Footer Placeholder 3">
             <a:extLst>
               <a:ext uri="{FF2B5EF4-FFF2-40B4-BE49-F238E27FC236}">
-                <a16:creationId xmlns:a16="http://schemas.microsoft.com/office/drawing/2014/main" xmlns="" id="{57847F90-9DB6-4832-9EB7-393AADAE8B70}"/>
+                <a16:creationId xmlns="" xmlns:a16="http://schemas.microsoft.com/office/drawing/2014/main" id="{57847F90-9DB6-4832-9EB7-393AADAE8B70}"/>
               </a:ext>
             </a:extLst>
           </p:cNvPr>
@@ -5430,7 +5558,7 @@
           <p:cNvPr id="5" name="Slide Number Placeholder 4">
             <a:extLst>
               <a:ext uri="{FF2B5EF4-FFF2-40B4-BE49-F238E27FC236}">
-                <a16:creationId xmlns:a16="http://schemas.microsoft.com/office/drawing/2014/main" xmlns="" id="{0505ED12-A431-4761-87A4-F05164BE0221}"/>
+                <a16:creationId xmlns="" xmlns:a16="http://schemas.microsoft.com/office/drawing/2014/main" id="{0505ED12-A431-4761-87A4-F05164BE0221}"/>
               </a:ext>
             </a:extLst>
           </p:cNvPr>
@@ -5460,7 +5588,7 @@
           <p:cNvPr id="8" name="Rectangle 7">
             <a:extLst>
               <a:ext uri="{FF2B5EF4-FFF2-40B4-BE49-F238E27FC236}">
-                <a16:creationId xmlns:a16="http://schemas.microsoft.com/office/drawing/2014/main" xmlns="" id="{FA5285E0-8F27-49C4-AADF-92A3B72D41FD}"/>
+                <a16:creationId xmlns="" xmlns:a16="http://schemas.microsoft.com/office/drawing/2014/main" id="{FA5285E0-8F27-49C4-AADF-92A3B72D41FD}"/>
               </a:ext>
             </a:extLst>
           </p:cNvPr>
@@ -5503,7 +5631,9 @@
           <a:lstStyle/>
           <a:p>
             <a:pPr algn="l"/>
-            <a:endParaRPr lang="en-US" noProof="0" dirty="0"/>
+            <a:endParaRPr lang="en-US" b="0" i="0" noProof="0" dirty="0">
+              <a:latin typeface="Al Tarikh" charset="-78"/>
+            </a:endParaRPr>
           </a:p>
         </p:txBody>
       </p:sp>
@@ -5552,7 +5682,7 @@
           <p:cNvPr id="41" name="Picture Placeholder 40">
             <a:extLst>
               <a:ext uri="{FF2B5EF4-FFF2-40B4-BE49-F238E27FC236}">
-                <a16:creationId xmlns:a16="http://schemas.microsoft.com/office/drawing/2014/main" xmlns="" id="{EB7F0EE8-BE52-4A79-8FC8-4A2487FA01FC}"/>
+                <a16:creationId xmlns="" xmlns:a16="http://schemas.microsoft.com/office/drawing/2014/main" id="{EB7F0EE8-BE52-4A79-8FC8-4A2487FA01FC}"/>
               </a:ext>
             </a:extLst>
           </p:cNvPr>
@@ -5605,7 +5735,7 @@
           <p:cNvPr id="2" name="Title 1">
             <a:extLst>
               <a:ext uri="{FF2B5EF4-FFF2-40B4-BE49-F238E27FC236}">
-                <a16:creationId xmlns:a16="http://schemas.microsoft.com/office/drawing/2014/main" xmlns="" id="{00F23EB7-E336-46EB-A4A0-3DB7A6BF4CE1}"/>
+                <a16:creationId xmlns="" xmlns:a16="http://schemas.microsoft.com/office/drawing/2014/main" id="{00F23EB7-E336-46EB-A4A0-3DB7A6BF4CE1}"/>
               </a:ext>
             </a:extLst>
           </p:cNvPr>
@@ -5648,7 +5778,7 @@
           <p:cNvPr id="7" name="Subtitle 2">
             <a:extLst>
               <a:ext uri="{FF2B5EF4-FFF2-40B4-BE49-F238E27FC236}">
-                <a16:creationId xmlns:a16="http://schemas.microsoft.com/office/drawing/2014/main" xmlns="" id="{9E4D4535-D519-40ED-B8A4-2EA1276BB652}"/>
+                <a16:creationId xmlns="" xmlns:a16="http://schemas.microsoft.com/office/drawing/2014/main" id="{9E4D4535-D519-40ED-B8A4-2EA1276BB652}"/>
               </a:ext>
             </a:extLst>
           </p:cNvPr>
@@ -5728,7 +5858,7 @@
           <p:cNvPr id="4" name="Footer Placeholder 3">
             <a:extLst>
               <a:ext uri="{FF2B5EF4-FFF2-40B4-BE49-F238E27FC236}">
-                <a16:creationId xmlns:a16="http://schemas.microsoft.com/office/drawing/2014/main" xmlns="" id="{6816FE98-6A12-44EC-8485-8B5EFABDF9B2}"/>
+                <a16:creationId xmlns="" xmlns:a16="http://schemas.microsoft.com/office/drawing/2014/main" id="{6816FE98-6A12-44EC-8485-8B5EFABDF9B2}"/>
               </a:ext>
             </a:extLst>
           </p:cNvPr>
@@ -5756,7 +5886,7 @@
           <p:cNvPr id="8" name="Rectangle 7">
             <a:extLst>
               <a:ext uri="{FF2B5EF4-FFF2-40B4-BE49-F238E27FC236}">
-                <a16:creationId xmlns:a16="http://schemas.microsoft.com/office/drawing/2014/main" xmlns="" id="{51DD44D8-4A8F-4693-B90A-166855B29D25}"/>
+                <a16:creationId xmlns="" xmlns:a16="http://schemas.microsoft.com/office/drawing/2014/main" id="{51DD44D8-4A8F-4693-B90A-166855B29D25}"/>
               </a:ext>
             </a:extLst>
           </p:cNvPr>
@@ -5796,7 +5926,9 @@
           <a:lstStyle/>
           <a:p>
             <a:pPr algn="ctr"/>
-            <a:endParaRPr lang="en-US" noProof="0" dirty="0"/>
+            <a:endParaRPr lang="en-US" b="0" i="0" noProof="0" dirty="0">
+              <a:latin typeface="Al Tarikh" charset="-78"/>
+            </a:endParaRPr>
           </a:p>
         </p:txBody>
       </p:sp>
@@ -5805,7 +5937,7 @@
           <p:cNvPr id="13" name="Rectangle 12">
             <a:extLst>
               <a:ext uri="{FF2B5EF4-FFF2-40B4-BE49-F238E27FC236}">
-                <a16:creationId xmlns:a16="http://schemas.microsoft.com/office/drawing/2014/main" xmlns="" id="{EC0FBB1B-4F0E-4365-BF27-3150FC6C3B90}"/>
+                <a16:creationId xmlns="" xmlns:a16="http://schemas.microsoft.com/office/drawing/2014/main" id="{EC0FBB1B-4F0E-4365-BF27-3150FC6C3B90}"/>
               </a:ext>
             </a:extLst>
           </p:cNvPr>
@@ -5850,7 +5982,9 @@
           <a:lstStyle/>
           <a:p>
             <a:pPr algn="ctr"/>
-            <a:endParaRPr lang="en-US" noProof="0" dirty="0"/>
+            <a:endParaRPr lang="en-US" b="0" i="0" noProof="0" dirty="0">
+              <a:latin typeface="Al Tarikh" charset="-78"/>
+            </a:endParaRPr>
           </a:p>
         </p:txBody>
       </p:sp>
@@ -5859,7 +5993,7 @@
           <p:cNvPr id="14" name="Rectangle 13">
             <a:extLst>
               <a:ext uri="{FF2B5EF4-FFF2-40B4-BE49-F238E27FC236}">
-                <a16:creationId xmlns:a16="http://schemas.microsoft.com/office/drawing/2014/main" xmlns="" id="{7A13D8A8-6C3D-4527-959D-41C3213F7F02}"/>
+                <a16:creationId xmlns="" xmlns:a16="http://schemas.microsoft.com/office/drawing/2014/main" id="{7A13D8A8-6C3D-4527-959D-41C3213F7F02}"/>
               </a:ext>
             </a:extLst>
           </p:cNvPr>
@@ -5902,7 +6036,9 @@
           <a:lstStyle/>
           <a:p>
             <a:pPr algn="ctr"/>
-            <a:endParaRPr lang="en-US" noProof="0" dirty="0"/>
+            <a:endParaRPr lang="en-US" b="0" i="0" noProof="0" dirty="0">
+              <a:latin typeface="Al Tarikh" charset="-78"/>
+            </a:endParaRPr>
           </a:p>
         </p:txBody>
       </p:sp>
@@ -5911,7 +6047,7 @@
           <p:cNvPr id="15" name="Rectangle 14">
             <a:extLst>
               <a:ext uri="{FF2B5EF4-FFF2-40B4-BE49-F238E27FC236}">
-                <a16:creationId xmlns:a16="http://schemas.microsoft.com/office/drawing/2014/main" xmlns="" id="{9504A767-1C0B-484E-BF7D-CD42D30A52EE}"/>
+                <a16:creationId xmlns="" xmlns:a16="http://schemas.microsoft.com/office/drawing/2014/main" id="{9504A767-1C0B-484E-BF7D-CD42D30A52EE}"/>
               </a:ext>
             </a:extLst>
           </p:cNvPr>
@@ -5954,7 +6090,9 @@
           <a:lstStyle/>
           <a:p>
             <a:pPr algn="ctr"/>
-            <a:endParaRPr lang="en-US" noProof="0" dirty="0"/>
+            <a:endParaRPr lang="en-US" b="0" i="0" noProof="0" dirty="0">
+              <a:latin typeface="Al Tarikh" charset="-78"/>
+            </a:endParaRPr>
           </a:p>
         </p:txBody>
       </p:sp>
@@ -5963,7 +6101,7 @@
           <p:cNvPr id="5" name="Slide Number Placeholder 4">
             <a:extLst>
               <a:ext uri="{FF2B5EF4-FFF2-40B4-BE49-F238E27FC236}">
-                <a16:creationId xmlns:a16="http://schemas.microsoft.com/office/drawing/2014/main" xmlns="" id="{F50EF489-F21B-4E7C-9A44-D3CC8DC34F5F}"/>
+                <a16:creationId xmlns="" xmlns:a16="http://schemas.microsoft.com/office/drawing/2014/main" id="{F50EF489-F21B-4E7C-9A44-D3CC8DC34F5F}"/>
               </a:ext>
             </a:extLst>
           </p:cNvPr>
@@ -6023,7 +6161,7 @@
           <p:cNvPr id="2" name="Title 1">
             <a:extLst>
               <a:ext uri="{FF2B5EF4-FFF2-40B4-BE49-F238E27FC236}">
-                <a16:creationId xmlns:a16="http://schemas.microsoft.com/office/drawing/2014/main" xmlns="" id="{3F288DD7-6DAF-436D-B04A-EBCCAA36917C}"/>
+                <a16:creationId xmlns="" xmlns:a16="http://schemas.microsoft.com/office/drawing/2014/main" id="{3F288DD7-6DAF-436D-B04A-EBCCAA36917C}"/>
               </a:ext>
             </a:extLst>
           </p:cNvPr>
@@ -6067,7 +6205,7 @@
           <p:cNvPr id="9" name="Subtitle 2">
             <a:extLst>
               <a:ext uri="{FF2B5EF4-FFF2-40B4-BE49-F238E27FC236}">
-                <a16:creationId xmlns:a16="http://schemas.microsoft.com/office/drawing/2014/main" xmlns="" id="{E4633398-8EC3-417B-BEA6-101D8F224678}"/>
+                <a16:creationId xmlns="" xmlns:a16="http://schemas.microsoft.com/office/drawing/2014/main" id="{E4633398-8EC3-417B-BEA6-101D8F224678}"/>
               </a:ext>
             </a:extLst>
           </p:cNvPr>
@@ -6122,7 +6260,7 @@
           <p:cNvPr id="3" name="Comparison Left Placeholder 1">
             <a:extLst>
               <a:ext uri="{FF2B5EF4-FFF2-40B4-BE49-F238E27FC236}">
-                <a16:creationId xmlns:a16="http://schemas.microsoft.com/office/drawing/2014/main" xmlns="" id="{9322B50D-6A7D-41C6-BA57-613BC231DF36}"/>
+                <a16:creationId xmlns="" xmlns:a16="http://schemas.microsoft.com/office/drawing/2014/main" id="{9322B50D-6A7D-41C6-BA57-613BC231DF36}"/>
               </a:ext>
             </a:extLst>
           </p:cNvPr>
@@ -6200,7 +6338,7 @@
           <p:cNvPr id="4" name="Content Placeholder 2">
             <a:extLst>
               <a:ext uri="{FF2B5EF4-FFF2-40B4-BE49-F238E27FC236}">
-                <a16:creationId xmlns:a16="http://schemas.microsoft.com/office/drawing/2014/main" xmlns="" id="{9FD584DA-F775-47B8-A1D7-6556AD5FCBD2}"/>
+                <a16:creationId xmlns="" xmlns:a16="http://schemas.microsoft.com/office/drawing/2014/main" id="{9FD584DA-F775-47B8-A1D7-6556AD5FCBD2}"/>
               </a:ext>
             </a:extLst>
           </p:cNvPr>
@@ -6314,7 +6452,7 @@
           <p:cNvPr id="12" name="Comparison Left Placeholder 2">
             <a:extLst>
               <a:ext uri="{FF2B5EF4-FFF2-40B4-BE49-F238E27FC236}">
-                <a16:creationId xmlns:a16="http://schemas.microsoft.com/office/drawing/2014/main" xmlns="" id="{78A963F8-6F6E-440E-B3B3-DDE13C083A36}"/>
+                <a16:creationId xmlns="" xmlns:a16="http://schemas.microsoft.com/office/drawing/2014/main" id="{78A963F8-6F6E-440E-B3B3-DDE13C083A36}"/>
               </a:ext>
             </a:extLst>
           </p:cNvPr>
@@ -6353,7 +6491,7 @@
           <p:cNvPr id="8" name="Text Placeholder 4">
             <a:extLst>
               <a:ext uri="{FF2B5EF4-FFF2-40B4-BE49-F238E27FC236}">
-                <a16:creationId xmlns:a16="http://schemas.microsoft.com/office/drawing/2014/main" xmlns="" id="{DF0A5256-B267-47DA-858A-0F3867CB6139}"/>
+                <a16:creationId xmlns="" xmlns:a16="http://schemas.microsoft.com/office/drawing/2014/main" id="{DF0A5256-B267-47DA-858A-0F3867CB6139}"/>
               </a:ext>
             </a:extLst>
           </p:cNvPr>
@@ -6416,7 +6554,7 @@
           <p:cNvPr id="5" name="Footer Placeholder 4">
             <a:extLst>
               <a:ext uri="{FF2B5EF4-FFF2-40B4-BE49-F238E27FC236}">
-                <a16:creationId xmlns:a16="http://schemas.microsoft.com/office/drawing/2014/main" xmlns="" id="{646B8F99-FAB0-4B33-87ED-9FF46D11A907}"/>
+                <a16:creationId xmlns="" xmlns:a16="http://schemas.microsoft.com/office/drawing/2014/main" id="{646B8F99-FAB0-4B33-87ED-9FF46D11A907}"/>
               </a:ext>
             </a:extLst>
           </p:cNvPr>
@@ -6444,7 +6582,7 @@
           <p:cNvPr id="6" name="Slide Number Placeholder 5">
             <a:extLst>
               <a:ext uri="{FF2B5EF4-FFF2-40B4-BE49-F238E27FC236}">
-                <a16:creationId xmlns:a16="http://schemas.microsoft.com/office/drawing/2014/main" xmlns="" id="{18733E7E-50D2-4F6C-9DF2-CF4C98C4B847}"/>
+                <a16:creationId xmlns="" xmlns:a16="http://schemas.microsoft.com/office/drawing/2014/main" id="{18733E7E-50D2-4F6C-9DF2-CF4C98C4B847}"/>
               </a:ext>
             </a:extLst>
           </p:cNvPr>
@@ -6474,10 +6612,10 @@
           <p:cNvPr id="10" name="Rectangle 9" descr="Accent block left">
             <a:extLst>
               <a:ext uri="{FF2B5EF4-FFF2-40B4-BE49-F238E27FC236}">
-                <a16:creationId xmlns:a16="http://schemas.microsoft.com/office/drawing/2014/main" xmlns="" id="{BBC0CAF5-0DE6-4BEA-824E-124A54A76AC6}"/>
+                <a16:creationId xmlns="" xmlns:a16="http://schemas.microsoft.com/office/drawing/2014/main" id="{BBC0CAF5-0DE6-4BEA-824E-124A54A76AC6}"/>
               </a:ext>
               <a:ext uri="{C183D7F6-B498-43B3-948B-1728B52AA6E4}">
-                <adec:decorative xmlns:adec="http://schemas.microsoft.com/office/drawing/2017/decorative" xmlns="" val="1"/>
+                <adec:decorative xmlns="" xmlns:adec="http://schemas.microsoft.com/office/drawing/2017/decorative" val="1"/>
               </a:ext>
             </a:extLst>
           </p:cNvPr>
@@ -6520,7 +6658,9 @@
           <a:lstStyle/>
           <a:p>
             <a:pPr algn="l"/>
-            <a:endParaRPr lang="en-US" noProof="0" dirty="0"/>
+            <a:endParaRPr lang="en-US" b="0" i="0" noProof="0" dirty="0">
+              <a:latin typeface="Al Tarikh" charset="-78"/>
+            </a:endParaRPr>
           </a:p>
         </p:txBody>
       </p:sp>
@@ -6529,10 +6669,10 @@
           <p:cNvPr id="11" name="Rectangle 10" descr="Accent bar right&#10;">
             <a:extLst>
               <a:ext uri="{FF2B5EF4-FFF2-40B4-BE49-F238E27FC236}">
-                <a16:creationId xmlns:a16="http://schemas.microsoft.com/office/drawing/2014/main" xmlns="" id="{ED008080-B2F5-441A-8B15-30AE86BBF943}"/>
+                <a16:creationId xmlns="" xmlns:a16="http://schemas.microsoft.com/office/drawing/2014/main" id="{ED008080-B2F5-441A-8B15-30AE86BBF943}"/>
               </a:ext>
               <a:ext uri="{C183D7F6-B498-43B3-948B-1728B52AA6E4}">
-                <adec:decorative xmlns:adec="http://schemas.microsoft.com/office/drawing/2017/decorative" xmlns="" val="1"/>
+                <adec:decorative xmlns="" xmlns:adec="http://schemas.microsoft.com/office/drawing/2017/decorative" val="1"/>
               </a:ext>
             </a:extLst>
           </p:cNvPr>
@@ -6575,7 +6715,9 @@
           <a:lstStyle/>
           <a:p>
             <a:pPr algn="l"/>
-            <a:endParaRPr lang="en-US" noProof="0" dirty="0"/>
+            <a:endParaRPr lang="en-US" b="0" i="0" noProof="0" dirty="0">
+              <a:latin typeface="Al Tarikh" charset="-78"/>
+            </a:endParaRPr>
           </a:p>
         </p:txBody>
       </p:sp>
@@ -6625,7 +6767,7 @@
           <p:cNvPr id="41" name="Picture Placeholder 40">
             <a:extLst>
               <a:ext uri="{FF2B5EF4-FFF2-40B4-BE49-F238E27FC236}">
-                <a16:creationId xmlns:a16="http://schemas.microsoft.com/office/drawing/2014/main" xmlns="" id="{EB7F0EE8-BE52-4A79-8FC8-4A2487FA01FC}"/>
+                <a16:creationId xmlns="" xmlns:a16="http://schemas.microsoft.com/office/drawing/2014/main" id="{EB7F0EE8-BE52-4A79-8FC8-4A2487FA01FC}"/>
               </a:ext>
             </a:extLst>
           </p:cNvPr>
@@ -6678,7 +6820,7 @@
           <p:cNvPr id="3" name="Title 1">
             <a:extLst>
               <a:ext uri="{FF2B5EF4-FFF2-40B4-BE49-F238E27FC236}">
-                <a16:creationId xmlns:a16="http://schemas.microsoft.com/office/drawing/2014/main" xmlns="" id="{E473AB13-DFF9-4538-9907-E261659E0E01}"/>
+                <a16:creationId xmlns="" xmlns:a16="http://schemas.microsoft.com/office/drawing/2014/main" id="{E473AB13-DFF9-4538-9907-E261659E0E01}"/>
               </a:ext>
             </a:extLst>
           </p:cNvPr>
@@ -6726,7 +6868,7 @@
           <p:cNvPr id="7" name="Subtitle 2">
             <a:extLst>
               <a:ext uri="{FF2B5EF4-FFF2-40B4-BE49-F238E27FC236}">
-                <a16:creationId xmlns:a16="http://schemas.microsoft.com/office/drawing/2014/main" xmlns="" id="{9E4D4535-D519-40ED-B8A4-2EA1276BB652}"/>
+                <a16:creationId xmlns="" xmlns:a16="http://schemas.microsoft.com/office/drawing/2014/main" id="{9E4D4535-D519-40ED-B8A4-2EA1276BB652}"/>
               </a:ext>
             </a:extLst>
           </p:cNvPr>
@@ -6806,7 +6948,7 @@
           <p:cNvPr id="4" name="Footer Placeholder 3">
             <a:extLst>
               <a:ext uri="{FF2B5EF4-FFF2-40B4-BE49-F238E27FC236}">
-                <a16:creationId xmlns:a16="http://schemas.microsoft.com/office/drawing/2014/main" xmlns="" id="{6816FE98-6A12-44EC-8485-8B5EFABDF9B2}"/>
+                <a16:creationId xmlns="" xmlns:a16="http://schemas.microsoft.com/office/drawing/2014/main" id="{6816FE98-6A12-44EC-8485-8B5EFABDF9B2}"/>
               </a:ext>
             </a:extLst>
           </p:cNvPr>
@@ -6834,7 +6976,7 @@
           <p:cNvPr id="8" name="Rectangle 7">
             <a:extLst>
               <a:ext uri="{FF2B5EF4-FFF2-40B4-BE49-F238E27FC236}">
-                <a16:creationId xmlns:a16="http://schemas.microsoft.com/office/drawing/2014/main" xmlns="" id="{51DD44D8-4A8F-4693-B90A-166855B29D25}"/>
+                <a16:creationId xmlns="" xmlns:a16="http://schemas.microsoft.com/office/drawing/2014/main" id="{51DD44D8-4A8F-4693-B90A-166855B29D25}"/>
               </a:ext>
             </a:extLst>
           </p:cNvPr>
@@ -6877,7 +7019,9 @@
           <a:lstStyle/>
           <a:p>
             <a:pPr algn="l"/>
-            <a:endParaRPr lang="en-US" noProof="0" dirty="0"/>
+            <a:endParaRPr lang="en-US" b="0" i="0" noProof="0" dirty="0">
+              <a:latin typeface="Al Tarikh" charset="-78"/>
+            </a:endParaRPr>
           </a:p>
         </p:txBody>
       </p:sp>
@@ -6886,7 +7030,7 @@
           <p:cNvPr id="13" name="Rectangle 12">
             <a:extLst>
               <a:ext uri="{FF2B5EF4-FFF2-40B4-BE49-F238E27FC236}">
-                <a16:creationId xmlns:a16="http://schemas.microsoft.com/office/drawing/2014/main" xmlns="" id="{EC0FBB1B-4F0E-4365-BF27-3150FC6C3B90}"/>
+                <a16:creationId xmlns="" xmlns:a16="http://schemas.microsoft.com/office/drawing/2014/main" id="{EC0FBB1B-4F0E-4365-BF27-3150FC6C3B90}"/>
               </a:ext>
             </a:extLst>
           </p:cNvPr>
@@ -6931,7 +7075,9 @@
           <a:lstStyle/>
           <a:p>
             <a:pPr algn="ctr"/>
-            <a:endParaRPr lang="en-US" noProof="0" dirty="0"/>
+            <a:endParaRPr lang="en-US" b="0" i="0" noProof="0" dirty="0">
+              <a:latin typeface="Al Tarikh" charset="-78"/>
+            </a:endParaRPr>
           </a:p>
         </p:txBody>
       </p:sp>
@@ -6940,7 +7086,7 @@
           <p:cNvPr id="14" name="Rectangle 13">
             <a:extLst>
               <a:ext uri="{FF2B5EF4-FFF2-40B4-BE49-F238E27FC236}">
-                <a16:creationId xmlns:a16="http://schemas.microsoft.com/office/drawing/2014/main" xmlns="" id="{7A13D8A8-6C3D-4527-959D-41C3213F7F02}"/>
+                <a16:creationId xmlns="" xmlns:a16="http://schemas.microsoft.com/office/drawing/2014/main" id="{7A13D8A8-6C3D-4527-959D-41C3213F7F02}"/>
               </a:ext>
             </a:extLst>
           </p:cNvPr>
@@ -6983,7 +7129,9 @@
           <a:lstStyle/>
           <a:p>
             <a:pPr algn="ctr"/>
-            <a:endParaRPr lang="en-US" noProof="0" dirty="0"/>
+            <a:endParaRPr lang="en-US" b="0" i="0" noProof="0" dirty="0">
+              <a:latin typeface="Al Tarikh" charset="-78"/>
+            </a:endParaRPr>
           </a:p>
         </p:txBody>
       </p:sp>
@@ -6992,7 +7140,7 @@
           <p:cNvPr id="15" name="Rectangle 14">
             <a:extLst>
               <a:ext uri="{FF2B5EF4-FFF2-40B4-BE49-F238E27FC236}">
-                <a16:creationId xmlns:a16="http://schemas.microsoft.com/office/drawing/2014/main" xmlns="" id="{9504A767-1C0B-484E-BF7D-CD42D30A52EE}"/>
+                <a16:creationId xmlns="" xmlns:a16="http://schemas.microsoft.com/office/drawing/2014/main" id="{9504A767-1C0B-484E-BF7D-CD42D30A52EE}"/>
               </a:ext>
             </a:extLst>
           </p:cNvPr>
@@ -7035,7 +7183,9 @@
           <a:lstStyle/>
           <a:p>
             <a:pPr algn="ctr"/>
-            <a:endParaRPr lang="en-US" noProof="0" dirty="0"/>
+            <a:endParaRPr lang="en-US" b="0" i="0" noProof="0" dirty="0">
+              <a:latin typeface="Al Tarikh" charset="-78"/>
+            </a:endParaRPr>
           </a:p>
         </p:txBody>
       </p:sp>
@@ -7044,7 +7194,7 @@
           <p:cNvPr id="5" name="Slide Number Placeholder 4">
             <a:extLst>
               <a:ext uri="{FF2B5EF4-FFF2-40B4-BE49-F238E27FC236}">
-                <a16:creationId xmlns:a16="http://schemas.microsoft.com/office/drawing/2014/main" xmlns="" id="{F50EF489-F21B-4E7C-9A44-D3CC8DC34F5F}"/>
+                <a16:creationId xmlns="" xmlns:a16="http://schemas.microsoft.com/office/drawing/2014/main" id="{F50EF489-F21B-4E7C-9A44-D3CC8DC34F5F}"/>
               </a:ext>
             </a:extLst>
           </p:cNvPr>
@@ -7104,7 +7254,7 @@
           <p:cNvPr id="2" name="Title 1">
             <a:extLst>
               <a:ext uri="{FF2B5EF4-FFF2-40B4-BE49-F238E27FC236}">
-                <a16:creationId xmlns:a16="http://schemas.microsoft.com/office/drawing/2014/main" xmlns="" id="{5FC626A5-4FF6-42BD-858A-AE4B2C23A6BC}"/>
+                <a16:creationId xmlns="" xmlns:a16="http://schemas.microsoft.com/office/drawing/2014/main" id="{5FC626A5-4FF6-42BD-858A-AE4B2C23A6BC}"/>
               </a:ext>
             </a:extLst>
           </p:cNvPr>
@@ -7143,7 +7293,7 @@
           <p:cNvPr id="5" name="Subtitle 2">
             <a:extLst>
               <a:ext uri="{FF2B5EF4-FFF2-40B4-BE49-F238E27FC236}">
-                <a16:creationId xmlns:a16="http://schemas.microsoft.com/office/drawing/2014/main" xmlns="" id="{10727B06-56A8-44A2-B6C2-9ED183D107F3}"/>
+                <a16:creationId xmlns="" xmlns:a16="http://schemas.microsoft.com/office/drawing/2014/main" id="{10727B06-56A8-44A2-B6C2-9ED183D107F3}"/>
               </a:ext>
             </a:extLst>
           </p:cNvPr>
@@ -7198,7 +7348,7 @@
           <p:cNvPr id="3" name="Footer Placeholder 2">
             <a:extLst>
               <a:ext uri="{FF2B5EF4-FFF2-40B4-BE49-F238E27FC236}">
-                <a16:creationId xmlns:a16="http://schemas.microsoft.com/office/drawing/2014/main" xmlns="" id="{08CCB8C2-B6A2-4C69-8D3A-57420A034BA4}"/>
+                <a16:creationId xmlns="" xmlns:a16="http://schemas.microsoft.com/office/drawing/2014/main" id="{08CCB8C2-B6A2-4C69-8D3A-57420A034BA4}"/>
               </a:ext>
             </a:extLst>
           </p:cNvPr>
@@ -7226,7 +7376,7 @@
           <p:cNvPr id="4" name="Slide Number Placeholder 3">
             <a:extLst>
               <a:ext uri="{FF2B5EF4-FFF2-40B4-BE49-F238E27FC236}">
-                <a16:creationId xmlns:a16="http://schemas.microsoft.com/office/drawing/2014/main" xmlns="" id="{853CF994-8B2C-443F-B695-7378DD360DAA}"/>
+                <a16:creationId xmlns="" xmlns:a16="http://schemas.microsoft.com/office/drawing/2014/main" id="{853CF994-8B2C-443F-B695-7378DD360DAA}"/>
               </a:ext>
             </a:extLst>
           </p:cNvPr>
@@ -7286,7 +7436,7 @@
           <p:cNvPr id="7" name="Picture Placeholder 6">
             <a:extLst>
               <a:ext uri="{FF2B5EF4-FFF2-40B4-BE49-F238E27FC236}">
-                <a16:creationId xmlns:a16="http://schemas.microsoft.com/office/drawing/2014/main" xmlns="" id="{890ED7CE-A9D2-4D19-B978-56BFB74E657C}"/>
+                <a16:creationId xmlns="" xmlns:a16="http://schemas.microsoft.com/office/drawing/2014/main" id="{890ED7CE-A9D2-4D19-B978-56BFB74E657C}"/>
               </a:ext>
             </a:extLst>
           </p:cNvPr>
@@ -7332,7 +7482,7 @@
           <p:cNvPr id="3" name="Content Placeholder 2">
             <a:extLst>
               <a:ext uri="{FF2B5EF4-FFF2-40B4-BE49-F238E27FC236}">
-                <a16:creationId xmlns:a16="http://schemas.microsoft.com/office/drawing/2014/main" xmlns="" id="{A22238F2-C6EC-476F-8371-119AECBA5622}"/>
+                <a16:creationId xmlns="" xmlns:a16="http://schemas.microsoft.com/office/drawing/2014/main" id="{A22238F2-C6EC-476F-8371-119AECBA5622}"/>
               </a:ext>
             </a:extLst>
           </p:cNvPr>
@@ -7418,7 +7568,7 @@
           <p:cNvPr id="4" name="Footer Placeholder 3">
             <a:extLst>
               <a:ext uri="{FF2B5EF4-FFF2-40B4-BE49-F238E27FC236}">
-                <a16:creationId xmlns:a16="http://schemas.microsoft.com/office/drawing/2014/main" xmlns="" id="{57847F90-9DB6-4832-9EB7-393AADAE8B70}"/>
+                <a16:creationId xmlns="" xmlns:a16="http://schemas.microsoft.com/office/drawing/2014/main" id="{57847F90-9DB6-4832-9EB7-393AADAE8B70}"/>
               </a:ext>
             </a:extLst>
           </p:cNvPr>
@@ -7446,7 +7596,7 @@
           <p:cNvPr id="2" name="Slide Number Placeholder 1">
             <a:extLst>
               <a:ext uri="{FF2B5EF4-FFF2-40B4-BE49-F238E27FC236}">
-                <a16:creationId xmlns:a16="http://schemas.microsoft.com/office/drawing/2014/main" xmlns="" id="{8B3D119C-DBF5-4B4F-BE38-7BD7B5C8A5D0}"/>
+                <a16:creationId xmlns="" xmlns:a16="http://schemas.microsoft.com/office/drawing/2014/main" id="{8B3D119C-DBF5-4B4F-BE38-7BD7B5C8A5D0}"/>
               </a:ext>
             </a:extLst>
           </p:cNvPr>
@@ -7476,7 +7626,7 @@
           <p:cNvPr id="5" name="Title 4">
             <a:extLst>
               <a:ext uri="{FF2B5EF4-FFF2-40B4-BE49-F238E27FC236}">
-                <a16:creationId xmlns:a16="http://schemas.microsoft.com/office/drawing/2014/main" xmlns="" id="{7F8E7C83-06D7-4C5B-85B7-0E5713B4FAB3}"/>
+                <a16:creationId xmlns="" xmlns:a16="http://schemas.microsoft.com/office/drawing/2014/main" id="{7F8E7C83-06D7-4C5B-85B7-0E5713B4FAB3}"/>
               </a:ext>
             </a:extLst>
           </p:cNvPr>
@@ -7622,7 +7772,7 @@
           <a:p>
             <a:fld id="{A65A2499-6CB7-8C48-91A8-FB3A55F0105D}" type="datetimeFigureOut">
               <a:rPr lang="en-US" smtClean="0"/>
-              <a:t>6/14/20</a:t>
+              <a:t>6/16/20</a:t>
             </a:fld>
             <a:endParaRPr lang="en-US"/>
           </a:p>
@@ -7715,7 +7865,7 @@
           <p:cNvPr id="41" name="Picture Placeholder 40">
             <a:extLst>
               <a:ext uri="{FF2B5EF4-FFF2-40B4-BE49-F238E27FC236}">
-                <a16:creationId xmlns:a16="http://schemas.microsoft.com/office/drawing/2014/main" xmlns="" id="{EB7F0EE8-BE52-4A79-8FC8-4A2487FA01FC}"/>
+                <a16:creationId xmlns="" xmlns:a16="http://schemas.microsoft.com/office/drawing/2014/main" id="{EB7F0EE8-BE52-4A79-8FC8-4A2487FA01FC}"/>
               </a:ext>
             </a:extLst>
           </p:cNvPr>
@@ -7761,7 +7911,7 @@
           <p:cNvPr id="2" name="Title 1">
             <a:extLst>
               <a:ext uri="{FF2B5EF4-FFF2-40B4-BE49-F238E27FC236}">
-                <a16:creationId xmlns:a16="http://schemas.microsoft.com/office/drawing/2014/main" xmlns="" id="{00F23EB7-E336-46EB-A4A0-3DB7A6BF4CE1}"/>
+                <a16:creationId xmlns="" xmlns:a16="http://schemas.microsoft.com/office/drawing/2014/main" id="{00F23EB7-E336-46EB-A4A0-3DB7A6BF4CE1}"/>
               </a:ext>
             </a:extLst>
           </p:cNvPr>
@@ -7804,7 +7954,7 @@
           <p:cNvPr id="9" name="Text Placeholder 5">
             <a:extLst>
               <a:ext uri="{FF2B5EF4-FFF2-40B4-BE49-F238E27FC236}">
-                <a16:creationId xmlns:a16="http://schemas.microsoft.com/office/drawing/2014/main" xmlns="" id="{52FA7FC9-E40E-4144-84E4-34E3722E9A6D}"/>
+                <a16:creationId xmlns="" xmlns:a16="http://schemas.microsoft.com/office/drawing/2014/main" id="{52FA7FC9-E40E-4144-84E4-34E3722E9A6D}"/>
               </a:ext>
             </a:extLst>
           </p:cNvPr>
@@ -7869,7 +8019,7 @@
           <p:cNvPr id="10" name="Text Placeholder 6">
             <a:extLst>
               <a:ext uri="{FF2B5EF4-FFF2-40B4-BE49-F238E27FC236}">
-                <a16:creationId xmlns:a16="http://schemas.microsoft.com/office/drawing/2014/main" xmlns="" id="{97289182-4FE6-4A18-9775-4588D5801CF6}"/>
+                <a16:creationId xmlns="" xmlns:a16="http://schemas.microsoft.com/office/drawing/2014/main" id="{97289182-4FE6-4A18-9775-4588D5801CF6}"/>
               </a:ext>
             </a:extLst>
           </p:cNvPr>
@@ -7934,7 +8084,7 @@
           <p:cNvPr id="11" name="Text Placeholder 7">
             <a:extLst>
               <a:ext uri="{FF2B5EF4-FFF2-40B4-BE49-F238E27FC236}">
-                <a16:creationId xmlns:a16="http://schemas.microsoft.com/office/drawing/2014/main" xmlns="" id="{BD4E94C7-6CAF-4FEE-9E02-D3D3A2AC5EAF}"/>
+                <a16:creationId xmlns="" xmlns:a16="http://schemas.microsoft.com/office/drawing/2014/main" id="{BD4E94C7-6CAF-4FEE-9E02-D3D3A2AC5EAF}"/>
               </a:ext>
             </a:extLst>
           </p:cNvPr>
@@ -7999,7 +8149,7 @@
           <p:cNvPr id="12" name="Text Placeholder 8">
             <a:extLst>
               <a:ext uri="{FF2B5EF4-FFF2-40B4-BE49-F238E27FC236}">
-                <a16:creationId xmlns:a16="http://schemas.microsoft.com/office/drawing/2014/main" xmlns="" id="{0DE421A3-3C59-48FC-BC3B-007ADFBEB4FE}"/>
+                <a16:creationId xmlns="" xmlns:a16="http://schemas.microsoft.com/office/drawing/2014/main" id="{0DE421A3-3C59-48FC-BC3B-007ADFBEB4FE}"/>
               </a:ext>
             </a:extLst>
           </p:cNvPr>
@@ -8064,7 +8214,7 @@
           <p:cNvPr id="15" name="Rectangle 14">
             <a:extLst>
               <a:ext uri="{FF2B5EF4-FFF2-40B4-BE49-F238E27FC236}">
-                <a16:creationId xmlns:a16="http://schemas.microsoft.com/office/drawing/2014/main" xmlns="" id="{9504A767-1C0B-484E-BF7D-CD42D30A52EE}"/>
+                <a16:creationId xmlns="" xmlns:a16="http://schemas.microsoft.com/office/drawing/2014/main" id="{9504A767-1C0B-484E-BF7D-CD42D30A52EE}"/>
               </a:ext>
             </a:extLst>
           </p:cNvPr>
@@ -8107,7 +8257,9 @@
           <a:lstStyle/>
           <a:p>
             <a:pPr algn="ctr"/>
-            <a:endParaRPr lang="en-US" noProof="0" dirty="0"/>
+            <a:endParaRPr lang="en-US" b="0" i="0" noProof="0" dirty="0">
+              <a:latin typeface="Al Tarikh" charset="-78"/>
+            </a:endParaRPr>
           </a:p>
         </p:txBody>
       </p:sp>
@@ -8116,7 +8268,7 @@
           <p:cNvPr id="14" name="Rectangle 13">
             <a:extLst>
               <a:ext uri="{FF2B5EF4-FFF2-40B4-BE49-F238E27FC236}">
-                <a16:creationId xmlns:a16="http://schemas.microsoft.com/office/drawing/2014/main" xmlns="" id="{7A13D8A8-6C3D-4527-959D-41C3213F7F02}"/>
+                <a16:creationId xmlns="" xmlns:a16="http://schemas.microsoft.com/office/drawing/2014/main" id="{7A13D8A8-6C3D-4527-959D-41C3213F7F02}"/>
               </a:ext>
             </a:extLst>
           </p:cNvPr>
@@ -8159,7 +8311,9 @@
           <a:lstStyle/>
           <a:p>
             <a:pPr algn="ctr"/>
-            <a:endParaRPr lang="en-US" noProof="0" dirty="0"/>
+            <a:endParaRPr lang="en-US" b="0" i="0" noProof="0" dirty="0">
+              <a:latin typeface="Al Tarikh" charset="-78"/>
+            </a:endParaRPr>
           </a:p>
         </p:txBody>
       </p:sp>
@@ -8168,7 +8322,7 @@
           <p:cNvPr id="13" name="Rectangle 12">
             <a:extLst>
               <a:ext uri="{FF2B5EF4-FFF2-40B4-BE49-F238E27FC236}">
-                <a16:creationId xmlns:a16="http://schemas.microsoft.com/office/drawing/2014/main" xmlns="" id="{EC0FBB1B-4F0E-4365-BF27-3150FC6C3B90}"/>
+                <a16:creationId xmlns="" xmlns:a16="http://schemas.microsoft.com/office/drawing/2014/main" id="{EC0FBB1B-4F0E-4365-BF27-3150FC6C3B90}"/>
               </a:ext>
             </a:extLst>
           </p:cNvPr>
@@ -8213,7 +8367,9 @@
           <a:lstStyle/>
           <a:p>
             <a:pPr algn="ctr"/>
-            <a:endParaRPr lang="en-US" noProof="0" dirty="0"/>
+            <a:endParaRPr lang="en-US" b="0" i="0" noProof="0" dirty="0">
+              <a:latin typeface="Al Tarikh" charset="-78"/>
+            </a:endParaRPr>
           </a:p>
         </p:txBody>
       </p:sp>
@@ -8222,7 +8378,7 @@
           <p:cNvPr id="8" name="Rectangle 7">
             <a:extLst>
               <a:ext uri="{FF2B5EF4-FFF2-40B4-BE49-F238E27FC236}">
-                <a16:creationId xmlns:a16="http://schemas.microsoft.com/office/drawing/2014/main" xmlns="" id="{51DD44D8-4A8F-4693-B90A-166855B29D25}"/>
+                <a16:creationId xmlns="" xmlns:a16="http://schemas.microsoft.com/office/drawing/2014/main" id="{51DD44D8-4A8F-4693-B90A-166855B29D25}"/>
               </a:ext>
             </a:extLst>
           </p:cNvPr>
@@ -8262,7 +8418,9 @@
           <a:lstStyle/>
           <a:p>
             <a:pPr algn="ctr"/>
-            <a:endParaRPr lang="en-US" noProof="0" dirty="0"/>
+            <a:endParaRPr lang="en-US" b="0" i="0" noProof="0" dirty="0">
+              <a:latin typeface="Al Tarikh" charset="-78"/>
+            </a:endParaRPr>
           </a:p>
         </p:txBody>
       </p:sp>
@@ -8271,7 +8429,7 @@
           <p:cNvPr id="5" name="Slide Number Placeholder 4">
             <a:extLst>
               <a:ext uri="{FF2B5EF4-FFF2-40B4-BE49-F238E27FC236}">
-                <a16:creationId xmlns:a16="http://schemas.microsoft.com/office/drawing/2014/main" xmlns="" id="{222FB6A7-1E80-487C-93E6-DCAA8751EF21}"/>
+                <a16:creationId xmlns="" xmlns:a16="http://schemas.microsoft.com/office/drawing/2014/main" id="{222FB6A7-1E80-487C-93E6-DCAA8751EF21}"/>
               </a:ext>
             </a:extLst>
           </p:cNvPr>
@@ -8331,7 +8489,7 @@
           <p:cNvPr id="2" name="Footer Placeholder 1">
             <a:extLst>
               <a:ext uri="{FF2B5EF4-FFF2-40B4-BE49-F238E27FC236}">
-                <a16:creationId xmlns:a16="http://schemas.microsoft.com/office/drawing/2014/main" xmlns="" id="{16D0504D-4610-4E9E-A2DB-8B701F044BBC}"/>
+                <a16:creationId xmlns="" xmlns:a16="http://schemas.microsoft.com/office/drawing/2014/main" id="{16D0504D-4610-4E9E-A2DB-8B701F044BBC}"/>
               </a:ext>
             </a:extLst>
           </p:cNvPr>
@@ -8359,7 +8517,7 @@
           <p:cNvPr id="3" name="Slide Number Placeholder 2">
             <a:extLst>
               <a:ext uri="{FF2B5EF4-FFF2-40B4-BE49-F238E27FC236}">
-                <a16:creationId xmlns:a16="http://schemas.microsoft.com/office/drawing/2014/main" xmlns="" id="{A95CDFA7-DEA3-4BBE-8D70-0AF654A1E6FF}"/>
+                <a16:creationId xmlns="" xmlns:a16="http://schemas.microsoft.com/office/drawing/2014/main" id="{A95CDFA7-DEA3-4BBE-8D70-0AF654A1E6FF}"/>
               </a:ext>
             </a:extLst>
           </p:cNvPr>
@@ -8389,7 +8547,7 @@
           <p:cNvPr id="4" name="Title 3">
             <a:extLst>
               <a:ext uri="{FF2B5EF4-FFF2-40B4-BE49-F238E27FC236}">
-                <a16:creationId xmlns:a16="http://schemas.microsoft.com/office/drawing/2014/main" xmlns="" id="{90694D9D-C633-4D52-965E-E5BBD9883037}"/>
+                <a16:creationId xmlns="" xmlns:a16="http://schemas.microsoft.com/office/drawing/2014/main" id="{90694D9D-C633-4D52-965E-E5BBD9883037}"/>
               </a:ext>
             </a:extLst>
           </p:cNvPr>
@@ -8418,7 +8576,7 @@
           <p:cNvPr id="6" name="Text Placeholder 5">
             <a:extLst>
               <a:ext uri="{FF2B5EF4-FFF2-40B4-BE49-F238E27FC236}">
-                <a16:creationId xmlns:a16="http://schemas.microsoft.com/office/drawing/2014/main" xmlns="" id="{0DB3A426-6D4A-4D91-ACD6-A2C25BAE44E3}"/>
+                <a16:creationId xmlns="" xmlns:a16="http://schemas.microsoft.com/office/drawing/2014/main" id="{0DB3A426-6D4A-4D91-ACD6-A2C25BAE44E3}"/>
               </a:ext>
             </a:extLst>
           </p:cNvPr>
@@ -8491,7 +8649,7 @@
           <p:cNvPr id="2" name="Title 1">
             <a:extLst>
               <a:ext uri="{FF2B5EF4-FFF2-40B4-BE49-F238E27FC236}">
-                <a16:creationId xmlns:a16="http://schemas.microsoft.com/office/drawing/2014/main" xmlns="" id="{5CFF4C50-933F-41F9-AD11-BD02410AA7D5}"/>
+                <a16:creationId xmlns="" xmlns:a16="http://schemas.microsoft.com/office/drawing/2014/main" id="{5CFF4C50-933F-41F9-AD11-BD02410AA7D5}"/>
               </a:ext>
             </a:extLst>
           </p:cNvPr>
@@ -8530,7 +8688,7 @@
           <p:cNvPr id="7" name="Subtitle 2">
             <a:extLst>
               <a:ext uri="{FF2B5EF4-FFF2-40B4-BE49-F238E27FC236}">
-                <a16:creationId xmlns:a16="http://schemas.microsoft.com/office/drawing/2014/main" xmlns="" id="{E97A9A62-1AA6-47A9-A1A0-54196823744C}"/>
+                <a16:creationId xmlns="" xmlns:a16="http://schemas.microsoft.com/office/drawing/2014/main" id="{E97A9A62-1AA6-47A9-A1A0-54196823744C}"/>
               </a:ext>
             </a:extLst>
           </p:cNvPr>
@@ -8585,7 +8743,7 @@
           <p:cNvPr id="3" name="Content Placeholder 2">
             <a:extLst>
               <a:ext uri="{FF2B5EF4-FFF2-40B4-BE49-F238E27FC236}">
-                <a16:creationId xmlns:a16="http://schemas.microsoft.com/office/drawing/2014/main" xmlns="" id="{B1948E38-8FB0-4E51-A01C-C88794372E50}"/>
+                <a16:creationId xmlns="" xmlns:a16="http://schemas.microsoft.com/office/drawing/2014/main" id="{B1948E38-8FB0-4E51-A01C-C88794372E50}"/>
               </a:ext>
             </a:extLst>
           </p:cNvPr>
@@ -8694,7 +8852,7 @@
           <p:cNvPr id="4" name="Footer Placeholder 3">
             <a:extLst>
               <a:ext uri="{FF2B5EF4-FFF2-40B4-BE49-F238E27FC236}">
-                <a16:creationId xmlns:a16="http://schemas.microsoft.com/office/drawing/2014/main" xmlns="" id="{E8FE0EB3-0FF4-4285-B9D3-90A5751B7BBF}"/>
+                <a16:creationId xmlns="" xmlns:a16="http://schemas.microsoft.com/office/drawing/2014/main" id="{E8FE0EB3-0FF4-4285-B9D3-90A5751B7BBF}"/>
               </a:ext>
             </a:extLst>
           </p:cNvPr>
@@ -8722,7 +8880,7 @@
           <p:cNvPr id="5" name="Slide Number Placeholder 4">
             <a:extLst>
               <a:ext uri="{FF2B5EF4-FFF2-40B4-BE49-F238E27FC236}">
-                <a16:creationId xmlns:a16="http://schemas.microsoft.com/office/drawing/2014/main" xmlns="" id="{C8DE0AAD-6FBD-416B-A91A-21F2B737919E}"/>
+                <a16:creationId xmlns="" xmlns:a16="http://schemas.microsoft.com/office/drawing/2014/main" id="{C8DE0AAD-6FBD-416B-A91A-21F2B737919E}"/>
               </a:ext>
             </a:extLst>
           </p:cNvPr>
@@ -8782,7 +8940,7 @@
           <p:cNvPr id="2" name="Title 1">
             <a:extLst>
               <a:ext uri="{FF2B5EF4-FFF2-40B4-BE49-F238E27FC236}">
-                <a16:creationId xmlns:a16="http://schemas.microsoft.com/office/drawing/2014/main" xmlns="" id="{40EE479C-D1F6-4BAC-80D2-90EF74E3261A}"/>
+                <a16:creationId xmlns="" xmlns:a16="http://schemas.microsoft.com/office/drawing/2014/main" id="{40EE479C-D1F6-4BAC-80D2-90EF74E3261A}"/>
               </a:ext>
             </a:extLst>
           </p:cNvPr>
@@ -8826,7 +8984,7 @@
           <p:cNvPr id="7" name="Subtitle 2">
             <a:extLst>
               <a:ext uri="{FF2B5EF4-FFF2-40B4-BE49-F238E27FC236}">
-                <a16:creationId xmlns:a16="http://schemas.microsoft.com/office/drawing/2014/main" xmlns="" id="{7DEBF36F-ADC5-48FF-BFAF-3BED06924FD3}"/>
+                <a16:creationId xmlns="" xmlns:a16="http://schemas.microsoft.com/office/drawing/2014/main" id="{7DEBF36F-ADC5-48FF-BFAF-3BED06924FD3}"/>
               </a:ext>
             </a:extLst>
           </p:cNvPr>
@@ -8881,7 +9039,7 @@
           <p:cNvPr id="3" name="Content Placeholder 2">
             <a:extLst>
               <a:ext uri="{FF2B5EF4-FFF2-40B4-BE49-F238E27FC236}">
-                <a16:creationId xmlns:a16="http://schemas.microsoft.com/office/drawing/2014/main" xmlns="" id="{A22238F2-C6EC-476F-8371-119AECBA5622}"/>
+                <a16:creationId xmlns="" xmlns:a16="http://schemas.microsoft.com/office/drawing/2014/main" id="{A22238F2-C6EC-476F-8371-119AECBA5622}"/>
               </a:ext>
             </a:extLst>
           </p:cNvPr>
@@ -8995,7 +9153,7 @@
           <p:cNvPr id="6" name="Text Placeholder 4">
             <a:extLst>
               <a:ext uri="{FF2B5EF4-FFF2-40B4-BE49-F238E27FC236}">
-                <a16:creationId xmlns:a16="http://schemas.microsoft.com/office/drawing/2014/main" xmlns="" id="{7867C73D-EE16-41D1-B7CE-A35C765E3B8D}"/>
+                <a16:creationId xmlns="" xmlns:a16="http://schemas.microsoft.com/office/drawing/2014/main" id="{7867C73D-EE16-41D1-B7CE-A35C765E3B8D}"/>
               </a:ext>
             </a:extLst>
           </p:cNvPr>
@@ -9058,7 +9216,7 @@
           <p:cNvPr id="4" name="Footer Placeholder 3">
             <a:extLst>
               <a:ext uri="{FF2B5EF4-FFF2-40B4-BE49-F238E27FC236}">
-                <a16:creationId xmlns:a16="http://schemas.microsoft.com/office/drawing/2014/main" xmlns="" id="{57847F90-9DB6-4832-9EB7-393AADAE8B70}"/>
+                <a16:creationId xmlns="" xmlns:a16="http://schemas.microsoft.com/office/drawing/2014/main" id="{57847F90-9DB6-4832-9EB7-393AADAE8B70}"/>
               </a:ext>
             </a:extLst>
           </p:cNvPr>
@@ -9086,7 +9244,7 @@
           <p:cNvPr id="5" name="Slide Number Placeholder 4">
             <a:extLst>
               <a:ext uri="{FF2B5EF4-FFF2-40B4-BE49-F238E27FC236}">
-                <a16:creationId xmlns:a16="http://schemas.microsoft.com/office/drawing/2014/main" xmlns="" id="{F64CFC6C-1D8B-46C9-B0F7-A8BD88D8AB46}"/>
+                <a16:creationId xmlns="" xmlns:a16="http://schemas.microsoft.com/office/drawing/2014/main" id="{F64CFC6C-1D8B-46C9-B0F7-A8BD88D8AB46}"/>
               </a:ext>
             </a:extLst>
           </p:cNvPr>
@@ -9146,7 +9304,7 @@
           <p:cNvPr id="2" name="Title 1">
             <a:extLst>
               <a:ext uri="{FF2B5EF4-FFF2-40B4-BE49-F238E27FC236}">
-                <a16:creationId xmlns:a16="http://schemas.microsoft.com/office/drawing/2014/main" xmlns="" id="{5CFF4C50-933F-41F9-AD11-BD02410AA7D5}"/>
+                <a16:creationId xmlns="" xmlns:a16="http://schemas.microsoft.com/office/drawing/2014/main" id="{5CFF4C50-933F-41F9-AD11-BD02410AA7D5}"/>
               </a:ext>
             </a:extLst>
           </p:cNvPr>
@@ -9190,7 +9348,7 @@
           <p:cNvPr id="9" name="Subtitle 2">
             <a:extLst>
               <a:ext uri="{FF2B5EF4-FFF2-40B4-BE49-F238E27FC236}">
-                <a16:creationId xmlns:a16="http://schemas.microsoft.com/office/drawing/2014/main" xmlns="" id="{F94EB5D3-F8CB-4E76-8D7E-FF441818EECB}"/>
+                <a16:creationId xmlns="" xmlns:a16="http://schemas.microsoft.com/office/drawing/2014/main" id="{F94EB5D3-F8CB-4E76-8D7E-FF441818EECB}"/>
               </a:ext>
             </a:extLst>
           </p:cNvPr>
@@ -9245,7 +9403,7 @@
           <p:cNvPr id="3" name="Content Placeholder 2">
             <a:extLst>
               <a:ext uri="{FF2B5EF4-FFF2-40B4-BE49-F238E27FC236}">
-                <a16:creationId xmlns:a16="http://schemas.microsoft.com/office/drawing/2014/main" xmlns="" id="{B1948E38-8FB0-4E51-A01C-C88794372E50}"/>
+                <a16:creationId xmlns="" xmlns:a16="http://schemas.microsoft.com/office/drawing/2014/main" id="{B1948E38-8FB0-4E51-A01C-C88794372E50}"/>
               </a:ext>
             </a:extLst>
           </p:cNvPr>
@@ -9359,7 +9517,7 @@
           <p:cNvPr id="5" name="Text Placeholder 4">
             <a:extLst>
               <a:ext uri="{FF2B5EF4-FFF2-40B4-BE49-F238E27FC236}">
-                <a16:creationId xmlns:a16="http://schemas.microsoft.com/office/drawing/2014/main" xmlns="" id="{16A38E24-EB1C-472F-B631-5DF32F9C4CF5}"/>
+                <a16:creationId xmlns="" xmlns:a16="http://schemas.microsoft.com/office/drawing/2014/main" id="{16A38E24-EB1C-472F-B631-5DF32F9C4CF5}"/>
               </a:ext>
             </a:extLst>
           </p:cNvPr>
@@ -9422,7 +9580,7 @@
           <p:cNvPr id="11" name="Text Placeholder 5">
             <a:extLst>
               <a:ext uri="{FF2B5EF4-FFF2-40B4-BE49-F238E27FC236}">
-                <a16:creationId xmlns:a16="http://schemas.microsoft.com/office/drawing/2014/main" xmlns="" id="{5B4A252E-78C9-4F76-98A4-A4B580AD072A}"/>
+                <a16:creationId xmlns="" xmlns:a16="http://schemas.microsoft.com/office/drawing/2014/main" id="{5B4A252E-78C9-4F76-98A4-A4B580AD072A}"/>
               </a:ext>
             </a:extLst>
           </p:cNvPr>
@@ -9485,7 +9643,7 @@
           <p:cNvPr id="4" name="Footer Placeholder 3">
             <a:extLst>
               <a:ext uri="{FF2B5EF4-FFF2-40B4-BE49-F238E27FC236}">
-                <a16:creationId xmlns:a16="http://schemas.microsoft.com/office/drawing/2014/main" xmlns="" id="{6D4BCA97-F31B-451D-82F8-6E000DF2118A}"/>
+                <a16:creationId xmlns="" xmlns:a16="http://schemas.microsoft.com/office/drawing/2014/main" id="{6D4BCA97-F31B-451D-82F8-6E000DF2118A}"/>
               </a:ext>
             </a:extLst>
           </p:cNvPr>
@@ -9513,7 +9671,7 @@
           <p:cNvPr id="6" name="Slide Number Placeholder 5">
             <a:extLst>
               <a:ext uri="{FF2B5EF4-FFF2-40B4-BE49-F238E27FC236}">
-                <a16:creationId xmlns:a16="http://schemas.microsoft.com/office/drawing/2014/main" xmlns="" id="{0817AAC4-A657-4D75-A527-0307AFF2B17B}"/>
+                <a16:creationId xmlns="" xmlns:a16="http://schemas.microsoft.com/office/drawing/2014/main" id="{0817AAC4-A657-4D75-A527-0307AFF2B17B}"/>
               </a:ext>
             </a:extLst>
           </p:cNvPr>
@@ -9573,7 +9731,7 @@
           <p:cNvPr id="2" name="Title 1">
             <a:extLst>
               <a:ext uri="{FF2B5EF4-FFF2-40B4-BE49-F238E27FC236}">
-                <a16:creationId xmlns:a16="http://schemas.microsoft.com/office/drawing/2014/main" xmlns="" id="{5CFF4C50-933F-41F9-AD11-BD02410AA7D5}"/>
+                <a16:creationId xmlns="" xmlns:a16="http://schemas.microsoft.com/office/drawing/2014/main" id="{5CFF4C50-933F-41F9-AD11-BD02410AA7D5}"/>
               </a:ext>
             </a:extLst>
           </p:cNvPr>
@@ -9617,7 +9775,7 @@
           <p:cNvPr id="10" name="Subtitle 2">
             <a:extLst>
               <a:ext uri="{FF2B5EF4-FFF2-40B4-BE49-F238E27FC236}">
-                <a16:creationId xmlns:a16="http://schemas.microsoft.com/office/drawing/2014/main" xmlns="" id="{9D7ACCB5-9A86-4F46-89E2-B79F48C9EC1D}"/>
+                <a16:creationId xmlns="" xmlns:a16="http://schemas.microsoft.com/office/drawing/2014/main" id="{9D7ACCB5-9A86-4F46-89E2-B79F48C9EC1D}"/>
               </a:ext>
             </a:extLst>
           </p:cNvPr>
@@ -9672,7 +9830,7 @@
           <p:cNvPr id="3" name="Content Placeholder 2">
             <a:extLst>
               <a:ext uri="{FF2B5EF4-FFF2-40B4-BE49-F238E27FC236}">
-                <a16:creationId xmlns:a16="http://schemas.microsoft.com/office/drawing/2014/main" xmlns="" id="{B1948E38-8FB0-4E51-A01C-C88794372E50}"/>
+                <a16:creationId xmlns="" xmlns:a16="http://schemas.microsoft.com/office/drawing/2014/main" id="{B1948E38-8FB0-4E51-A01C-C88794372E50}"/>
               </a:ext>
             </a:extLst>
           </p:cNvPr>
@@ -9786,7 +9944,7 @@
           <p:cNvPr id="5" name="Text Placeholder 4">
             <a:extLst>
               <a:ext uri="{FF2B5EF4-FFF2-40B4-BE49-F238E27FC236}">
-                <a16:creationId xmlns:a16="http://schemas.microsoft.com/office/drawing/2014/main" xmlns="" id="{1F5B3657-F2AE-455A-BF81-1A0C2ACECD20}"/>
+                <a16:creationId xmlns="" xmlns:a16="http://schemas.microsoft.com/office/drawing/2014/main" id="{1F5B3657-F2AE-455A-BF81-1A0C2ACECD20}"/>
               </a:ext>
             </a:extLst>
           </p:cNvPr>
@@ -9849,7 +10007,7 @@
           <p:cNvPr id="13" name="Text Placeholder 5">
             <a:extLst>
               <a:ext uri="{FF2B5EF4-FFF2-40B4-BE49-F238E27FC236}">
-                <a16:creationId xmlns:a16="http://schemas.microsoft.com/office/drawing/2014/main" xmlns="" id="{6A983D98-E0AB-429A-9EC2-B50D4216D691}"/>
+                <a16:creationId xmlns="" xmlns:a16="http://schemas.microsoft.com/office/drawing/2014/main" id="{6A983D98-E0AB-429A-9EC2-B50D4216D691}"/>
               </a:ext>
             </a:extLst>
           </p:cNvPr>
@@ -9912,7 +10070,7 @@
           <p:cNvPr id="15" name="Text Placeholder 6">
             <a:extLst>
               <a:ext uri="{FF2B5EF4-FFF2-40B4-BE49-F238E27FC236}">
-                <a16:creationId xmlns:a16="http://schemas.microsoft.com/office/drawing/2014/main" xmlns="" id="{755213BF-EF6D-45DC-A01B-DE6C2F23A6D2}"/>
+                <a16:creationId xmlns="" xmlns:a16="http://schemas.microsoft.com/office/drawing/2014/main" id="{755213BF-EF6D-45DC-A01B-DE6C2F23A6D2}"/>
               </a:ext>
             </a:extLst>
           </p:cNvPr>
@@ -9975,7 +10133,7 @@
           <p:cNvPr id="17" name="Text Placeholder 7">
             <a:extLst>
               <a:ext uri="{FF2B5EF4-FFF2-40B4-BE49-F238E27FC236}">
-                <a16:creationId xmlns:a16="http://schemas.microsoft.com/office/drawing/2014/main" xmlns="" id="{77D6BBBA-F4A3-45D4-91BC-A405FFDC7C3D}"/>
+                <a16:creationId xmlns="" xmlns:a16="http://schemas.microsoft.com/office/drawing/2014/main" id="{77D6BBBA-F4A3-45D4-91BC-A405FFDC7C3D}"/>
               </a:ext>
             </a:extLst>
           </p:cNvPr>
@@ -10038,7 +10196,7 @@
           <p:cNvPr id="4" name="Footer Placeholder 3">
             <a:extLst>
               <a:ext uri="{FF2B5EF4-FFF2-40B4-BE49-F238E27FC236}">
-                <a16:creationId xmlns:a16="http://schemas.microsoft.com/office/drawing/2014/main" xmlns="" id="{2D09234E-176D-4BBF-9391-7B6F018C51AB}"/>
+                <a16:creationId xmlns="" xmlns:a16="http://schemas.microsoft.com/office/drawing/2014/main" id="{2D09234E-176D-4BBF-9391-7B6F018C51AB}"/>
               </a:ext>
             </a:extLst>
           </p:cNvPr>
@@ -10066,7 +10224,7 @@
           <p:cNvPr id="6" name="Slide Number Placeholder 5">
             <a:extLst>
               <a:ext uri="{FF2B5EF4-FFF2-40B4-BE49-F238E27FC236}">
-                <a16:creationId xmlns:a16="http://schemas.microsoft.com/office/drawing/2014/main" xmlns="" id="{009ABD5E-B8F1-4246-B167-09138760AD7D}"/>
+                <a16:creationId xmlns="" xmlns:a16="http://schemas.microsoft.com/office/drawing/2014/main" id="{009ABD5E-B8F1-4246-B167-09138760AD7D}"/>
               </a:ext>
             </a:extLst>
           </p:cNvPr>
@@ -10136,7 +10294,7 @@
           <p:cNvPr id="2" name="Title 1">
             <a:extLst>
               <a:ext uri="{FF2B5EF4-FFF2-40B4-BE49-F238E27FC236}">
-                <a16:creationId xmlns:a16="http://schemas.microsoft.com/office/drawing/2014/main" xmlns="" id="{00F23EB7-E336-46EB-A4A0-3DB7A6BF4CE1}"/>
+                <a16:creationId xmlns="" xmlns:a16="http://schemas.microsoft.com/office/drawing/2014/main" id="{00F23EB7-E336-46EB-A4A0-3DB7A6BF4CE1}"/>
               </a:ext>
             </a:extLst>
           </p:cNvPr>
@@ -10179,7 +10337,7 @@
           <p:cNvPr id="3" name="Subtitle 2">
             <a:extLst>
               <a:ext uri="{FF2B5EF4-FFF2-40B4-BE49-F238E27FC236}">
-                <a16:creationId xmlns:a16="http://schemas.microsoft.com/office/drawing/2014/main" xmlns="" id="{C9980B88-3F4A-4688-9ED0-17EF37E62D93}"/>
+                <a16:creationId xmlns="" xmlns:a16="http://schemas.microsoft.com/office/drawing/2014/main" id="{C9980B88-3F4A-4688-9ED0-17EF37E62D93}"/>
               </a:ext>
             </a:extLst>
           </p:cNvPr>
@@ -10230,7 +10388,7 @@
           <p:cNvPr id="13" name="Rectangle 12">
             <a:extLst>
               <a:ext uri="{FF2B5EF4-FFF2-40B4-BE49-F238E27FC236}">
-                <a16:creationId xmlns:a16="http://schemas.microsoft.com/office/drawing/2014/main" xmlns="" id="{EC0FBB1B-4F0E-4365-BF27-3150FC6C3B90}"/>
+                <a16:creationId xmlns="" xmlns:a16="http://schemas.microsoft.com/office/drawing/2014/main" id="{EC0FBB1B-4F0E-4365-BF27-3150FC6C3B90}"/>
               </a:ext>
             </a:extLst>
           </p:cNvPr>
@@ -10275,7 +10433,9 @@
           <a:lstStyle/>
           <a:p>
             <a:pPr algn="ctr"/>
-            <a:endParaRPr lang="en-US" noProof="0" dirty="0"/>
+            <a:endParaRPr lang="en-US" b="0" i="0" noProof="0" dirty="0">
+              <a:latin typeface="Al Tarikh" charset="-78"/>
+            </a:endParaRPr>
           </a:p>
         </p:txBody>
       </p:sp>
@@ -10284,7 +10444,7 @@
           <p:cNvPr id="14" name="Rectangle 13">
             <a:extLst>
               <a:ext uri="{FF2B5EF4-FFF2-40B4-BE49-F238E27FC236}">
-                <a16:creationId xmlns:a16="http://schemas.microsoft.com/office/drawing/2014/main" xmlns="" id="{7A13D8A8-6C3D-4527-959D-41C3213F7F02}"/>
+                <a16:creationId xmlns="" xmlns:a16="http://schemas.microsoft.com/office/drawing/2014/main" id="{7A13D8A8-6C3D-4527-959D-41C3213F7F02}"/>
               </a:ext>
             </a:extLst>
           </p:cNvPr>
@@ -10327,7 +10487,9 @@
           <a:lstStyle/>
           <a:p>
             <a:pPr algn="ctr"/>
-            <a:endParaRPr lang="en-US" noProof="0" dirty="0"/>
+            <a:endParaRPr lang="en-US" b="0" i="0" noProof="0" dirty="0">
+              <a:latin typeface="Al Tarikh" charset="-78"/>
+            </a:endParaRPr>
           </a:p>
         </p:txBody>
       </p:sp>
@@ -10336,7 +10498,7 @@
           <p:cNvPr id="15" name="Rectangle 14">
             <a:extLst>
               <a:ext uri="{FF2B5EF4-FFF2-40B4-BE49-F238E27FC236}">
-                <a16:creationId xmlns:a16="http://schemas.microsoft.com/office/drawing/2014/main" xmlns="" id="{9504A767-1C0B-484E-BF7D-CD42D30A52EE}"/>
+                <a16:creationId xmlns="" xmlns:a16="http://schemas.microsoft.com/office/drawing/2014/main" id="{9504A767-1C0B-484E-BF7D-CD42D30A52EE}"/>
               </a:ext>
             </a:extLst>
           </p:cNvPr>
@@ -10379,7 +10541,9 @@
           <a:lstStyle/>
           <a:p>
             <a:pPr algn="ctr"/>
-            <a:endParaRPr lang="en-US" noProof="0" dirty="0"/>
+            <a:endParaRPr lang="en-US" b="0" i="0" noProof="0" dirty="0">
+              <a:latin typeface="Al Tarikh" charset="-78"/>
+            </a:endParaRPr>
           </a:p>
         </p:txBody>
       </p:sp>
@@ -10388,7 +10552,7 @@
           <p:cNvPr id="8" name="Rectangle 7">
             <a:extLst>
               <a:ext uri="{FF2B5EF4-FFF2-40B4-BE49-F238E27FC236}">
-                <a16:creationId xmlns:a16="http://schemas.microsoft.com/office/drawing/2014/main" xmlns="" id="{51DD44D8-4A8F-4693-B90A-166855B29D25}"/>
+                <a16:creationId xmlns="" xmlns:a16="http://schemas.microsoft.com/office/drawing/2014/main" id="{51DD44D8-4A8F-4693-B90A-166855B29D25}"/>
               </a:ext>
             </a:extLst>
           </p:cNvPr>
@@ -10428,7 +10592,9 @@
           <a:lstStyle/>
           <a:p>
             <a:pPr algn="ctr"/>
-            <a:endParaRPr lang="en-US" noProof="0" dirty="0"/>
+            <a:endParaRPr lang="en-US" b="0" i="0" noProof="0" dirty="0">
+              <a:latin typeface="Al Tarikh" charset="-78"/>
+            </a:endParaRPr>
           </a:p>
         </p:txBody>
       </p:sp>
@@ -10478,7 +10644,7 @@
           <p:cNvPr id="3" name="Title 1">
             <a:extLst>
               <a:ext uri="{FF2B5EF4-FFF2-40B4-BE49-F238E27FC236}">
-                <a16:creationId xmlns:a16="http://schemas.microsoft.com/office/drawing/2014/main" xmlns="" id="{E473AB13-DFF9-4538-9907-E261659E0E01}"/>
+                <a16:creationId xmlns="" xmlns:a16="http://schemas.microsoft.com/office/drawing/2014/main" id="{E473AB13-DFF9-4538-9907-E261659E0E01}"/>
               </a:ext>
             </a:extLst>
           </p:cNvPr>
@@ -10526,7 +10692,7 @@
           <p:cNvPr id="4" name="Footer Placeholder 3">
             <a:extLst>
               <a:ext uri="{FF2B5EF4-FFF2-40B4-BE49-F238E27FC236}">
-                <a16:creationId xmlns:a16="http://schemas.microsoft.com/office/drawing/2014/main" xmlns="" id="{6816FE98-6A12-44EC-8485-8B5EFABDF9B2}"/>
+                <a16:creationId xmlns="" xmlns:a16="http://schemas.microsoft.com/office/drawing/2014/main" id="{6816FE98-6A12-44EC-8485-8B5EFABDF9B2}"/>
               </a:ext>
             </a:extLst>
           </p:cNvPr>
@@ -10554,7 +10720,7 @@
           <p:cNvPr id="8" name="Rectangle 7">
             <a:extLst>
               <a:ext uri="{FF2B5EF4-FFF2-40B4-BE49-F238E27FC236}">
-                <a16:creationId xmlns:a16="http://schemas.microsoft.com/office/drawing/2014/main" xmlns="" id="{51DD44D8-4A8F-4693-B90A-166855B29D25}"/>
+                <a16:creationId xmlns="" xmlns:a16="http://schemas.microsoft.com/office/drawing/2014/main" id="{51DD44D8-4A8F-4693-B90A-166855B29D25}"/>
               </a:ext>
             </a:extLst>
           </p:cNvPr>
@@ -10597,7 +10763,9 @@
           <a:lstStyle/>
           <a:p>
             <a:pPr algn="l"/>
-            <a:endParaRPr lang="en-US" noProof="0" dirty="0"/>
+            <a:endParaRPr lang="en-US" b="0" i="0" noProof="0" dirty="0">
+              <a:latin typeface="Al Tarikh" charset="-78"/>
+            </a:endParaRPr>
           </a:p>
         </p:txBody>
       </p:sp>
@@ -10606,7 +10774,7 @@
           <p:cNvPr id="13" name="Rectangle 12">
             <a:extLst>
               <a:ext uri="{FF2B5EF4-FFF2-40B4-BE49-F238E27FC236}">
-                <a16:creationId xmlns:a16="http://schemas.microsoft.com/office/drawing/2014/main" xmlns="" id="{EC0FBB1B-4F0E-4365-BF27-3150FC6C3B90}"/>
+                <a16:creationId xmlns="" xmlns:a16="http://schemas.microsoft.com/office/drawing/2014/main" id="{EC0FBB1B-4F0E-4365-BF27-3150FC6C3B90}"/>
               </a:ext>
             </a:extLst>
           </p:cNvPr>
@@ -10651,7 +10819,9 @@
           <a:lstStyle/>
           <a:p>
             <a:pPr algn="ctr"/>
-            <a:endParaRPr lang="en-US" noProof="0" dirty="0"/>
+            <a:endParaRPr lang="en-US" b="0" i="0" noProof="0" dirty="0">
+              <a:latin typeface="Al Tarikh" charset="-78"/>
+            </a:endParaRPr>
           </a:p>
         </p:txBody>
       </p:sp>
@@ -10660,7 +10830,7 @@
           <p:cNvPr id="14" name="Rectangle 13">
             <a:extLst>
               <a:ext uri="{FF2B5EF4-FFF2-40B4-BE49-F238E27FC236}">
-                <a16:creationId xmlns:a16="http://schemas.microsoft.com/office/drawing/2014/main" xmlns="" id="{7A13D8A8-6C3D-4527-959D-41C3213F7F02}"/>
+                <a16:creationId xmlns="" xmlns:a16="http://schemas.microsoft.com/office/drawing/2014/main" id="{7A13D8A8-6C3D-4527-959D-41C3213F7F02}"/>
               </a:ext>
             </a:extLst>
           </p:cNvPr>
@@ -10703,7 +10873,9 @@
           <a:lstStyle/>
           <a:p>
             <a:pPr algn="ctr"/>
-            <a:endParaRPr lang="en-US" noProof="0" dirty="0"/>
+            <a:endParaRPr lang="en-US" b="0" i="0" noProof="0" dirty="0">
+              <a:latin typeface="Al Tarikh" charset="-78"/>
+            </a:endParaRPr>
           </a:p>
         </p:txBody>
       </p:sp>
@@ -10712,7 +10884,7 @@
           <p:cNvPr id="15" name="Rectangle 14">
             <a:extLst>
               <a:ext uri="{FF2B5EF4-FFF2-40B4-BE49-F238E27FC236}">
-                <a16:creationId xmlns:a16="http://schemas.microsoft.com/office/drawing/2014/main" xmlns="" id="{9504A767-1C0B-484E-BF7D-CD42D30A52EE}"/>
+                <a16:creationId xmlns="" xmlns:a16="http://schemas.microsoft.com/office/drawing/2014/main" id="{9504A767-1C0B-484E-BF7D-CD42D30A52EE}"/>
               </a:ext>
             </a:extLst>
           </p:cNvPr>
@@ -10755,7 +10927,9 @@
           <a:lstStyle/>
           <a:p>
             <a:pPr algn="ctr"/>
-            <a:endParaRPr lang="en-US" noProof="0" dirty="0"/>
+            <a:endParaRPr lang="en-US" b="0" i="0" noProof="0" dirty="0">
+              <a:latin typeface="Al Tarikh" charset="-78"/>
+            </a:endParaRPr>
           </a:p>
         </p:txBody>
       </p:sp>
@@ -10764,7 +10938,7 @@
           <p:cNvPr id="5" name="Slide Number Placeholder 4">
             <a:extLst>
               <a:ext uri="{FF2B5EF4-FFF2-40B4-BE49-F238E27FC236}">
-                <a16:creationId xmlns:a16="http://schemas.microsoft.com/office/drawing/2014/main" xmlns="" id="{F50EF489-F21B-4E7C-9A44-D3CC8DC34F5F}"/>
+                <a16:creationId xmlns="" xmlns:a16="http://schemas.microsoft.com/office/drawing/2014/main" id="{F50EF489-F21B-4E7C-9A44-D3CC8DC34F5F}"/>
               </a:ext>
             </a:extLst>
           </p:cNvPr>
@@ -10794,7 +10968,7 @@
           <p:cNvPr id="11" name="Text Placeholder 2">
             <a:extLst>
               <a:ext uri="{FF2B5EF4-FFF2-40B4-BE49-F238E27FC236}">
-                <a16:creationId xmlns:a16="http://schemas.microsoft.com/office/drawing/2014/main" xmlns="" id="{14B95064-E6BF-43CD-ACBD-6363E8D9BF6A}"/>
+                <a16:creationId xmlns="" xmlns:a16="http://schemas.microsoft.com/office/drawing/2014/main" id="{14B95064-E6BF-43CD-ACBD-6363E8D9BF6A}"/>
               </a:ext>
             </a:extLst>
           </p:cNvPr>
@@ -10874,7 +11048,7 @@
           <p:cNvPr id="2" name="Title 1">
             <a:extLst>
               <a:ext uri="{FF2B5EF4-FFF2-40B4-BE49-F238E27FC236}">
-                <a16:creationId xmlns:a16="http://schemas.microsoft.com/office/drawing/2014/main" xmlns="" id="{5CFF4C50-933F-41F9-AD11-BD02410AA7D5}"/>
+                <a16:creationId xmlns="" xmlns:a16="http://schemas.microsoft.com/office/drawing/2014/main" id="{5CFF4C50-933F-41F9-AD11-BD02410AA7D5}"/>
               </a:ext>
             </a:extLst>
           </p:cNvPr>
@@ -10913,7 +11087,7 @@
           <p:cNvPr id="3" name="Content Placeholder 2">
             <a:extLst>
               <a:ext uri="{FF2B5EF4-FFF2-40B4-BE49-F238E27FC236}">
-                <a16:creationId xmlns:a16="http://schemas.microsoft.com/office/drawing/2014/main" xmlns="" id="{B1948E38-8FB0-4E51-A01C-C88794372E50}"/>
+                <a16:creationId xmlns="" xmlns:a16="http://schemas.microsoft.com/office/drawing/2014/main" id="{B1948E38-8FB0-4E51-A01C-C88794372E50}"/>
               </a:ext>
             </a:extLst>
           </p:cNvPr>
@@ -11027,7 +11201,7 @@
           <p:cNvPr id="4" name="Footer Placeholder 3">
             <a:extLst>
               <a:ext uri="{FF2B5EF4-FFF2-40B4-BE49-F238E27FC236}">
-                <a16:creationId xmlns:a16="http://schemas.microsoft.com/office/drawing/2014/main" xmlns="" id="{E8FE0EB3-0FF4-4285-B9D3-90A5751B7BBF}"/>
+                <a16:creationId xmlns="" xmlns:a16="http://schemas.microsoft.com/office/drawing/2014/main" id="{E8FE0EB3-0FF4-4285-B9D3-90A5751B7BBF}"/>
               </a:ext>
             </a:extLst>
           </p:cNvPr>
@@ -11055,7 +11229,7 @@
           <p:cNvPr id="5" name="Slide Number Placeholder 4">
             <a:extLst>
               <a:ext uri="{FF2B5EF4-FFF2-40B4-BE49-F238E27FC236}">
-                <a16:creationId xmlns:a16="http://schemas.microsoft.com/office/drawing/2014/main" xmlns="" id="{C8DE0AAD-6FBD-416B-A91A-21F2B737919E}"/>
+                <a16:creationId xmlns="" xmlns:a16="http://schemas.microsoft.com/office/drawing/2014/main" id="{C8DE0AAD-6FBD-416B-A91A-21F2B737919E}"/>
               </a:ext>
             </a:extLst>
           </p:cNvPr>
@@ -11115,7 +11289,7 @@
           <p:cNvPr id="2" name="Title 1">
             <a:extLst>
               <a:ext uri="{FF2B5EF4-FFF2-40B4-BE49-F238E27FC236}">
-                <a16:creationId xmlns:a16="http://schemas.microsoft.com/office/drawing/2014/main" xmlns="" id="{40EE479C-D1F6-4BAC-80D2-90EF74E3261A}"/>
+                <a16:creationId xmlns="" xmlns:a16="http://schemas.microsoft.com/office/drawing/2014/main" id="{40EE479C-D1F6-4BAC-80D2-90EF74E3261A}"/>
               </a:ext>
             </a:extLst>
           </p:cNvPr>
@@ -11159,7 +11333,7 @@
           <p:cNvPr id="4" name="Footer Placeholder 3">
             <a:extLst>
               <a:ext uri="{FF2B5EF4-FFF2-40B4-BE49-F238E27FC236}">
-                <a16:creationId xmlns:a16="http://schemas.microsoft.com/office/drawing/2014/main" xmlns="" id="{57847F90-9DB6-4832-9EB7-393AADAE8B70}"/>
+                <a16:creationId xmlns="" xmlns:a16="http://schemas.microsoft.com/office/drawing/2014/main" id="{57847F90-9DB6-4832-9EB7-393AADAE8B70}"/>
               </a:ext>
             </a:extLst>
           </p:cNvPr>
@@ -11187,7 +11361,7 @@
           <p:cNvPr id="5" name="Slide Number Placeholder 4">
             <a:extLst>
               <a:ext uri="{FF2B5EF4-FFF2-40B4-BE49-F238E27FC236}">
-                <a16:creationId xmlns:a16="http://schemas.microsoft.com/office/drawing/2014/main" xmlns="" id="{F64CFC6C-1D8B-46C9-B0F7-A8BD88D8AB46}"/>
+                <a16:creationId xmlns="" xmlns:a16="http://schemas.microsoft.com/office/drawing/2014/main" id="{F64CFC6C-1D8B-46C9-B0F7-A8BD88D8AB46}"/>
               </a:ext>
             </a:extLst>
           </p:cNvPr>
@@ -11217,7 +11391,7 @@
           <p:cNvPr id="9" name="Content Placeholder 3">
             <a:extLst>
               <a:ext uri="{FF2B5EF4-FFF2-40B4-BE49-F238E27FC236}">
-                <a16:creationId xmlns:a16="http://schemas.microsoft.com/office/drawing/2014/main" xmlns="" id="{EE1E0B79-3CC8-4DCF-8AEC-AC43BC9A3048}"/>
+                <a16:creationId xmlns="" xmlns:a16="http://schemas.microsoft.com/office/drawing/2014/main" id="{EE1E0B79-3CC8-4DCF-8AEC-AC43BC9A3048}"/>
               </a:ext>
             </a:extLst>
           </p:cNvPr>
@@ -11280,7 +11454,7 @@
           <p:cNvPr id="10" name="Content Placeholder 2">
             <a:extLst>
               <a:ext uri="{FF2B5EF4-FFF2-40B4-BE49-F238E27FC236}">
-                <a16:creationId xmlns:a16="http://schemas.microsoft.com/office/drawing/2014/main" xmlns="" id="{15546508-E26C-46CD-8939-D20E71BF4ED7}"/>
+                <a16:creationId xmlns="" xmlns:a16="http://schemas.microsoft.com/office/drawing/2014/main" id="{15546508-E26C-46CD-8939-D20E71BF4ED7}"/>
               </a:ext>
             </a:extLst>
           </p:cNvPr>
@@ -11536,7 +11710,7 @@
           <a:p>
             <a:fld id="{A65A2499-6CB7-8C48-91A8-FB3A55F0105D}" type="datetimeFigureOut">
               <a:rPr lang="en-US" smtClean="0"/>
-              <a:t>6/14/20</a:t>
+              <a:t>6/16/20</a:t>
             </a:fld>
             <a:endParaRPr lang="en-US"/>
           </a:p>
@@ -11594,7 +11768,7 @@
           <p:cNvPr id="7" name="Rectangle 6">
             <a:extLst>
               <a:ext uri="{FF2B5EF4-FFF2-40B4-BE49-F238E27FC236}">
-                <a16:creationId xmlns:a16="http://schemas.microsoft.com/office/drawing/2014/main" xmlns="" id="{51DD44D8-4A8F-4693-B90A-166855B29D25}"/>
+                <a16:creationId xmlns="" xmlns:a16="http://schemas.microsoft.com/office/drawing/2014/main" id="{51DD44D8-4A8F-4693-B90A-166855B29D25}"/>
               </a:ext>
             </a:extLst>
           </p:cNvPr>
@@ -11637,7 +11811,9 @@
           <a:lstStyle/>
           <a:p>
             <a:pPr algn="l"/>
-            <a:endParaRPr lang="en-US" noProof="0" dirty="0"/>
+            <a:endParaRPr lang="en-US" b="0" i="0" noProof="0" dirty="0">
+              <a:latin typeface="Al Tarikh" charset="-78"/>
+            </a:endParaRPr>
           </a:p>
         </p:txBody>
       </p:sp>
@@ -11646,7 +11822,7 @@
           <p:cNvPr id="8" name="Rectangle 7">
             <a:extLst>
               <a:ext uri="{FF2B5EF4-FFF2-40B4-BE49-F238E27FC236}">
-                <a16:creationId xmlns:a16="http://schemas.microsoft.com/office/drawing/2014/main" xmlns="" id="{EC0FBB1B-4F0E-4365-BF27-3150FC6C3B90}"/>
+                <a16:creationId xmlns="" xmlns:a16="http://schemas.microsoft.com/office/drawing/2014/main" id="{EC0FBB1B-4F0E-4365-BF27-3150FC6C3B90}"/>
               </a:ext>
             </a:extLst>
           </p:cNvPr>
@@ -11691,7 +11867,9 @@
           <a:lstStyle/>
           <a:p>
             <a:pPr algn="ctr"/>
-            <a:endParaRPr lang="en-US" noProof="0" dirty="0"/>
+            <a:endParaRPr lang="en-US" b="0" i="0" noProof="0" dirty="0">
+              <a:latin typeface="Al Tarikh" charset="-78"/>
+            </a:endParaRPr>
           </a:p>
         </p:txBody>
       </p:sp>
@@ -11700,7 +11878,7 @@
           <p:cNvPr id="9" name="Rectangle 8">
             <a:extLst>
               <a:ext uri="{FF2B5EF4-FFF2-40B4-BE49-F238E27FC236}">
-                <a16:creationId xmlns:a16="http://schemas.microsoft.com/office/drawing/2014/main" xmlns="" id="{7A13D8A8-6C3D-4527-959D-41C3213F7F02}"/>
+                <a16:creationId xmlns="" xmlns:a16="http://schemas.microsoft.com/office/drawing/2014/main" id="{7A13D8A8-6C3D-4527-959D-41C3213F7F02}"/>
               </a:ext>
             </a:extLst>
           </p:cNvPr>
@@ -11743,7 +11921,9 @@
           <a:lstStyle/>
           <a:p>
             <a:pPr algn="ctr"/>
-            <a:endParaRPr lang="en-US" noProof="0" dirty="0"/>
+            <a:endParaRPr lang="en-US" b="0" i="0" noProof="0" dirty="0">
+              <a:latin typeface="Al Tarikh" charset="-78"/>
+            </a:endParaRPr>
           </a:p>
         </p:txBody>
       </p:sp>
@@ -11752,7 +11932,7 @@
           <p:cNvPr id="10" name="Rectangle 9">
             <a:extLst>
               <a:ext uri="{FF2B5EF4-FFF2-40B4-BE49-F238E27FC236}">
-                <a16:creationId xmlns:a16="http://schemas.microsoft.com/office/drawing/2014/main" xmlns="" id="{9504A767-1C0B-484E-BF7D-CD42D30A52EE}"/>
+                <a16:creationId xmlns="" xmlns:a16="http://schemas.microsoft.com/office/drawing/2014/main" id="{9504A767-1C0B-484E-BF7D-CD42D30A52EE}"/>
               </a:ext>
             </a:extLst>
           </p:cNvPr>
@@ -11795,7 +11975,9 @@
           <a:lstStyle/>
           <a:p>
             <a:pPr algn="ctr"/>
-            <a:endParaRPr lang="en-US" noProof="0" dirty="0"/>
+            <a:endParaRPr lang="en-US" b="0" i="0" noProof="0" dirty="0">
+              <a:latin typeface="Al Tarikh" charset="-78"/>
+            </a:endParaRPr>
           </a:p>
         </p:txBody>
       </p:sp>
@@ -11829,7 +12011,7 @@
           <p:cNvPr id="2" name="Title 1">
             <a:extLst>
               <a:ext uri="{FF2B5EF4-FFF2-40B4-BE49-F238E27FC236}">
-                <a16:creationId xmlns:a16="http://schemas.microsoft.com/office/drawing/2014/main" xmlns="" id="{40EE479C-D1F6-4BAC-80D2-90EF74E3261A}"/>
+                <a16:creationId xmlns="" xmlns:a16="http://schemas.microsoft.com/office/drawing/2014/main" id="{40EE479C-D1F6-4BAC-80D2-90EF74E3261A}"/>
               </a:ext>
             </a:extLst>
           </p:cNvPr>
@@ -11873,7 +12055,7 @@
           <p:cNvPr id="4" name="Footer Placeholder 3">
             <a:extLst>
               <a:ext uri="{FF2B5EF4-FFF2-40B4-BE49-F238E27FC236}">
-                <a16:creationId xmlns:a16="http://schemas.microsoft.com/office/drawing/2014/main" xmlns="" id="{57847F90-9DB6-4832-9EB7-393AADAE8B70}"/>
+                <a16:creationId xmlns="" xmlns:a16="http://schemas.microsoft.com/office/drawing/2014/main" id="{57847F90-9DB6-4832-9EB7-393AADAE8B70}"/>
               </a:ext>
             </a:extLst>
           </p:cNvPr>
@@ -11901,7 +12083,7 @@
           <p:cNvPr id="5" name="Slide Number Placeholder 4">
             <a:extLst>
               <a:ext uri="{FF2B5EF4-FFF2-40B4-BE49-F238E27FC236}">
-                <a16:creationId xmlns:a16="http://schemas.microsoft.com/office/drawing/2014/main" xmlns="" id="{F64CFC6C-1D8B-46C9-B0F7-A8BD88D8AB46}"/>
+                <a16:creationId xmlns="" xmlns:a16="http://schemas.microsoft.com/office/drawing/2014/main" id="{F64CFC6C-1D8B-46C9-B0F7-A8BD88D8AB46}"/>
               </a:ext>
             </a:extLst>
           </p:cNvPr>
@@ -11931,10 +12113,10 @@
           <p:cNvPr id="11" name="Rectangle 10" descr="Accent block left">
             <a:extLst>
               <a:ext uri="{FF2B5EF4-FFF2-40B4-BE49-F238E27FC236}">
-                <a16:creationId xmlns:a16="http://schemas.microsoft.com/office/drawing/2014/main" xmlns="" id="{48A1A904-FE62-4BE3-BAE9-0EEAE7B1E38C}"/>
+                <a16:creationId xmlns="" xmlns:a16="http://schemas.microsoft.com/office/drawing/2014/main" id="{48A1A904-FE62-4BE3-BAE9-0EEAE7B1E38C}"/>
               </a:ext>
               <a:ext uri="{C183D7F6-B498-43B3-948B-1728B52AA6E4}">
-                <adec:decorative xmlns:adec="http://schemas.microsoft.com/office/drawing/2017/decorative" xmlns="" val="1"/>
+                <adec:decorative xmlns="" xmlns:adec="http://schemas.microsoft.com/office/drawing/2017/decorative" val="1"/>
               </a:ext>
             </a:extLst>
           </p:cNvPr>
@@ -11977,7 +12159,9 @@
           <a:lstStyle/>
           <a:p>
             <a:pPr algn="l"/>
-            <a:endParaRPr lang="en-US" noProof="0" dirty="0"/>
+            <a:endParaRPr lang="en-US" b="0" i="0" noProof="0" dirty="0">
+              <a:latin typeface="Al Tarikh" charset="-78"/>
+            </a:endParaRPr>
           </a:p>
         </p:txBody>
       </p:sp>
@@ -11986,10 +12170,10 @@
           <p:cNvPr id="12" name="Rectangle 11" descr="Accent bar right&#10;">
             <a:extLst>
               <a:ext uri="{FF2B5EF4-FFF2-40B4-BE49-F238E27FC236}">
-                <a16:creationId xmlns:a16="http://schemas.microsoft.com/office/drawing/2014/main" xmlns="" id="{3E8A46E0-47C2-4441-B7DD-F621A80F1FC8}"/>
+                <a16:creationId xmlns="" xmlns:a16="http://schemas.microsoft.com/office/drawing/2014/main" id="{3E8A46E0-47C2-4441-B7DD-F621A80F1FC8}"/>
               </a:ext>
               <a:ext uri="{C183D7F6-B498-43B3-948B-1728B52AA6E4}">
-                <adec:decorative xmlns:adec="http://schemas.microsoft.com/office/drawing/2017/decorative" xmlns="" val="1"/>
+                <adec:decorative xmlns="" xmlns:adec="http://schemas.microsoft.com/office/drawing/2017/decorative" val="1"/>
               </a:ext>
             </a:extLst>
           </p:cNvPr>
@@ -12032,7 +12216,9 @@
           <a:lstStyle/>
           <a:p>
             <a:pPr algn="l"/>
-            <a:endParaRPr lang="en-US" noProof="0" dirty="0"/>
+            <a:endParaRPr lang="en-US" b="0" i="0" noProof="0" dirty="0">
+              <a:latin typeface="Al Tarikh" charset="-78"/>
+            </a:endParaRPr>
           </a:p>
         </p:txBody>
       </p:sp>
@@ -12041,7 +12227,7 @@
           <p:cNvPr id="14" name="Text Placeholder 2">
             <a:extLst>
               <a:ext uri="{FF2B5EF4-FFF2-40B4-BE49-F238E27FC236}">
-                <a16:creationId xmlns:a16="http://schemas.microsoft.com/office/drawing/2014/main" xmlns="" id="{D902C307-6561-4E11-9899-1F34830AE8AB}"/>
+                <a16:creationId xmlns="" xmlns:a16="http://schemas.microsoft.com/office/drawing/2014/main" id="{D902C307-6561-4E11-9899-1F34830AE8AB}"/>
               </a:ext>
             </a:extLst>
           </p:cNvPr>
@@ -12112,7 +12298,7 @@
           <p:cNvPr id="16" name="Text Placeholder 4">
             <a:extLst>
               <a:ext uri="{FF2B5EF4-FFF2-40B4-BE49-F238E27FC236}">
-                <a16:creationId xmlns:a16="http://schemas.microsoft.com/office/drawing/2014/main" xmlns="" id="{CD73439B-6B1B-47C5-B2B0-409015FB3398}"/>
+                <a16:creationId xmlns="" xmlns:a16="http://schemas.microsoft.com/office/drawing/2014/main" id="{CD73439B-6B1B-47C5-B2B0-409015FB3398}"/>
               </a:ext>
             </a:extLst>
           </p:cNvPr>
@@ -12183,7 +12369,7 @@
           <p:cNvPr id="17" name="Content Placeholder 5">
             <a:extLst>
               <a:ext uri="{FF2B5EF4-FFF2-40B4-BE49-F238E27FC236}">
-                <a16:creationId xmlns:a16="http://schemas.microsoft.com/office/drawing/2014/main" xmlns="" id="{12AC6878-44C6-4445-A225-70C0DC482EDF}"/>
+                <a16:creationId xmlns="" xmlns:a16="http://schemas.microsoft.com/office/drawing/2014/main" id="{12AC6878-44C6-4445-A225-70C0DC482EDF}"/>
               </a:ext>
             </a:extLst>
           </p:cNvPr>
@@ -12246,7 +12432,7 @@
           <p:cNvPr id="18" name="Content Placeholder 3">
             <a:extLst>
               <a:ext uri="{FF2B5EF4-FFF2-40B4-BE49-F238E27FC236}">
-                <a16:creationId xmlns:a16="http://schemas.microsoft.com/office/drawing/2014/main" xmlns="" id="{6D675DA8-374F-4915-973A-53612A41FFC1}"/>
+                <a16:creationId xmlns="" xmlns:a16="http://schemas.microsoft.com/office/drawing/2014/main" id="{6D675DA8-374F-4915-973A-53612A41FFC1}"/>
               </a:ext>
             </a:extLst>
           </p:cNvPr>
@@ -12339,7 +12525,7 @@
           <p:cNvPr id="2" name="Title 1">
             <a:extLst>
               <a:ext uri="{FF2B5EF4-FFF2-40B4-BE49-F238E27FC236}">
-                <a16:creationId xmlns:a16="http://schemas.microsoft.com/office/drawing/2014/main" xmlns="" id="{40EE479C-D1F6-4BAC-80D2-90EF74E3261A}"/>
+                <a16:creationId xmlns="" xmlns:a16="http://schemas.microsoft.com/office/drawing/2014/main" id="{40EE479C-D1F6-4BAC-80D2-90EF74E3261A}"/>
               </a:ext>
             </a:extLst>
           </p:cNvPr>
@@ -12383,7 +12569,7 @@
           <p:cNvPr id="4" name="Footer Placeholder 3">
             <a:extLst>
               <a:ext uri="{FF2B5EF4-FFF2-40B4-BE49-F238E27FC236}">
-                <a16:creationId xmlns:a16="http://schemas.microsoft.com/office/drawing/2014/main" xmlns="" id="{57847F90-9DB6-4832-9EB7-393AADAE8B70}"/>
+                <a16:creationId xmlns="" xmlns:a16="http://schemas.microsoft.com/office/drawing/2014/main" id="{57847F90-9DB6-4832-9EB7-393AADAE8B70}"/>
               </a:ext>
             </a:extLst>
           </p:cNvPr>
@@ -12411,7 +12597,7 @@
           <p:cNvPr id="5" name="Slide Number Placeholder 4">
             <a:extLst>
               <a:ext uri="{FF2B5EF4-FFF2-40B4-BE49-F238E27FC236}">
-                <a16:creationId xmlns:a16="http://schemas.microsoft.com/office/drawing/2014/main" xmlns="" id="{F64CFC6C-1D8B-46C9-B0F7-A8BD88D8AB46}"/>
+                <a16:creationId xmlns="" xmlns:a16="http://schemas.microsoft.com/office/drawing/2014/main" id="{F64CFC6C-1D8B-46C9-B0F7-A8BD88D8AB46}"/>
               </a:ext>
             </a:extLst>
           </p:cNvPr>
@@ -12441,10 +12627,10 @@
           <p:cNvPr id="11" name="Rectangle 10" descr="Accent block left">
             <a:extLst>
               <a:ext uri="{FF2B5EF4-FFF2-40B4-BE49-F238E27FC236}">
-                <a16:creationId xmlns:a16="http://schemas.microsoft.com/office/drawing/2014/main" xmlns="" id="{48A1A904-FE62-4BE3-BAE9-0EEAE7B1E38C}"/>
+                <a16:creationId xmlns="" xmlns:a16="http://schemas.microsoft.com/office/drawing/2014/main" id="{48A1A904-FE62-4BE3-BAE9-0EEAE7B1E38C}"/>
               </a:ext>
               <a:ext uri="{C183D7F6-B498-43B3-948B-1728B52AA6E4}">
-                <adec:decorative xmlns:adec="http://schemas.microsoft.com/office/drawing/2017/decorative" xmlns="" val="1"/>
+                <adec:decorative xmlns="" xmlns:adec="http://schemas.microsoft.com/office/drawing/2017/decorative" val="1"/>
               </a:ext>
             </a:extLst>
           </p:cNvPr>
@@ -12487,7 +12673,9 @@
           <a:lstStyle/>
           <a:p>
             <a:pPr algn="l"/>
-            <a:endParaRPr lang="en-US" noProof="0" dirty="0"/>
+            <a:endParaRPr lang="en-US" b="0" i="0" noProof="0" dirty="0">
+              <a:latin typeface="Al Tarikh" charset="-78"/>
+            </a:endParaRPr>
           </a:p>
         </p:txBody>
       </p:sp>
@@ -12496,7 +12684,7 @@
           <p:cNvPr id="14" name="Content Placeholder 2">
             <a:extLst>
               <a:ext uri="{FF2B5EF4-FFF2-40B4-BE49-F238E27FC236}">
-                <a16:creationId xmlns:a16="http://schemas.microsoft.com/office/drawing/2014/main" xmlns="" id="{85B68CA9-AC4C-4D15-9BA1-A9F1AC5606DA}"/>
+                <a16:creationId xmlns="" xmlns:a16="http://schemas.microsoft.com/office/drawing/2014/main" id="{85B68CA9-AC4C-4D15-9BA1-A9F1AC5606DA}"/>
               </a:ext>
             </a:extLst>
           </p:cNvPr>
@@ -12587,7 +12775,7 @@
           <p:cNvPr id="15" name="Text Placeholder 3">
             <a:extLst>
               <a:ext uri="{FF2B5EF4-FFF2-40B4-BE49-F238E27FC236}">
-                <a16:creationId xmlns:a16="http://schemas.microsoft.com/office/drawing/2014/main" xmlns="" id="{29B24D8A-D8A5-4F57-A260-A4CF75FCB3BD}"/>
+                <a16:creationId xmlns="" xmlns:a16="http://schemas.microsoft.com/office/drawing/2014/main" id="{29B24D8A-D8A5-4F57-A260-A4CF75FCB3BD}"/>
               </a:ext>
             </a:extLst>
           </p:cNvPr>
@@ -12688,7 +12876,7 @@
           <p:cNvPr id="2" name="Title 1">
             <a:extLst>
               <a:ext uri="{FF2B5EF4-FFF2-40B4-BE49-F238E27FC236}">
-                <a16:creationId xmlns:a16="http://schemas.microsoft.com/office/drawing/2014/main" xmlns="" id="{40EE479C-D1F6-4BAC-80D2-90EF74E3261A}"/>
+                <a16:creationId xmlns="" xmlns:a16="http://schemas.microsoft.com/office/drawing/2014/main" id="{40EE479C-D1F6-4BAC-80D2-90EF74E3261A}"/>
               </a:ext>
             </a:extLst>
           </p:cNvPr>
@@ -12732,7 +12920,7 @@
           <p:cNvPr id="4" name="Footer Placeholder 3">
             <a:extLst>
               <a:ext uri="{FF2B5EF4-FFF2-40B4-BE49-F238E27FC236}">
-                <a16:creationId xmlns:a16="http://schemas.microsoft.com/office/drawing/2014/main" xmlns="" id="{57847F90-9DB6-4832-9EB7-393AADAE8B70}"/>
+                <a16:creationId xmlns="" xmlns:a16="http://schemas.microsoft.com/office/drawing/2014/main" id="{57847F90-9DB6-4832-9EB7-393AADAE8B70}"/>
               </a:ext>
             </a:extLst>
           </p:cNvPr>
@@ -12760,7 +12948,7 @@
           <p:cNvPr id="5" name="Slide Number Placeholder 4">
             <a:extLst>
               <a:ext uri="{FF2B5EF4-FFF2-40B4-BE49-F238E27FC236}">
-                <a16:creationId xmlns:a16="http://schemas.microsoft.com/office/drawing/2014/main" xmlns="" id="{F64CFC6C-1D8B-46C9-B0F7-A8BD88D8AB46}"/>
+                <a16:creationId xmlns="" xmlns:a16="http://schemas.microsoft.com/office/drawing/2014/main" id="{F64CFC6C-1D8B-46C9-B0F7-A8BD88D8AB46}"/>
               </a:ext>
             </a:extLst>
           </p:cNvPr>
@@ -12790,10 +12978,10 @@
           <p:cNvPr id="11" name="Rectangle 10" descr="Accent block left">
             <a:extLst>
               <a:ext uri="{FF2B5EF4-FFF2-40B4-BE49-F238E27FC236}">
-                <a16:creationId xmlns:a16="http://schemas.microsoft.com/office/drawing/2014/main" xmlns="" id="{48A1A904-FE62-4BE3-BAE9-0EEAE7B1E38C}"/>
+                <a16:creationId xmlns="" xmlns:a16="http://schemas.microsoft.com/office/drawing/2014/main" id="{48A1A904-FE62-4BE3-BAE9-0EEAE7B1E38C}"/>
               </a:ext>
               <a:ext uri="{C183D7F6-B498-43B3-948B-1728B52AA6E4}">
-                <adec:decorative xmlns:adec="http://schemas.microsoft.com/office/drawing/2017/decorative" xmlns="" val="1"/>
+                <adec:decorative xmlns="" xmlns:adec="http://schemas.microsoft.com/office/drawing/2017/decorative" val="1"/>
               </a:ext>
             </a:extLst>
           </p:cNvPr>
@@ -12836,7 +13024,9 @@
           <a:lstStyle/>
           <a:p>
             <a:pPr algn="l"/>
-            <a:endParaRPr lang="en-US" noProof="0" dirty="0"/>
+            <a:endParaRPr lang="en-US" b="0" i="0" noProof="0" dirty="0">
+              <a:latin typeface="Al Tarikh" charset="-78"/>
+            </a:endParaRPr>
           </a:p>
         </p:txBody>
       </p:sp>
@@ -12845,7 +13035,7 @@
           <p:cNvPr id="9" name="Text Placeholder 3">
             <a:extLst>
               <a:ext uri="{FF2B5EF4-FFF2-40B4-BE49-F238E27FC236}">
-                <a16:creationId xmlns:a16="http://schemas.microsoft.com/office/drawing/2014/main" xmlns="" id="{3E50A411-2E68-4F4D-B4BC-62E87C633658}"/>
+                <a16:creationId xmlns="" xmlns:a16="http://schemas.microsoft.com/office/drawing/2014/main" id="{3E50A411-2E68-4F4D-B4BC-62E87C633658}"/>
               </a:ext>
             </a:extLst>
           </p:cNvPr>
@@ -12916,7 +13106,7 @@
           <p:cNvPr id="10" name="Picture Placeholder 2">
             <a:extLst>
               <a:ext uri="{FF2B5EF4-FFF2-40B4-BE49-F238E27FC236}">
-                <a16:creationId xmlns:a16="http://schemas.microsoft.com/office/drawing/2014/main" xmlns="" id="{2FBF39A8-0BD5-48FD-9993-F595D4F727C1}"/>
+                <a16:creationId xmlns="" xmlns:a16="http://schemas.microsoft.com/office/drawing/2014/main" id="{2FBF39A8-0BD5-48FD-9993-F595D4F727C1}"/>
               </a:ext>
             </a:extLst>
           </p:cNvPr>
@@ -13017,7 +13207,7 @@
           <p:cNvPr id="2" name="Footer Placeholder 1">
             <a:extLst>
               <a:ext uri="{FF2B5EF4-FFF2-40B4-BE49-F238E27FC236}">
-                <a16:creationId xmlns:a16="http://schemas.microsoft.com/office/drawing/2014/main" xmlns="" id="{16D0504D-4610-4E9E-A2DB-8B701F044BBC}"/>
+                <a16:creationId xmlns="" xmlns:a16="http://schemas.microsoft.com/office/drawing/2014/main" id="{16D0504D-4610-4E9E-A2DB-8B701F044BBC}"/>
               </a:ext>
             </a:extLst>
           </p:cNvPr>
@@ -13045,7 +13235,7 @@
           <p:cNvPr id="3" name="Slide Number Placeholder 2">
             <a:extLst>
               <a:ext uri="{FF2B5EF4-FFF2-40B4-BE49-F238E27FC236}">
-                <a16:creationId xmlns:a16="http://schemas.microsoft.com/office/drawing/2014/main" xmlns="" id="{A95CDFA7-DEA3-4BBE-8D70-0AF654A1E6FF}"/>
+                <a16:creationId xmlns="" xmlns:a16="http://schemas.microsoft.com/office/drawing/2014/main" id="{A95CDFA7-DEA3-4BBE-8D70-0AF654A1E6FF}"/>
               </a:ext>
             </a:extLst>
           </p:cNvPr>
@@ -13075,7 +13265,7 @@
           <p:cNvPr id="4" name="Title 3">
             <a:extLst>
               <a:ext uri="{FF2B5EF4-FFF2-40B4-BE49-F238E27FC236}">
-                <a16:creationId xmlns:a16="http://schemas.microsoft.com/office/drawing/2014/main" xmlns="" id="{90694D9D-C633-4D52-965E-E5BBD9883037}"/>
+                <a16:creationId xmlns="" xmlns:a16="http://schemas.microsoft.com/office/drawing/2014/main" id="{90694D9D-C633-4D52-965E-E5BBD9883037}"/>
               </a:ext>
             </a:extLst>
           </p:cNvPr>
@@ -13134,7 +13324,7 @@
           <p:cNvPr id="2" name="Footer Placeholder 1">
             <a:extLst>
               <a:ext uri="{FF2B5EF4-FFF2-40B4-BE49-F238E27FC236}">
-                <a16:creationId xmlns:a16="http://schemas.microsoft.com/office/drawing/2014/main" xmlns="" id="{16D0504D-4610-4E9E-A2DB-8B701F044BBC}"/>
+                <a16:creationId xmlns="" xmlns:a16="http://schemas.microsoft.com/office/drawing/2014/main" id="{16D0504D-4610-4E9E-A2DB-8B701F044BBC}"/>
               </a:ext>
             </a:extLst>
           </p:cNvPr>
@@ -13162,7 +13352,7 @@
           <p:cNvPr id="3" name="Slide Number Placeholder 2">
             <a:extLst>
               <a:ext uri="{FF2B5EF4-FFF2-40B4-BE49-F238E27FC236}">
-                <a16:creationId xmlns:a16="http://schemas.microsoft.com/office/drawing/2014/main" xmlns="" id="{A95CDFA7-DEA3-4BBE-8D70-0AF654A1E6FF}"/>
+                <a16:creationId xmlns="" xmlns:a16="http://schemas.microsoft.com/office/drawing/2014/main" id="{A95CDFA7-DEA3-4BBE-8D70-0AF654A1E6FF}"/>
               </a:ext>
             </a:extLst>
           </p:cNvPr>
@@ -13371,7 +13561,7 @@
           <a:p>
             <a:fld id="{A65A2499-6CB7-8C48-91A8-FB3A55F0105D}" type="datetimeFigureOut">
               <a:rPr lang="en-US" smtClean="0"/>
-              <a:t>6/14/20</a:t>
+              <a:t>6/16/20</a:t>
             </a:fld>
             <a:endParaRPr lang="en-US"/>
           </a:p>
@@ -13738,7 +13928,7 @@
           <a:p>
             <a:fld id="{A65A2499-6CB7-8C48-91A8-FB3A55F0105D}" type="datetimeFigureOut">
               <a:rPr lang="en-US" smtClean="0"/>
-              <a:t>6/14/20</a:t>
+              <a:t>6/16/20</a:t>
             </a:fld>
             <a:endParaRPr lang="en-US"/>
           </a:p>
@@ -13796,10 +13986,10 @@
           <p:cNvPr id="10" name="Rectangle 9" descr="Accent block left">
             <a:extLst>
               <a:ext uri="{FF2B5EF4-FFF2-40B4-BE49-F238E27FC236}">
-                <a16:creationId xmlns:a16="http://schemas.microsoft.com/office/drawing/2014/main" xmlns="" id="{48A1A904-FE62-4BE3-BAE9-0EEAE7B1E38C}"/>
+                <a16:creationId xmlns="" xmlns:a16="http://schemas.microsoft.com/office/drawing/2014/main" id="{48A1A904-FE62-4BE3-BAE9-0EEAE7B1E38C}"/>
               </a:ext>
               <a:ext uri="{C183D7F6-B498-43B3-948B-1728B52AA6E4}">
-                <adec:decorative xmlns:adec="http://schemas.microsoft.com/office/drawing/2017/decorative" xmlns="" val="1"/>
+                <adec:decorative xmlns="" xmlns:adec="http://schemas.microsoft.com/office/drawing/2017/decorative" val="1"/>
               </a:ext>
             </a:extLst>
           </p:cNvPr>
@@ -13842,7 +14032,9 @@
           <a:lstStyle/>
           <a:p>
             <a:pPr algn="l"/>
-            <a:endParaRPr lang="en-US" noProof="0" dirty="0"/>
+            <a:endParaRPr lang="en-US" b="0" i="0" noProof="0" dirty="0">
+              <a:latin typeface="Al Tarikh" charset="-78"/>
+            </a:endParaRPr>
           </a:p>
         </p:txBody>
       </p:sp>
@@ -13851,10 +14043,10 @@
           <p:cNvPr id="11" name="Rectangle 10" descr="Accent bar right&#10;">
             <a:extLst>
               <a:ext uri="{FF2B5EF4-FFF2-40B4-BE49-F238E27FC236}">
-                <a16:creationId xmlns:a16="http://schemas.microsoft.com/office/drawing/2014/main" xmlns="" id="{3E8A46E0-47C2-4441-B7DD-F621A80F1FC8}"/>
+                <a16:creationId xmlns="" xmlns:a16="http://schemas.microsoft.com/office/drawing/2014/main" id="{3E8A46E0-47C2-4441-B7DD-F621A80F1FC8}"/>
               </a:ext>
               <a:ext uri="{C183D7F6-B498-43B3-948B-1728B52AA6E4}">
-                <adec:decorative xmlns:adec="http://schemas.microsoft.com/office/drawing/2017/decorative" xmlns="" val="1"/>
+                <adec:decorative xmlns="" xmlns:adec="http://schemas.microsoft.com/office/drawing/2017/decorative" val="1"/>
               </a:ext>
             </a:extLst>
           </p:cNvPr>
@@ -13897,7 +14089,9 @@
           <a:lstStyle/>
           <a:p>
             <a:pPr algn="l"/>
-            <a:endParaRPr lang="en-US" noProof="0" dirty="0"/>
+            <a:endParaRPr lang="en-US" b="0" i="0" noProof="0" dirty="0">
+              <a:latin typeface="Al Tarikh" charset="-78"/>
+            </a:endParaRPr>
           </a:p>
         </p:txBody>
       </p:sp>
@@ -13966,7 +14160,7 @@
           <a:p>
             <a:fld id="{A65A2499-6CB7-8C48-91A8-FB3A55F0105D}" type="datetimeFigureOut">
               <a:rPr lang="en-US" smtClean="0"/>
-              <a:t>6/14/20</a:t>
+              <a:t>6/16/20</a:t>
             </a:fld>
             <a:endParaRPr lang="en-US"/>
           </a:p>
@@ -14061,7 +14255,7 @@
           <a:p>
             <a:fld id="{A65A2499-6CB7-8C48-91A8-FB3A55F0105D}" type="datetimeFigureOut">
               <a:rPr lang="en-US" smtClean="0"/>
-              <a:t>6/14/20</a:t>
+              <a:t>6/16/20</a:t>
             </a:fld>
             <a:endParaRPr lang="en-US"/>
           </a:p>
@@ -14338,7 +14532,7 @@
           <a:p>
             <a:fld id="{A65A2499-6CB7-8C48-91A8-FB3A55F0105D}" type="datetimeFigureOut">
               <a:rPr lang="en-US" smtClean="0"/>
-              <a:t>6/14/20</a:t>
+              <a:t>6/16/20</a:t>
             </a:fld>
             <a:endParaRPr lang="en-US"/>
           </a:p>
@@ -14396,10 +14590,10 @@
           <p:cNvPr id="8" name="Rectangle 7" descr="Accent block left">
             <a:extLst>
               <a:ext uri="{FF2B5EF4-FFF2-40B4-BE49-F238E27FC236}">
-                <a16:creationId xmlns:a16="http://schemas.microsoft.com/office/drawing/2014/main" xmlns="" id="{48A1A904-FE62-4BE3-BAE9-0EEAE7B1E38C}"/>
+                <a16:creationId xmlns="" xmlns:a16="http://schemas.microsoft.com/office/drawing/2014/main" id="{48A1A904-FE62-4BE3-BAE9-0EEAE7B1E38C}"/>
               </a:ext>
               <a:ext uri="{C183D7F6-B498-43B3-948B-1728B52AA6E4}">
-                <adec:decorative xmlns:adec="http://schemas.microsoft.com/office/drawing/2017/decorative" xmlns="" val="1"/>
+                <adec:decorative xmlns="" xmlns:adec="http://schemas.microsoft.com/office/drawing/2017/decorative" val="1"/>
               </a:ext>
             </a:extLst>
           </p:cNvPr>
@@ -14442,7 +14636,9 @@
           <a:lstStyle/>
           <a:p>
             <a:pPr algn="l"/>
-            <a:endParaRPr lang="en-US" noProof="0" dirty="0"/>
+            <a:endParaRPr lang="en-US" b="0" i="0" noProof="0" dirty="0">
+              <a:latin typeface="Al Tarikh" charset="-78"/>
+            </a:endParaRPr>
           </a:p>
         </p:txBody>
       </p:sp>
@@ -14646,7 +14842,7 @@
           <a:p>
             <a:fld id="{A65A2499-6CB7-8C48-91A8-FB3A55F0105D}" type="datetimeFigureOut">
               <a:rPr lang="en-US" smtClean="0"/>
-              <a:t>6/14/20</a:t>
+              <a:t>6/16/20</a:t>
             </a:fld>
             <a:endParaRPr lang="en-US"/>
           </a:p>
@@ -14704,10 +14900,10 @@
           <p:cNvPr id="8" name="Rectangle 7" descr="Accent block left">
             <a:extLst>
               <a:ext uri="{FF2B5EF4-FFF2-40B4-BE49-F238E27FC236}">
-                <a16:creationId xmlns:a16="http://schemas.microsoft.com/office/drawing/2014/main" xmlns="" id="{48A1A904-FE62-4BE3-BAE9-0EEAE7B1E38C}"/>
+                <a16:creationId xmlns="" xmlns:a16="http://schemas.microsoft.com/office/drawing/2014/main" id="{48A1A904-FE62-4BE3-BAE9-0EEAE7B1E38C}"/>
               </a:ext>
               <a:ext uri="{C183D7F6-B498-43B3-948B-1728B52AA6E4}">
-                <adec:decorative xmlns:adec="http://schemas.microsoft.com/office/drawing/2017/decorative" xmlns="" val="1"/>
+                <adec:decorative xmlns="" xmlns:adec="http://schemas.microsoft.com/office/drawing/2017/decorative" val="1"/>
               </a:ext>
             </a:extLst>
           </p:cNvPr>
@@ -14750,7 +14946,9 @@
           <a:lstStyle/>
           <a:p>
             <a:pPr algn="l"/>
-            <a:endParaRPr lang="en-US" noProof="0" dirty="0"/>
+            <a:endParaRPr lang="en-US" b="0" i="0" noProof="0" dirty="0">
+              <a:latin typeface="Al Tarikh" charset="-78"/>
+            </a:endParaRPr>
           </a:p>
         </p:txBody>
       </p:sp>
@@ -14844,38 +15042,38 @@
           <a:p>
             <a:pPr lvl="0"/>
             <a:r>
-              <a:rPr lang="en-US" smtClean="0"/>
+              <a:rPr lang="en-US" dirty="0" smtClean="0"/>
               <a:t>Click to edit Master text styles</a:t>
             </a:r>
           </a:p>
           <a:p>
             <a:pPr lvl="1"/>
             <a:r>
-              <a:rPr lang="en-US" smtClean="0"/>
+              <a:rPr lang="en-US" dirty="0" smtClean="0"/>
               <a:t>Second level</a:t>
             </a:r>
           </a:p>
           <a:p>
             <a:pPr lvl="2"/>
             <a:r>
-              <a:rPr lang="en-US" smtClean="0"/>
+              <a:rPr lang="en-US" dirty="0" smtClean="0"/>
               <a:t>Third level</a:t>
             </a:r>
           </a:p>
           <a:p>
             <a:pPr lvl="3"/>
             <a:r>
-              <a:rPr lang="en-US" smtClean="0"/>
+              <a:rPr lang="en-US" dirty="0" smtClean="0"/>
               <a:t>Fourth level</a:t>
             </a:r>
           </a:p>
           <a:p>
             <a:pPr lvl="4"/>
             <a:r>
-              <a:rPr lang="en-US" smtClean="0"/>
+              <a:rPr lang="en-US" dirty="0" smtClean="0"/>
               <a:t>Fifth level</a:t>
             </a:r>
-            <a:endParaRPr lang="en-US"/>
+            <a:endParaRPr lang="en-US" dirty="0"/>
           </a:p>
         </p:txBody>
       </p:sp>
@@ -14902,21 +15100,23 @@
           <a:bodyPr vert="horz" lIns="91440" tIns="45720" rIns="91440" bIns="45720" rtlCol="0" anchor="ctr"/>
           <a:lstStyle>
             <a:lvl1pPr algn="l">
-              <a:defRPr sz="1200">
+              <a:defRPr sz="1200" b="0" i="0">
                 <a:solidFill>
                   <a:schemeClr val="tx1">
                     <a:tint val="75000"/>
                   </a:schemeClr>
                 </a:solidFill>
+                <a:latin typeface="Al Tarikh" charset="-78"/>
               </a:defRPr>
             </a:lvl1pPr>
           </a:lstStyle>
           <a:p>
             <a:fld id="{A65A2499-6CB7-8C48-91A8-FB3A55F0105D}" type="datetimeFigureOut">
               <a:rPr lang="en-US" smtClean="0"/>
-              <a:t>6/14/20</a:t>
+              <a:pPr/>
+              <a:t>6/16/20</a:t>
             </a:fld>
-            <a:endParaRPr lang="en-US"/>
+            <a:endParaRPr lang="en-US" dirty="0"/>
           </a:p>
         </p:txBody>
       </p:sp>
@@ -14943,21 +15143,22 @@
           <a:bodyPr vert="horz" lIns="91440" tIns="45720" rIns="91440" bIns="45720" rtlCol="0" anchor="ctr"/>
           <a:lstStyle>
             <a:lvl1pPr algn="ctr">
-              <a:defRPr sz="1200">
+              <a:defRPr sz="1200" b="0" i="0">
                 <a:solidFill>
                   <a:schemeClr val="tx1">
                     <a:tint val="75000"/>
                   </a:schemeClr>
                 </a:solidFill>
+                <a:latin typeface="Al Tarikh" charset="-78"/>
               </a:defRPr>
             </a:lvl1pPr>
           </a:lstStyle>
           <a:p>
             <a:r>
-              <a:rPr lang="en-US" noProof="0" smtClean="0"/>
+              <a:rPr lang="en-US" dirty="0" smtClean="0"/>
               <a:t>Add a footer</a:t>
             </a:r>
-            <a:endParaRPr lang="en-US" noProof="0" dirty="0"/>
+            <a:endParaRPr lang="en-US" dirty="0"/>
           </a:p>
         </p:txBody>
       </p:sp>
@@ -14984,22 +15185,23 @@
           <a:bodyPr vert="horz" lIns="91440" tIns="45720" rIns="91440" bIns="45720" rtlCol="0" anchor="ctr"/>
           <a:lstStyle>
             <a:lvl1pPr algn="r">
-              <a:defRPr sz="1200">
+              <a:defRPr sz="1200" b="0" i="0">
                 <a:solidFill>
                   <a:schemeClr val="tx1">
                     <a:tint val="75000"/>
                   </a:schemeClr>
                 </a:solidFill>
+                <a:latin typeface="Al Tarikh" charset="-78"/>
               </a:defRPr>
             </a:lvl1pPr>
           </a:lstStyle>
           <a:p>
             <a:fld id="{19B51A1E-902D-48AF-9020-955120F399B6}" type="slidenum">
-              <a:rPr lang="en-US" noProof="0" smtClean="0"/>
+              <a:rPr lang="en-US" smtClean="0"/>
               <a:pPr/>
               <a:t>‹#›</a:t>
             </a:fld>
-            <a:endParaRPr lang="en-US" noProof="0" dirty="0"/>
+            <a:endParaRPr lang="en-US" dirty="0"/>
           </a:p>
         </p:txBody>
       </p:sp>
@@ -15008,7 +15210,7 @@
           <p:cNvPr id="7" name="Rectangle 6">
             <a:extLst>
               <a:ext uri="{FF2B5EF4-FFF2-40B4-BE49-F238E27FC236}">
-                <a16:creationId xmlns:a16="http://schemas.microsoft.com/office/drawing/2014/main" xmlns="" id="{3EB0D177-9AA4-42F4-9CD7-CD206217CA6D}"/>
+                <a16:creationId xmlns="" xmlns:a16="http://schemas.microsoft.com/office/drawing/2014/main" id="{3EB0D177-9AA4-42F4-9CD7-CD206217CA6D}"/>
               </a:ext>
             </a:extLst>
           </p:cNvPr>
@@ -15051,7 +15253,9 @@
           <a:lstStyle/>
           <a:p>
             <a:pPr algn="ctr"/>
-            <a:endParaRPr lang="en-US" noProof="0" dirty="0"/>
+            <a:endParaRPr lang="en-US" b="0" i="0" noProof="0" dirty="0">
+              <a:latin typeface="Al Tarikh" charset="-78"/>
+            </a:endParaRPr>
           </a:p>
         </p:txBody>
       </p:sp>
@@ -15060,7 +15264,7 @@
           <p:cNvPr id="8" name="Rectangle 7">
             <a:extLst>
               <a:ext uri="{FF2B5EF4-FFF2-40B4-BE49-F238E27FC236}">
-                <a16:creationId xmlns:a16="http://schemas.microsoft.com/office/drawing/2014/main" xmlns="" id="{C825DB53-D610-4A40-AFDC-EBC47DB613CE}"/>
+                <a16:creationId xmlns="" xmlns:a16="http://schemas.microsoft.com/office/drawing/2014/main" id="{C825DB53-D610-4A40-AFDC-EBC47DB613CE}"/>
               </a:ext>
             </a:extLst>
           </p:cNvPr>
@@ -15105,7 +15309,9 @@
           <a:lstStyle/>
           <a:p>
             <a:pPr algn="ctr"/>
-            <a:endParaRPr lang="en-US" noProof="0" dirty="0"/>
+            <a:endParaRPr lang="en-US" b="0" i="0" noProof="0" dirty="0">
+              <a:latin typeface="Al Tarikh" charset="-78"/>
+            </a:endParaRPr>
           </a:p>
         </p:txBody>
       </p:sp>
@@ -15114,7 +15320,7 @@
           <p:cNvPr id="9" name="Freeform: Shape 30">
             <a:extLst>
               <a:ext uri="{FF2B5EF4-FFF2-40B4-BE49-F238E27FC236}">
-                <a16:creationId xmlns:a16="http://schemas.microsoft.com/office/drawing/2014/main" xmlns="" id="{C2B9A6A4-83D0-40B1-8B15-964C84BF0705}"/>
+                <a16:creationId xmlns="" xmlns:a16="http://schemas.microsoft.com/office/drawing/2014/main" id="{C2B9A6A4-83D0-40B1-8B15-964C84BF0705}"/>
               </a:ext>
             </a:extLst>
           </p:cNvPr>
@@ -15202,7 +15408,9 @@
           <a:lstStyle/>
           <a:p>
             <a:pPr algn="ctr"/>
-            <a:endParaRPr lang="en-US" noProof="0" dirty="0"/>
+            <a:endParaRPr lang="en-US" b="0" i="0" noProof="0" dirty="0">
+              <a:latin typeface="Al Tarikh" charset="-78"/>
+            </a:endParaRPr>
           </a:p>
         </p:txBody>
       </p:sp>
@@ -15211,7 +15419,7 @@
           <p:cNvPr id="10" name="TextBox 9">
             <a:extLst>
               <a:ext uri="{FF2B5EF4-FFF2-40B4-BE49-F238E27FC236}">
-                <a16:creationId xmlns:a16="http://schemas.microsoft.com/office/drawing/2014/main" xmlns="" id="{34FDC6F9-37F9-4E25-AECA-D307B8421C73}"/>
+                <a16:creationId xmlns="" xmlns:a16="http://schemas.microsoft.com/office/drawing/2014/main" id="{34FDC6F9-37F9-4E25-AECA-D307B8421C73}"/>
               </a:ext>
             </a:extLst>
           </p:cNvPr>
@@ -15285,7 +15493,7 @@
           <p:cNvPr id="11" name="Rectangle 10">
             <a:extLst>
               <a:ext uri="{FF2B5EF4-FFF2-40B4-BE49-F238E27FC236}">
-                <a16:creationId xmlns:a16="http://schemas.microsoft.com/office/drawing/2014/main" xmlns="" id="{4BC39664-EB8B-4A32-915A-D4308F792772}"/>
+                <a16:creationId xmlns="" xmlns:a16="http://schemas.microsoft.com/office/drawing/2014/main" id="{4BC39664-EB8B-4A32-915A-D4308F792772}"/>
               </a:ext>
             </a:extLst>
           </p:cNvPr>
@@ -15328,7 +15536,9 @@
           <a:lstStyle/>
           <a:p>
             <a:pPr algn="ctr"/>
-            <a:endParaRPr lang="en-US" noProof="0" dirty="0"/>
+            <a:endParaRPr lang="en-US" b="0" i="0" noProof="0" dirty="0">
+              <a:latin typeface="Al Tarikh" charset="-78"/>
+            </a:endParaRPr>
           </a:p>
         </p:txBody>
       </p:sp>
@@ -15337,7 +15547,7 @@
           <p:cNvPr id="12" name="Rectangle 11">
             <a:extLst>
               <a:ext uri="{FF2B5EF4-FFF2-40B4-BE49-F238E27FC236}">
-                <a16:creationId xmlns:a16="http://schemas.microsoft.com/office/drawing/2014/main" xmlns="" id="{9B49670D-8F18-44A8-B217-67B412095C0D}"/>
+                <a16:creationId xmlns="" xmlns:a16="http://schemas.microsoft.com/office/drawing/2014/main" id="{9B49670D-8F18-44A8-B217-67B412095C0D}"/>
               </a:ext>
             </a:extLst>
           </p:cNvPr>
@@ -15380,7 +15590,9 @@
           <a:lstStyle/>
           <a:p>
             <a:pPr algn="ctr"/>
-            <a:endParaRPr lang="en-US" noProof="0" dirty="0"/>
+            <a:endParaRPr lang="en-US" b="0" i="0" noProof="0" dirty="0">
+              <a:latin typeface="Al Tarikh" charset="-78"/>
+            </a:endParaRPr>
           </a:p>
         </p:txBody>
       </p:sp>
@@ -15389,7 +15601,7 @@
           <p:cNvPr id="13" name="Straight Connector 12">
             <a:extLst>
               <a:ext uri="{FF2B5EF4-FFF2-40B4-BE49-F238E27FC236}">
-                <a16:creationId xmlns:a16="http://schemas.microsoft.com/office/drawing/2014/main" xmlns="" id="{030FA059-EC32-4FFF-9673-48849B2FA43A}"/>
+                <a16:creationId xmlns="" xmlns:a16="http://schemas.microsoft.com/office/drawing/2014/main" id="{030FA059-EC32-4FFF-9673-48849B2FA43A}"/>
               </a:ext>
             </a:extLst>
           </p:cNvPr>
@@ -15504,11 +15716,11 @@
         </a:spcBef>
         <a:buFont typeface="Arial"/>
         <a:buChar char="•"/>
-        <a:defRPr sz="2800" kern="1200">
+        <a:defRPr sz="2800" b="0" i="0" kern="1200">
           <a:solidFill>
             <a:schemeClr val="tx1"/>
           </a:solidFill>
-          <a:latin typeface="+mn-lt"/>
+          <a:latin typeface="Al Tarikh" charset="-78"/>
           <a:ea typeface="+mn-ea"/>
           <a:cs typeface="+mn-cs"/>
         </a:defRPr>
@@ -15522,11 +15734,11 @@
         </a:spcBef>
         <a:buFont typeface="Arial"/>
         <a:buChar char="•"/>
-        <a:defRPr sz="2400" kern="1200">
+        <a:defRPr sz="2400" b="0" i="0" kern="1200">
           <a:solidFill>
             <a:schemeClr val="tx1"/>
           </a:solidFill>
-          <a:latin typeface="+mn-lt"/>
+          <a:latin typeface="Al Tarikh" charset="-78"/>
           <a:ea typeface="+mn-ea"/>
           <a:cs typeface="+mn-cs"/>
         </a:defRPr>
@@ -15540,11 +15752,11 @@
         </a:spcBef>
         <a:buFont typeface="Arial"/>
         <a:buChar char="•"/>
-        <a:defRPr sz="2000" kern="1200">
+        <a:defRPr sz="2000" b="0" i="0" kern="1200">
           <a:solidFill>
             <a:schemeClr val="tx1"/>
           </a:solidFill>
-          <a:latin typeface="+mn-lt"/>
+          <a:latin typeface="Al Tarikh" charset="-78"/>
           <a:ea typeface="+mn-ea"/>
           <a:cs typeface="+mn-cs"/>
         </a:defRPr>
@@ -15558,11 +15770,11 @@
         </a:spcBef>
         <a:buFont typeface="Arial"/>
         <a:buChar char="•"/>
-        <a:defRPr sz="1800" kern="1200">
+        <a:defRPr sz="1800" b="0" i="0" kern="1200">
           <a:solidFill>
             <a:schemeClr val="tx1"/>
           </a:solidFill>
-          <a:latin typeface="+mn-lt"/>
+          <a:latin typeface="Al Tarikh" charset="-78"/>
           <a:ea typeface="+mn-ea"/>
           <a:cs typeface="+mn-cs"/>
         </a:defRPr>
@@ -15576,11 +15788,11 @@
         </a:spcBef>
         <a:buFont typeface="Arial"/>
         <a:buChar char="•"/>
-        <a:defRPr sz="1800" kern="1200">
+        <a:defRPr sz="1800" b="0" i="0" kern="1200">
           <a:solidFill>
             <a:schemeClr val="tx1"/>
           </a:solidFill>
-          <a:latin typeface="+mn-lt"/>
+          <a:latin typeface="Al Tarikh" charset="-78"/>
           <a:ea typeface="+mn-ea"/>
           <a:cs typeface="+mn-cs"/>
         </a:defRPr>
@@ -15779,7 +15991,7 @@
           <p:cNvPr id="12" name="Picture Placeholder 11" descr="Hands coming together in circle">
             <a:extLst>
               <a:ext uri="{FF2B5EF4-FFF2-40B4-BE49-F238E27FC236}">
-                <a16:creationId xmlns:a16="http://schemas.microsoft.com/office/drawing/2014/main" xmlns="" id="{AA8A1CBA-9BB5-2246-9F4B-98EAD7C90158}"/>
+                <a16:creationId xmlns="" xmlns:a16="http://schemas.microsoft.com/office/drawing/2014/main" id="{AA8A1CBA-9BB5-2246-9F4B-98EAD7C90158}"/>
               </a:ext>
             </a:extLst>
           </p:cNvPr>
@@ -15810,7 +16022,7 @@
           <p:cNvPr id="3" name="Title 2">
             <a:extLst>
               <a:ext uri="{FF2B5EF4-FFF2-40B4-BE49-F238E27FC236}">
-                <a16:creationId xmlns:a16="http://schemas.microsoft.com/office/drawing/2014/main" xmlns="" id="{200B3D2B-613A-41BE-987D-E6A1324B456D}"/>
+                <a16:creationId xmlns="" xmlns:a16="http://schemas.microsoft.com/office/drawing/2014/main" id="{200B3D2B-613A-41BE-987D-E6A1324B456D}"/>
               </a:ext>
             </a:extLst>
           </p:cNvPr>
@@ -15826,10 +16038,20 @@
           <a:bodyPr/>
           <a:lstStyle/>
           <a:p>
-            <a:r>
-              <a:rPr lang="en-US" dirty="0"/>
-              <a:t>Presentation Title</a:t>
-            </a:r>
+            <a:pPr algn="l"/>
+            <a:r>
+              <a:rPr lang="en-US" sz="4400" b="0" dirty="0" smtClean="0">
+                <a:latin typeface="Al Nile" charset="-78"/>
+                <a:ea typeface="Al Nile" charset="-78"/>
+                <a:cs typeface="Al Nile" charset="-78"/>
+              </a:rPr>
+              <a:t>Capstone Project: Job Salary Prediction</a:t>
+            </a:r>
+            <a:endParaRPr lang="en-US" sz="4400" b="0" dirty="0">
+              <a:latin typeface="Al Nile" charset="-78"/>
+              <a:ea typeface="Al Nile" charset="-78"/>
+              <a:cs typeface="Al Nile" charset="-78"/>
+            </a:endParaRPr>
           </a:p>
         </p:txBody>
       </p:sp>
@@ -15838,7 +16060,7 @@
           <p:cNvPr id="4" name="Subtitle 3">
             <a:extLst>
               <a:ext uri="{FF2B5EF4-FFF2-40B4-BE49-F238E27FC236}">
-                <a16:creationId xmlns:a16="http://schemas.microsoft.com/office/drawing/2014/main" xmlns="" id="{4772945D-CA91-4CFE-8EB7-941C7618C994}"/>
+                <a16:creationId xmlns="" xmlns:a16="http://schemas.microsoft.com/office/drawing/2014/main" id="{4772945D-CA91-4CFE-8EB7-941C7618C994}"/>
               </a:ext>
             </a:extLst>
           </p:cNvPr>
@@ -15849,15 +16071,61 @@
             <p:ph type="subTitle" idx="1"/>
           </p:nvPr>
         </p:nvSpPr>
-        <p:spPr/>
+        <p:spPr>
+          <a:xfrm>
+            <a:off x="3200400" y="4061039"/>
+            <a:ext cx="6580188" cy="1044361"/>
+          </a:xfrm>
+        </p:spPr>
         <p:txBody>
           <a:bodyPr/>
           <a:lstStyle/>
           <a:p>
             <a:r>
-              <a:rPr lang="en-US" dirty="0"/>
-              <a:t>Lorem ipsum dolor sit amet, adipiscing elit</a:t>
-            </a:r>
+              <a:rPr lang="en-US" dirty="0" smtClean="0"/>
+              <a:t>Using Machine Learning and Deep Learning to predict job salary for </a:t>
+            </a:r>
+            <a:r>
+              <a:rPr lang="en-US" smtClean="0"/>
+              <a:t>data related fields</a:t>
+            </a:r>
+            <a:endParaRPr lang="en-US" dirty="0"/>
+          </a:p>
+        </p:txBody>
+      </p:sp>
+      <p:sp>
+        <p:nvSpPr>
+          <p:cNvPr id="2" name="TextBox 1"/>
+          <p:cNvSpPr txBox="1"/>
+          <p:nvPr/>
+        </p:nvSpPr>
+        <p:spPr>
+          <a:xfrm>
+            <a:off x="9982200" y="4203700"/>
+            <a:ext cx="1968500" cy="646331"/>
+          </a:xfrm>
+          <a:prstGeom prst="rect">
+            <a:avLst/>
+          </a:prstGeom>
+          <a:noFill/>
+        </p:spPr>
+        <p:txBody>
+          <a:bodyPr wrap="square" rtlCol="0">
+            <a:spAutoFit/>
+          </a:bodyPr>
+          <a:lstStyle/>
+          <a:p>
+            <a:r>
+              <a:rPr lang="en-US" dirty="0" smtClean="0"/>
+              <a:t>Bonnie Ma</a:t>
+            </a:r>
+          </a:p>
+          <a:p>
+            <a:r>
+              <a:rPr lang="en-US" dirty="0" smtClean="0"/>
+              <a:t>June 2020</a:t>
+            </a:r>
+            <a:endParaRPr lang="en-US" dirty="0"/>
           </a:p>
         </p:txBody>
       </p:sp>
@@ -15896,7 +16164,7 @@
           <p:cNvPr id="12" name="Picture Placeholder 11" descr="conference room">
             <a:extLst>
               <a:ext uri="{FF2B5EF4-FFF2-40B4-BE49-F238E27FC236}">
-                <a16:creationId xmlns:a16="http://schemas.microsoft.com/office/drawing/2014/main" xmlns="" id="{8F5AE0D5-C196-A947-8AFE-449A48B26153}"/>
+                <a16:creationId xmlns="" xmlns:a16="http://schemas.microsoft.com/office/drawing/2014/main" id="{8F5AE0D5-C196-A947-8AFE-449A48B26153}"/>
               </a:ext>
             </a:extLst>
           </p:cNvPr>
@@ -15927,7 +16195,7 @@
           <p:cNvPr id="4" name="Content Placeholder 3">
             <a:extLst>
               <a:ext uri="{FF2B5EF4-FFF2-40B4-BE49-F238E27FC236}">
-                <a16:creationId xmlns:a16="http://schemas.microsoft.com/office/drawing/2014/main" xmlns="" id="{3B86E961-B76E-423F-995E-11B31E921437}"/>
+                <a16:creationId xmlns="" xmlns:a16="http://schemas.microsoft.com/office/drawing/2014/main" id="{3B86E961-B76E-423F-995E-11B31E921437}"/>
               </a:ext>
             </a:extLst>
           </p:cNvPr>
@@ -15968,7 +16236,7 @@
           <p:cNvPr id="6" name="Slide Number Placeholder 5">
             <a:extLst>
               <a:ext uri="{FF2B5EF4-FFF2-40B4-BE49-F238E27FC236}">
-                <a16:creationId xmlns:a16="http://schemas.microsoft.com/office/drawing/2014/main" xmlns="" id="{70202D98-AA1E-41BB-B94E-180311759C13}"/>
+                <a16:creationId xmlns="" xmlns:a16="http://schemas.microsoft.com/office/drawing/2014/main" id="{70202D98-AA1E-41BB-B94E-180311759C13}"/>
               </a:ext>
             </a:extLst>
           </p:cNvPr>
@@ -15998,7 +16266,7 @@
           <p:cNvPr id="11" name="Title 10" hidden="1">
             <a:extLst>
               <a:ext uri="{FF2B5EF4-FFF2-40B4-BE49-F238E27FC236}">
-                <a16:creationId xmlns:a16="http://schemas.microsoft.com/office/drawing/2014/main" xmlns="" id="{C5462610-1D7E-437B-B516-F30D9A789B9B}"/>
+                <a16:creationId xmlns="" xmlns:a16="http://schemas.microsoft.com/office/drawing/2014/main" id="{C5462610-1D7E-437B-B516-F30D9A789B9B}"/>
               </a:ext>
             </a:extLst>
           </p:cNvPr>
@@ -16056,7 +16324,7 @@
           <p:cNvPr id="32" name="Picture Placeholder 31" descr="hand clapping">
             <a:extLst>
               <a:ext uri="{FF2B5EF4-FFF2-40B4-BE49-F238E27FC236}">
-                <a16:creationId xmlns:a16="http://schemas.microsoft.com/office/drawing/2014/main" xmlns="" id="{AAB6EE12-FEF8-FB41-A909-0DA61D7725C7}"/>
+                <a16:creationId xmlns="" xmlns:a16="http://schemas.microsoft.com/office/drawing/2014/main" id="{AAB6EE12-FEF8-FB41-A909-0DA61D7725C7}"/>
               </a:ext>
             </a:extLst>
           </p:cNvPr>
@@ -16087,7 +16355,7 @@
           <p:cNvPr id="14" name="Title 13">
             <a:extLst>
               <a:ext uri="{FF2B5EF4-FFF2-40B4-BE49-F238E27FC236}">
-                <a16:creationId xmlns:a16="http://schemas.microsoft.com/office/drawing/2014/main" xmlns="" id="{6C38D7A9-9299-4108-BB08-026F4B9CAE7B}"/>
+                <a16:creationId xmlns="" xmlns:a16="http://schemas.microsoft.com/office/drawing/2014/main" id="{6C38D7A9-9299-4108-BB08-026F4B9CAE7B}"/>
               </a:ext>
             </a:extLst>
           </p:cNvPr>
@@ -16115,7 +16383,7 @@
           <p:cNvPr id="4" name="Text Placeholder 3">
             <a:extLst>
               <a:ext uri="{FF2B5EF4-FFF2-40B4-BE49-F238E27FC236}">
-                <a16:creationId xmlns:a16="http://schemas.microsoft.com/office/drawing/2014/main" xmlns="" id="{60828E04-9C2A-4859-8050-C2DF67A249CB}"/>
+                <a16:creationId xmlns="" xmlns:a16="http://schemas.microsoft.com/office/drawing/2014/main" id="{60828E04-9C2A-4859-8050-C2DF67A249CB}"/>
               </a:ext>
             </a:extLst>
           </p:cNvPr>
@@ -16152,7 +16420,7 @@
           <p:cNvPr id="5" name="Text Placeholder 4">
             <a:extLst>
               <a:ext uri="{FF2B5EF4-FFF2-40B4-BE49-F238E27FC236}">
-                <a16:creationId xmlns:a16="http://schemas.microsoft.com/office/drawing/2014/main" xmlns="" id="{11265965-2271-4C1C-BD0A-6F85F80FF9A6}"/>
+                <a16:creationId xmlns="" xmlns:a16="http://schemas.microsoft.com/office/drawing/2014/main" id="{11265965-2271-4C1C-BD0A-6F85F80FF9A6}"/>
               </a:ext>
             </a:extLst>
           </p:cNvPr>
@@ -16189,7 +16457,7 @@
           <p:cNvPr id="6" name="Text Placeholder 5">
             <a:extLst>
               <a:ext uri="{FF2B5EF4-FFF2-40B4-BE49-F238E27FC236}">
-                <a16:creationId xmlns:a16="http://schemas.microsoft.com/office/drawing/2014/main" xmlns="" id="{50A3BCC3-A277-4C0B-9EBA-EB53990D8EBD}"/>
+                <a16:creationId xmlns="" xmlns:a16="http://schemas.microsoft.com/office/drawing/2014/main" id="{50A3BCC3-A277-4C0B-9EBA-EB53990D8EBD}"/>
               </a:ext>
             </a:extLst>
           </p:cNvPr>
@@ -16226,7 +16494,7 @@
           <p:cNvPr id="16" name="Text Placeholder 15">
             <a:extLst>
               <a:ext uri="{FF2B5EF4-FFF2-40B4-BE49-F238E27FC236}">
-                <a16:creationId xmlns:a16="http://schemas.microsoft.com/office/drawing/2014/main" xmlns="" id="{FD8A1232-50A8-4535-AAF9-7F4180EAA0DD}"/>
+                <a16:creationId xmlns="" xmlns:a16="http://schemas.microsoft.com/office/drawing/2014/main" id="{FD8A1232-50A8-4535-AAF9-7F4180EAA0DD}"/>
               </a:ext>
             </a:extLst>
           </p:cNvPr>
@@ -16263,7 +16531,7 @@
           <p:cNvPr id="12" name="Slide Number Placeholder 11">
             <a:extLst>
               <a:ext uri="{FF2B5EF4-FFF2-40B4-BE49-F238E27FC236}">
-                <a16:creationId xmlns:a16="http://schemas.microsoft.com/office/drawing/2014/main" xmlns="" id="{91814EC9-246A-4C6E-941E-5774FE72F08E}"/>
+                <a16:creationId xmlns="" xmlns:a16="http://schemas.microsoft.com/office/drawing/2014/main" id="{91814EC9-246A-4C6E-941E-5774FE72F08E}"/>
               </a:ext>
             </a:extLst>
           </p:cNvPr>
@@ -16300,7 +16568,7 @@
           <p:cNvPr id="8" name="Graphic 7" descr="User" title="Icon - Presenter Name">
             <a:extLst>
               <a:ext uri="{FF2B5EF4-FFF2-40B4-BE49-F238E27FC236}">
-                <a16:creationId xmlns:a16="http://schemas.microsoft.com/office/drawing/2014/main" xmlns="" id="{111541C4-DB03-4E53-994D-499C7D73C4DF}"/>
+                <a16:creationId xmlns="" xmlns:a16="http://schemas.microsoft.com/office/drawing/2014/main" id="{111541C4-DB03-4E53-994D-499C7D73C4DF}"/>
               </a:ext>
             </a:extLst>
           </p:cNvPr>
@@ -16316,7 +16584,7 @@
                 <a14:useLocalDpi xmlns:a14="http://schemas.microsoft.com/office/drawing/2010/main"/>
               </a:ext>
               <a:ext uri="{96DAC541-7B7A-43D3-8B79-37D633B846F1}">
-                <asvg:svgBlip xmlns:asvg="http://schemas.microsoft.com/office/drawing/2016/SVG/main" xmlns="" r:embed="rId4"/>
+                <asvg:svgBlip xmlns="" xmlns:asvg="http://schemas.microsoft.com/office/drawing/2016/SVG/main" r:embed="rId4"/>
               </a:ext>
             </a:extLst>
           </a:blip>
@@ -16339,7 +16607,7 @@
           <p:cNvPr id="10" name="Graphic 9" descr="Smart Phone" title="Icon - Presenter Phone Number">
             <a:extLst>
               <a:ext uri="{FF2B5EF4-FFF2-40B4-BE49-F238E27FC236}">
-                <a16:creationId xmlns:a16="http://schemas.microsoft.com/office/drawing/2014/main" xmlns="" id="{A29DE31C-E099-4579-BB03-675E0A40C5F2}"/>
+                <a16:creationId xmlns="" xmlns:a16="http://schemas.microsoft.com/office/drawing/2014/main" id="{A29DE31C-E099-4579-BB03-675E0A40C5F2}"/>
               </a:ext>
             </a:extLst>
           </p:cNvPr>
@@ -16355,7 +16623,7 @@
                 <a14:useLocalDpi xmlns:a14="http://schemas.microsoft.com/office/drawing/2010/main"/>
               </a:ext>
               <a:ext uri="{96DAC541-7B7A-43D3-8B79-37D633B846F1}">
-                <asvg:svgBlip xmlns:asvg="http://schemas.microsoft.com/office/drawing/2016/SVG/main" xmlns="" r:embed="rId6"/>
+                <asvg:svgBlip xmlns="" xmlns:asvg="http://schemas.microsoft.com/office/drawing/2016/SVG/main" r:embed="rId6"/>
               </a:ext>
             </a:extLst>
           </a:blip>
@@ -16378,7 +16646,7 @@
           <p:cNvPr id="9" name="Graphic 8" descr="Envelope" title="Icon Presenter Email">
             <a:extLst>
               <a:ext uri="{FF2B5EF4-FFF2-40B4-BE49-F238E27FC236}">
-                <a16:creationId xmlns:a16="http://schemas.microsoft.com/office/drawing/2014/main" xmlns="" id="{773C1382-ACE1-460F-A1B6-AB761A7D2E6B}"/>
+                <a16:creationId xmlns="" xmlns:a16="http://schemas.microsoft.com/office/drawing/2014/main" id="{773C1382-ACE1-460F-A1B6-AB761A7D2E6B}"/>
               </a:ext>
             </a:extLst>
           </p:cNvPr>
@@ -16394,7 +16662,7 @@
                 <a14:useLocalDpi xmlns:a14="http://schemas.microsoft.com/office/drawing/2010/main"/>
               </a:ext>
               <a:ext uri="{96DAC541-7B7A-43D3-8B79-37D633B846F1}">
-                <asvg:svgBlip xmlns:asvg="http://schemas.microsoft.com/office/drawing/2016/SVG/main" xmlns="" r:embed="rId8"/>
+                <asvg:svgBlip xmlns="" xmlns:asvg="http://schemas.microsoft.com/office/drawing/2016/SVG/main" r:embed="rId8"/>
               </a:ext>
             </a:extLst>
           </a:blip>
@@ -16417,7 +16685,7 @@
           <p:cNvPr id="11" name="Graphic 10" descr="Link">
             <a:extLst>
               <a:ext uri="{FF2B5EF4-FFF2-40B4-BE49-F238E27FC236}">
-                <a16:creationId xmlns:a16="http://schemas.microsoft.com/office/drawing/2014/main" xmlns="" id="{0718E6E0-05A2-479C-AEA8-1A385EB73474}"/>
+                <a16:creationId xmlns="" xmlns:a16="http://schemas.microsoft.com/office/drawing/2014/main" id="{0718E6E0-05A2-479C-AEA8-1A385EB73474}"/>
               </a:ext>
             </a:extLst>
           </p:cNvPr>
@@ -16433,7 +16701,7 @@
                 <a14:useLocalDpi xmlns:a14="http://schemas.microsoft.com/office/drawing/2010/main"/>
               </a:ext>
               <a:ext uri="{96DAC541-7B7A-43D3-8B79-37D633B846F1}">
-                <asvg:svgBlip xmlns:asvg="http://schemas.microsoft.com/office/drawing/2016/SVG/main" xmlns="" r:embed="rId10"/>
+                <asvg:svgBlip xmlns="" xmlns:asvg="http://schemas.microsoft.com/office/drawing/2016/SVG/main" r:embed="rId10"/>
               </a:ext>
             </a:extLst>
           </a:blip>
@@ -16486,7 +16754,7 @@
           <p:cNvPr id="2" name="Slide Number Placeholder 1">
             <a:extLst>
               <a:ext uri="{FF2B5EF4-FFF2-40B4-BE49-F238E27FC236}">
-                <a16:creationId xmlns:a16="http://schemas.microsoft.com/office/drawing/2014/main" xmlns="" id="{CB78354A-41D5-43F7-A38D-3C946669B3C8}"/>
+                <a16:creationId xmlns="" xmlns:a16="http://schemas.microsoft.com/office/drawing/2014/main" id="{CB78354A-41D5-43F7-A38D-3C946669B3C8}"/>
               </a:ext>
             </a:extLst>
           </p:cNvPr>
@@ -16523,7 +16791,7 @@
           <p:cNvPr id="4" name="Title 3">
             <a:extLst>
               <a:ext uri="{FF2B5EF4-FFF2-40B4-BE49-F238E27FC236}">
-                <a16:creationId xmlns:a16="http://schemas.microsoft.com/office/drawing/2014/main" xmlns="" id="{E98DCA46-603B-4178-8707-30E192CE6B8D}"/>
+                <a16:creationId xmlns="" xmlns:a16="http://schemas.microsoft.com/office/drawing/2014/main" id="{E98DCA46-603B-4178-8707-30E192CE6B8D}"/>
               </a:ext>
             </a:extLst>
           </p:cNvPr>
@@ -16551,7 +16819,7 @@
           <p:cNvPr id="3" name="Text Placeholder 2">
             <a:extLst>
               <a:ext uri="{FF2B5EF4-FFF2-40B4-BE49-F238E27FC236}">
-                <a16:creationId xmlns:a16="http://schemas.microsoft.com/office/drawing/2014/main" xmlns="" id="{9E1C54E2-35CD-4B4C-8AF6-A9BBA506FC1F}"/>
+                <a16:creationId xmlns="" xmlns:a16="http://schemas.microsoft.com/office/drawing/2014/main" id="{9E1C54E2-35CD-4B4C-8AF6-A9BBA506FC1F}"/>
               </a:ext>
             </a:extLst>
           </p:cNvPr>
@@ -16580,7 +16848,7 @@
                 <a:hlinkClick r:id="rId2">
                   <a:extLst>
                     <a:ext uri="{A12FA001-AC4F-418D-AE19-62706E023703}">
-                      <ahyp:hlinkClr xmlns:ahyp="http://schemas.microsoft.com/office/drawing/2018/hyperlinkcolor" xmlns="" val="tx"/>
+                      <ahyp:hlinkClr xmlns="" xmlns:ahyp="http://schemas.microsoft.com/office/drawing/2018/hyperlinkcolor" val="tx"/>
                     </a:ext>
                   </a:extLst>
                 </a:hlinkClick>
@@ -16630,7 +16898,7 @@
           <p:cNvPr id="9" name="Picture Placeholder 8" descr="Handing touching mobile phone">
             <a:extLst>
               <a:ext uri="{FF2B5EF4-FFF2-40B4-BE49-F238E27FC236}">
-                <a16:creationId xmlns:a16="http://schemas.microsoft.com/office/drawing/2014/main" xmlns="" id="{A9A75888-22E3-1D43-9112-DA02186070B5}"/>
+                <a16:creationId xmlns="" xmlns:a16="http://schemas.microsoft.com/office/drawing/2014/main" id="{A9A75888-22E3-1D43-9112-DA02186070B5}"/>
               </a:ext>
             </a:extLst>
           </p:cNvPr>
@@ -16661,7 +16929,7 @@
           <p:cNvPr id="2" name="Title 1">
             <a:extLst>
               <a:ext uri="{FF2B5EF4-FFF2-40B4-BE49-F238E27FC236}">
-                <a16:creationId xmlns:a16="http://schemas.microsoft.com/office/drawing/2014/main" xmlns="" id="{3560F281-4FF6-4617-A809-AC9C15ECF18A}"/>
+                <a16:creationId xmlns="" xmlns:a16="http://schemas.microsoft.com/office/drawing/2014/main" id="{3560F281-4FF6-4617-A809-AC9C15ECF18A}"/>
               </a:ext>
             </a:extLst>
           </p:cNvPr>
@@ -16691,7 +16959,7 @@
           <p:cNvPr id="3" name="Text Placeholder 2">
             <a:extLst>
               <a:ext uri="{FF2B5EF4-FFF2-40B4-BE49-F238E27FC236}">
-                <a16:creationId xmlns:a16="http://schemas.microsoft.com/office/drawing/2014/main" xmlns="" id="{611DC577-0A95-47D0-95D9-5F8DA763D46B}"/>
+                <a16:creationId xmlns="" xmlns:a16="http://schemas.microsoft.com/office/drawing/2014/main" id="{611DC577-0A95-47D0-95D9-5F8DA763D46B}"/>
               </a:ext>
             </a:extLst>
           </p:cNvPr>
@@ -16721,7 +16989,7 @@
           <p:cNvPr id="4" name="Content Placeholder 3">
             <a:extLst>
               <a:ext uri="{FF2B5EF4-FFF2-40B4-BE49-F238E27FC236}">
-                <a16:creationId xmlns:a16="http://schemas.microsoft.com/office/drawing/2014/main" xmlns="" id="{D355C61F-C8F1-4977-8E1F-F16C0D9EA88C}"/>
+                <a16:creationId xmlns="" xmlns:a16="http://schemas.microsoft.com/office/drawing/2014/main" id="{D355C61F-C8F1-4977-8E1F-F16C0D9EA88C}"/>
               </a:ext>
             </a:extLst>
           </p:cNvPr>
@@ -16772,7 +17040,7 @@
           <p:cNvPr id="6" name="Slide Number Placeholder 5">
             <a:extLst>
               <a:ext uri="{FF2B5EF4-FFF2-40B4-BE49-F238E27FC236}">
-                <a16:creationId xmlns:a16="http://schemas.microsoft.com/office/drawing/2014/main" xmlns="" id="{1C554D9F-1895-486E-BFBA-905BB2D29E08}"/>
+                <a16:creationId xmlns="" xmlns:a16="http://schemas.microsoft.com/office/drawing/2014/main" id="{1C554D9F-1895-486E-BFBA-905BB2D29E08}"/>
               </a:ext>
             </a:extLst>
           </p:cNvPr>
@@ -16809,10 +17077,10 @@
           <p:cNvPr id="20" name="Rectangle 19">
             <a:extLst>
               <a:ext uri="{FF2B5EF4-FFF2-40B4-BE49-F238E27FC236}">
-                <a16:creationId xmlns:a16="http://schemas.microsoft.com/office/drawing/2014/main" xmlns="" id="{EFA08948-2B6F-46B1-9D2D-8D7B2B3FBD56}"/>
+                <a16:creationId xmlns="" xmlns:a16="http://schemas.microsoft.com/office/drawing/2014/main" id="{EFA08948-2B6F-46B1-9D2D-8D7B2B3FBD56}"/>
               </a:ext>
               <a:ext uri="{C183D7F6-B498-43B3-948B-1728B52AA6E4}">
-                <adec:decorative xmlns:adec="http://schemas.microsoft.com/office/drawing/2017/decorative" xmlns="" val="1"/>
+                <adec:decorative xmlns="" xmlns:adec="http://schemas.microsoft.com/office/drawing/2017/decorative" val="1"/>
               </a:ext>
             </a:extLst>
           </p:cNvPr>
@@ -16855,7 +17123,9 @@
           <a:lstStyle/>
           <a:p>
             <a:pPr algn="l"/>
-            <a:endParaRPr lang="en-US" dirty="0"/>
+            <a:endParaRPr lang="en-US" dirty="0">
+              <a:latin typeface="Al Tarikh" charset="-78"/>
+            </a:endParaRPr>
           </a:p>
         </p:txBody>
       </p:sp>
@@ -16894,7 +17164,7 @@
           <p:cNvPr id="14" name="Picture Placeholder 13" descr="Hand writing on post-it note">
             <a:extLst>
               <a:ext uri="{FF2B5EF4-FFF2-40B4-BE49-F238E27FC236}">
-                <a16:creationId xmlns:a16="http://schemas.microsoft.com/office/drawing/2014/main" xmlns="" id="{7E468295-904F-0743-AD06-67DA21353B9E}"/>
+                <a16:creationId xmlns="" xmlns:a16="http://schemas.microsoft.com/office/drawing/2014/main" id="{7E468295-904F-0743-AD06-67DA21353B9E}"/>
               </a:ext>
             </a:extLst>
           </p:cNvPr>
@@ -16923,7 +17193,7 @@
           <p:cNvPr id="2" name="Title 1">
             <a:extLst>
               <a:ext uri="{FF2B5EF4-FFF2-40B4-BE49-F238E27FC236}">
-                <a16:creationId xmlns:a16="http://schemas.microsoft.com/office/drawing/2014/main" xmlns="" id="{3560F281-4FF6-4617-A809-AC9C15ECF18A}"/>
+                <a16:creationId xmlns="" xmlns:a16="http://schemas.microsoft.com/office/drawing/2014/main" id="{3560F281-4FF6-4617-A809-AC9C15ECF18A}"/>
               </a:ext>
             </a:extLst>
           </p:cNvPr>
@@ -16953,7 +17223,7 @@
           <p:cNvPr id="3" name="Text Placeholder 2">
             <a:extLst>
               <a:ext uri="{FF2B5EF4-FFF2-40B4-BE49-F238E27FC236}">
-                <a16:creationId xmlns:a16="http://schemas.microsoft.com/office/drawing/2014/main" xmlns="" id="{611DC577-0A95-47D0-95D9-5F8DA763D46B}"/>
+                <a16:creationId xmlns="" xmlns:a16="http://schemas.microsoft.com/office/drawing/2014/main" id="{611DC577-0A95-47D0-95D9-5F8DA763D46B}"/>
               </a:ext>
             </a:extLst>
           </p:cNvPr>
@@ -16983,7 +17253,7 @@
           <p:cNvPr id="4" name="Content Placeholder 3">
             <a:extLst>
               <a:ext uri="{FF2B5EF4-FFF2-40B4-BE49-F238E27FC236}">
-                <a16:creationId xmlns:a16="http://schemas.microsoft.com/office/drawing/2014/main" xmlns="" id="{D355C61F-C8F1-4977-8E1F-F16C0D9EA88C}"/>
+                <a16:creationId xmlns="" xmlns:a16="http://schemas.microsoft.com/office/drawing/2014/main" id="{D355C61F-C8F1-4977-8E1F-F16C0D9EA88C}"/>
               </a:ext>
             </a:extLst>
           </p:cNvPr>
@@ -17034,7 +17304,7 @@
           <p:cNvPr id="6" name="Slide Number Placeholder 5">
             <a:extLst>
               <a:ext uri="{FF2B5EF4-FFF2-40B4-BE49-F238E27FC236}">
-                <a16:creationId xmlns:a16="http://schemas.microsoft.com/office/drawing/2014/main" xmlns="" id="{1C554D9F-1895-486E-BFBA-905BB2D29E08}"/>
+                <a16:creationId xmlns="" xmlns:a16="http://schemas.microsoft.com/office/drawing/2014/main" id="{1C554D9F-1895-486E-BFBA-905BB2D29E08}"/>
               </a:ext>
             </a:extLst>
           </p:cNvPr>
@@ -17071,10 +17341,10 @@
           <p:cNvPr id="20" name="Rectangle 19">
             <a:extLst>
               <a:ext uri="{FF2B5EF4-FFF2-40B4-BE49-F238E27FC236}">
-                <a16:creationId xmlns:a16="http://schemas.microsoft.com/office/drawing/2014/main" xmlns="" id="{EFA08948-2B6F-46B1-9D2D-8D7B2B3FBD56}"/>
+                <a16:creationId xmlns="" xmlns:a16="http://schemas.microsoft.com/office/drawing/2014/main" id="{EFA08948-2B6F-46B1-9D2D-8D7B2B3FBD56}"/>
               </a:ext>
               <a:ext uri="{C183D7F6-B498-43B3-948B-1728B52AA6E4}">
-                <adec:decorative xmlns:adec="http://schemas.microsoft.com/office/drawing/2017/decorative" xmlns="" val="1"/>
+                <adec:decorative xmlns="" xmlns:adec="http://schemas.microsoft.com/office/drawing/2017/decorative" val="1"/>
               </a:ext>
             </a:extLst>
           </p:cNvPr>
@@ -17117,7 +17387,9 @@
           <a:lstStyle/>
           <a:p>
             <a:pPr algn="l"/>
-            <a:endParaRPr lang="en-US" dirty="0"/>
+            <a:endParaRPr lang="en-US" dirty="0">
+              <a:latin typeface="Al Tarikh" charset="-78"/>
+            </a:endParaRPr>
           </a:p>
         </p:txBody>
       </p:sp>
@@ -17156,7 +17428,7 @@
           <p:cNvPr id="11" name="Picture Placeholder 10" descr="Desk with computer, phone, books, etc.">
             <a:extLst>
               <a:ext uri="{FF2B5EF4-FFF2-40B4-BE49-F238E27FC236}">
-                <a16:creationId xmlns:a16="http://schemas.microsoft.com/office/drawing/2014/main" xmlns="" id="{2E7ADBC3-DECA-9F4C-9289-9E43C727592F}"/>
+                <a16:creationId xmlns="" xmlns:a16="http://schemas.microsoft.com/office/drawing/2014/main" id="{2E7ADBC3-DECA-9F4C-9289-9E43C727592F}"/>
               </a:ext>
             </a:extLst>
           </p:cNvPr>
@@ -17187,7 +17459,7 @@
           <p:cNvPr id="3" name="Title 2">
             <a:extLst>
               <a:ext uri="{FF2B5EF4-FFF2-40B4-BE49-F238E27FC236}">
-                <a16:creationId xmlns:a16="http://schemas.microsoft.com/office/drawing/2014/main" xmlns="" id="{200B3D2B-613A-41BE-987D-E6A1324B456D}"/>
+                <a16:creationId xmlns="" xmlns:a16="http://schemas.microsoft.com/office/drawing/2014/main" id="{200B3D2B-613A-41BE-987D-E6A1324B456D}"/>
               </a:ext>
             </a:extLst>
           </p:cNvPr>
@@ -17215,7 +17487,7 @@
           <p:cNvPr id="14" name="Text Placeholder 13">
             <a:extLst>
               <a:ext uri="{FF2B5EF4-FFF2-40B4-BE49-F238E27FC236}">
-                <a16:creationId xmlns:a16="http://schemas.microsoft.com/office/drawing/2014/main" xmlns="" id="{F278402B-CA7D-4F5B-B3FA-ED74AB3CFB6C}"/>
+                <a16:creationId xmlns="" xmlns:a16="http://schemas.microsoft.com/office/drawing/2014/main" id="{F278402B-CA7D-4F5B-B3FA-ED74AB3CFB6C}"/>
               </a:ext>
             </a:extLst>
           </p:cNvPr>
@@ -17243,7 +17515,7 @@
           <p:cNvPr id="5" name="Slide Number Placeholder 4">
             <a:extLst>
               <a:ext uri="{FF2B5EF4-FFF2-40B4-BE49-F238E27FC236}">
-                <a16:creationId xmlns:a16="http://schemas.microsoft.com/office/drawing/2014/main" xmlns="" id="{BDD5A594-D852-43BB-B591-E9D9027253BD}"/>
+                <a16:creationId xmlns="" xmlns:a16="http://schemas.microsoft.com/office/drawing/2014/main" id="{BDD5A594-D852-43BB-B591-E9D9027253BD}"/>
               </a:ext>
             </a:extLst>
           </p:cNvPr>
@@ -17310,7 +17582,7 @@
           <p:cNvPr id="2" name="Title 1">
             <a:extLst>
               <a:ext uri="{FF2B5EF4-FFF2-40B4-BE49-F238E27FC236}">
-                <a16:creationId xmlns:a16="http://schemas.microsoft.com/office/drawing/2014/main" xmlns="" id="{19304E83-A4F0-49C5-BB01-F5773509A2B3}"/>
+                <a16:creationId xmlns="" xmlns:a16="http://schemas.microsoft.com/office/drawing/2014/main" id="{19304E83-A4F0-49C5-BB01-F5773509A2B3}"/>
               </a:ext>
             </a:extLst>
           </p:cNvPr>
@@ -17340,7 +17612,7 @@
           <p:cNvPr id="3" name="Text Placeholder 2">
             <a:extLst>
               <a:ext uri="{FF2B5EF4-FFF2-40B4-BE49-F238E27FC236}">
-                <a16:creationId xmlns:a16="http://schemas.microsoft.com/office/drawing/2014/main" xmlns="" id="{7CA42D59-EAD6-4F95-84F1-32A30F057856}"/>
+                <a16:creationId xmlns="" xmlns:a16="http://schemas.microsoft.com/office/drawing/2014/main" id="{7CA42D59-EAD6-4F95-84F1-32A30F057856}"/>
               </a:ext>
             </a:extLst>
           </p:cNvPr>
@@ -17370,7 +17642,7 @@
           <p:cNvPr id="4" name="Text Placeholder 3">
             <a:extLst>
               <a:ext uri="{FF2B5EF4-FFF2-40B4-BE49-F238E27FC236}">
-                <a16:creationId xmlns:a16="http://schemas.microsoft.com/office/drawing/2014/main" xmlns="" id="{6AB259A0-0017-492F-A0DC-4B70C7052AE0}"/>
+                <a16:creationId xmlns="" xmlns:a16="http://schemas.microsoft.com/office/drawing/2014/main" id="{6AB259A0-0017-492F-A0DC-4B70C7052AE0}"/>
               </a:ext>
             </a:extLst>
           </p:cNvPr>
@@ -17405,7 +17677,7 @@
           <p:cNvPr id="5" name="Content Placeholder 4">
             <a:extLst>
               <a:ext uri="{FF2B5EF4-FFF2-40B4-BE49-F238E27FC236}">
-                <a16:creationId xmlns:a16="http://schemas.microsoft.com/office/drawing/2014/main" xmlns="" id="{CEEB3BAE-C0B2-447C-B8BE-96C6BD84D658}"/>
+                <a16:creationId xmlns="" xmlns:a16="http://schemas.microsoft.com/office/drawing/2014/main" id="{CEEB3BAE-C0B2-447C-B8BE-96C6BD84D658}"/>
               </a:ext>
             </a:extLst>
           </p:cNvPr>
@@ -17454,7 +17726,7 @@
           <p:cNvPr id="6" name="Text Placeholder 5">
             <a:extLst>
               <a:ext uri="{FF2B5EF4-FFF2-40B4-BE49-F238E27FC236}">
-                <a16:creationId xmlns:a16="http://schemas.microsoft.com/office/drawing/2014/main" xmlns="" id="{B237D1CA-B91A-410E-A968-D017BBE99F99}"/>
+                <a16:creationId xmlns="" xmlns:a16="http://schemas.microsoft.com/office/drawing/2014/main" id="{B237D1CA-B91A-410E-A968-D017BBE99F99}"/>
               </a:ext>
             </a:extLst>
           </p:cNvPr>
@@ -17489,7 +17761,7 @@
           <p:cNvPr id="7" name="Text Placeholder 6">
             <a:extLst>
               <a:ext uri="{FF2B5EF4-FFF2-40B4-BE49-F238E27FC236}">
-                <a16:creationId xmlns:a16="http://schemas.microsoft.com/office/drawing/2014/main" xmlns="" id="{26A87885-D672-4CF9-A78D-CFE98385B03A}"/>
+                <a16:creationId xmlns="" xmlns:a16="http://schemas.microsoft.com/office/drawing/2014/main" id="{26A87885-D672-4CF9-A78D-CFE98385B03A}"/>
               </a:ext>
             </a:extLst>
           </p:cNvPr>
@@ -17538,7 +17810,7 @@
           <p:cNvPr id="8" name="Slide Number Placeholder 7">
             <a:extLst>
               <a:ext uri="{FF2B5EF4-FFF2-40B4-BE49-F238E27FC236}">
-                <a16:creationId xmlns:a16="http://schemas.microsoft.com/office/drawing/2014/main" xmlns="" id="{E6AC9832-FB01-464A-9824-61887B77997E}"/>
+                <a16:creationId xmlns="" xmlns:a16="http://schemas.microsoft.com/office/drawing/2014/main" id="{E6AC9832-FB01-464A-9824-61887B77997E}"/>
               </a:ext>
             </a:extLst>
           </p:cNvPr>
@@ -17575,10 +17847,10 @@
           <p:cNvPr id="12" name="Rectangle 11">
             <a:extLst>
               <a:ext uri="{FF2B5EF4-FFF2-40B4-BE49-F238E27FC236}">
-                <a16:creationId xmlns:a16="http://schemas.microsoft.com/office/drawing/2014/main" xmlns="" id="{7F65E93D-09FF-42EE-B9DD-750638966686}"/>
+                <a16:creationId xmlns="" xmlns:a16="http://schemas.microsoft.com/office/drawing/2014/main" id="{7F65E93D-09FF-42EE-B9DD-750638966686}"/>
               </a:ext>
               <a:ext uri="{C183D7F6-B498-43B3-948B-1728B52AA6E4}">
-                <adec:decorative xmlns:adec="http://schemas.microsoft.com/office/drawing/2017/decorative" xmlns="" val="1"/>
+                <adec:decorative xmlns="" xmlns:adec="http://schemas.microsoft.com/office/drawing/2017/decorative" val="1"/>
               </a:ext>
             </a:extLst>
           </p:cNvPr>
@@ -17621,7 +17893,9 @@
           <a:lstStyle/>
           <a:p>
             <a:pPr algn="l"/>
-            <a:endParaRPr lang="en-US" dirty="0"/>
+            <a:endParaRPr lang="en-US" dirty="0">
+              <a:latin typeface="Al Tarikh" charset="-78"/>
+            </a:endParaRPr>
           </a:p>
         </p:txBody>
       </p:sp>
@@ -17630,10 +17904,10 @@
           <p:cNvPr id="11" name="Straight Connector 10">
             <a:extLst>
               <a:ext uri="{FF2B5EF4-FFF2-40B4-BE49-F238E27FC236}">
-                <a16:creationId xmlns:a16="http://schemas.microsoft.com/office/drawing/2014/main" xmlns="" id="{5A563457-1EC8-4978-BCCB-AFD88C9ED04C}"/>
+                <a16:creationId xmlns="" xmlns:a16="http://schemas.microsoft.com/office/drawing/2014/main" id="{5A563457-1EC8-4978-BCCB-AFD88C9ED04C}"/>
               </a:ext>
               <a:ext uri="{C183D7F6-B498-43B3-948B-1728B52AA6E4}">
-                <adec:decorative xmlns:adec="http://schemas.microsoft.com/office/drawing/2017/decorative" xmlns="" val="1"/>
+                <adec:decorative xmlns="" xmlns:adec="http://schemas.microsoft.com/office/drawing/2017/decorative" val="1"/>
               </a:ext>
             </a:extLst>
           </p:cNvPr>
@@ -17676,10 +17950,10 @@
           <p:cNvPr id="13" name="Rectangle 12">
             <a:extLst>
               <a:ext uri="{FF2B5EF4-FFF2-40B4-BE49-F238E27FC236}">
-                <a16:creationId xmlns:a16="http://schemas.microsoft.com/office/drawing/2014/main" xmlns="" id="{A7CD04AE-9A8B-4DED-855D-F51B510D0B69}"/>
+                <a16:creationId xmlns="" xmlns:a16="http://schemas.microsoft.com/office/drawing/2014/main" id="{A7CD04AE-9A8B-4DED-855D-F51B510D0B69}"/>
               </a:ext>
               <a:ext uri="{C183D7F6-B498-43B3-948B-1728B52AA6E4}">
-                <adec:decorative xmlns:adec="http://schemas.microsoft.com/office/drawing/2017/decorative" xmlns="" val="1"/>
+                <adec:decorative xmlns="" xmlns:adec="http://schemas.microsoft.com/office/drawing/2017/decorative" val="1"/>
               </a:ext>
             </a:extLst>
           </p:cNvPr>
@@ -17722,7 +17996,9 @@
           <a:lstStyle/>
           <a:p>
             <a:pPr algn="l"/>
-            <a:endParaRPr lang="en-US" dirty="0"/>
+            <a:endParaRPr lang="en-US" dirty="0">
+              <a:latin typeface="Al Tarikh" charset="-78"/>
+            </a:endParaRPr>
           </a:p>
         </p:txBody>
       </p:sp>
@@ -17818,13 +18094,12 @@
               </a:spcAft>
             </a:pPr>
             <a:r>
-              <a:rPr lang="en-US" kern="1200" noProof="0">
+              <a:rPr lang="en-US" kern="1200" noProof="0" dirty="0">
                 <a:solidFill>
                   <a:schemeClr val="tx1">
                     <a:tint val="75000"/>
                   </a:schemeClr>
                 </a:solidFill>
-                <a:latin typeface="+mn-lt"/>
                 <a:ea typeface="+mn-ea"/>
                 <a:cs typeface="+mn-cs"/>
               </a:rPr>
@@ -17862,7 +18137,6 @@
                     <a:tint val="75000"/>
                   </a:schemeClr>
                 </a:solidFill>
-                <a:latin typeface="+mn-lt"/>
               </a:rPr>
               <a:pPr algn="r">
                 <a:spcAft>
@@ -17871,13 +18145,12 @@
               </a:pPr>
               <a:t>6</a:t>
             </a:fld>
-            <a:endParaRPr lang="en-US" noProof="0">
+            <a:endParaRPr lang="en-US" noProof="0" dirty="0">
               <a:solidFill>
                 <a:schemeClr val="tx1">
                   <a:tint val="75000"/>
                 </a:schemeClr>
               </a:solidFill>
-              <a:latin typeface="+mn-lt"/>
             </a:endParaRPr>
           </a:p>
         </p:txBody>
@@ -17988,7 +18261,7 @@
           <p:cNvPr id="23" name="Picture Placeholder 22" descr="Woman on laptop smiling">
             <a:extLst>
               <a:ext uri="{FF2B5EF4-FFF2-40B4-BE49-F238E27FC236}">
-                <a16:creationId xmlns:a16="http://schemas.microsoft.com/office/drawing/2014/main" xmlns="" id="{35E3CE9E-B03C-CB4B-A83A-D3265C7A0545}"/>
+                <a16:creationId xmlns="" xmlns:a16="http://schemas.microsoft.com/office/drawing/2014/main" id="{35E3CE9E-B03C-CB4B-A83A-D3265C7A0545}"/>
               </a:ext>
             </a:extLst>
           </p:cNvPr>
@@ -18019,7 +18292,7 @@
           <p:cNvPr id="3" name="Title 2">
             <a:extLst>
               <a:ext uri="{FF2B5EF4-FFF2-40B4-BE49-F238E27FC236}">
-                <a16:creationId xmlns:a16="http://schemas.microsoft.com/office/drawing/2014/main" xmlns="" id="{200B3D2B-613A-41BE-987D-E6A1324B456D}"/>
+                <a16:creationId xmlns="" xmlns:a16="http://schemas.microsoft.com/office/drawing/2014/main" id="{200B3D2B-613A-41BE-987D-E6A1324B456D}"/>
               </a:ext>
             </a:extLst>
           </p:cNvPr>
@@ -18054,7 +18327,7 @@
           <p:cNvPr id="10" name="Text Placeholder 9">
             <a:extLst>
               <a:ext uri="{FF2B5EF4-FFF2-40B4-BE49-F238E27FC236}">
-                <a16:creationId xmlns:a16="http://schemas.microsoft.com/office/drawing/2014/main" xmlns="" id="{2972F17A-D965-40B9-8ABB-C634072DBCC0}"/>
+                <a16:creationId xmlns="" xmlns:a16="http://schemas.microsoft.com/office/drawing/2014/main" id="{2972F17A-D965-40B9-8ABB-C634072DBCC0}"/>
               </a:ext>
             </a:extLst>
           </p:cNvPr>
@@ -18090,7 +18363,7 @@
           <p:cNvPr id="5" name="Slide Number Placeholder 4">
             <a:extLst>
               <a:ext uri="{FF2B5EF4-FFF2-40B4-BE49-F238E27FC236}">
-                <a16:creationId xmlns:a16="http://schemas.microsoft.com/office/drawing/2014/main" xmlns="" id="{F6964141-6F81-4947-A236-746D94ED3F6F}"/>
+                <a16:creationId xmlns="" xmlns:a16="http://schemas.microsoft.com/office/drawing/2014/main" id="{F6964141-6F81-4947-A236-746D94ED3F6F}"/>
               </a:ext>
             </a:extLst>
           </p:cNvPr>
@@ -18157,7 +18430,7 @@
           <p:cNvPr id="2" name="Title 1">
             <a:extLst>
               <a:ext uri="{FF2B5EF4-FFF2-40B4-BE49-F238E27FC236}">
-                <a16:creationId xmlns:a16="http://schemas.microsoft.com/office/drawing/2014/main" xmlns="" id="{623FB4D5-DA14-4F29-9320-2DE0A6B571B9}"/>
+                <a16:creationId xmlns="" xmlns:a16="http://schemas.microsoft.com/office/drawing/2014/main" id="{623FB4D5-DA14-4F29-9320-2DE0A6B571B9}"/>
               </a:ext>
             </a:extLst>
           </p:cNvPr>
@@ -18185,7 +18458,7 @@
           <p:cNvPr id="3" name="Text Placeholder 2">
             <a:extLst>
               <a:ext uri="{FF2B5EF4-FFF2-40B4-BE49-F238E27FC236}">
-                <a16:creationId xmlns:a16="http://schemas.microsoft.com/office/drawing/2014/main" xmlns="" id="{DE9D0F75-42B5-4960-8C3A-291285872DAF}"/>
+                <a16:creationId xmlns="" xmlns:a16="http://schemas.microsoft.com/office/drawing/2014/main" id="{DE9D0F75-42B5-4960-8C3A-291285872DAF}"/>
               </a:ext>
             </a:extLst>
           </p:cNvPr>
@@ -18215,7 +18488,7 @@
           <p:cNvPr id="9" name="Slide Number Placeholder 8">
             <a:extLst>
               <a:ext uri="{FF2B5EF4-FFF2-40B4-BE49-F238E27FC236}">
-                <a16:creationId xmlns:a16="http://schemas.microsoft.com/office/drawing/2014/main" xmlns="" id="{00A34EBD-7DEA-4599-A81B-0A363A0E17FC}"/>
+                <a16:creationId xmlns="" xmlns:a16="http://schemas.microsoft.com/office/drawing/2014/main" id="{00A34EBD-7DEA-4599-A81B-0A363A0E17FC}"/>
               </a:ext>
             </a:extLst>
           </p:cNvPr>
@@ -18252,7 +18525,7 @@
           <p:cNvPr id="4" name="Chart 3" title="Gross Revenue Placeholder Chart">
             <a:extLst>
               <a:ext uri="{FF2B5EF4-FFF2-40B4-BE49-F238E27FC236}">
-                <a16:creationId xmlns:a16="http://schemas.microsoft.com/office/drawing/2014/main" xmlns="" id="{FFE8AFAB-AE1F-4453-8C1B-70D2EF9B1373}"/>
+                <a16:creationId xmlns="" xmlns:a16="http://schemas.microsoft.com/office/drawing/2014/main" id="{FFE8AFAB-AE1F-4453-8C1B-70D2EF9B1373}"/>
               </a:ext>
             </a:extLst>
           </p:cNvPr>
@@ -18280,7 +18553,7 @@
           <p:cNvPr id="7" name="Chart 6" title="Gross Revenue Placeholder Chart">
             <a:extLst>
               <a:ext uri="{FF2B5EF4-FFF2-40B4-BE49-F238E27FC236}">
-                <a16:creationId xmlns:a16="http://schemas.microsoft.com/office/drawing/2014/main" xmlns="" id="{9BEBE5AF-1D10-425C-8F3C-2236E52E6E67}"/>
+                <a16:creationId xmlns="" xmlns:a16="http://schemas.microsoft.com/office/drawing/2014/main" id="{9BEBE5AF-1D10-425C-8F3C-2236E52E6E67}"/>
               </a:ext>
             </a:extLst>
           </p:cNvPr>
@@ -18308,7 +18581,7 @@
           <p:cNvPr id="8" name="Chart 7" title="Gross Revenue Placeholder Chart">
             <a:extLst>
               <a:ext uri="{FF2B5EF4-FFF2-40B4-BE49-F238E27FC236}">
-                <a16:creationId xmlns:a16="http://schemas.microsoft.com/office/drawing/2014/main" xmlns="" id="{A8D5CDFF-2AF9-4CDE-BF8D-15F294BD5095}"/>
+                <a16:creationId xmlns="" xmlns:a16="http://schemas.microsoft.com/office/drawing/2014/main" id="{A8D5CDFF-2AF9-4CDE-BF8D-15F294BD5095}"/>
               </a:ext>
             </a:extLst>
           </p:cNvPr>
@@ -18366,7 +18639,7 @@
           <p:cNvPr id="2" name="Title 1">
             <a:extLst>
               <a:ext uri="{FF2B5EF4-FFF2-40B4-BE49-F238E27FC236}">
-                <a16:creationId xmlns:a16="http://schemas.microsoft.com/office/drawing/2014/main" xmlns="" id="{E7267129-D582-495A-8F4B-6B9075899DD6}"/>
+                <a16:creationId xmlns="" xmlns:a16="http://schemas.microsoft.com/office/drawing/2014/main" id="{E7267129-D582-495A-8F4B-6B9075899DD6}"/>
               </a:ext>
             </a:extLst>
           </p:cNvPr>
@@ -18394,7 +18667,7 @@
           <p:cNvPr id="3" name="Text Placeholder 2">
             <a:extLst>
               <a:ext uri="{FF2B5EF4-FFF2-40B4-BE49-F238E27FC236}">
-                <a16:creationId xmlns:a16="http://schemas.microsoft.com/office/drawing/2014/main" xmlns="" id="{F204AFD2-303D-4B48-AA3E-C96B74D8127A}"/>
+                <a16:creationId xmlns="" xmlns:a16="http://schemas.microsoft.com/office/drawing/2014/main" id="{F204AFD2-303D-4B48-AA3E-C96B74D8127A}"/>
               </a:ext>
             </a:extLst>
           </p:cNvPr>
@@ -18424,7 +18697,7 @@
           <p:cNvPr id="6" name="Slide Number Placeholder 5">
             <a:extLst>
               <a:ext uri="{FF2B5EF4-FFF2-40B4-BE49-F238E27FC236}">
-                <a16:creationId xmlns:a16="http://schemas.microsoft.com/office/drawing/2014/main" xmlns="" id="{4B379698-AB4C-493D-BF95-F5781FDF2AC5}"/>
+                <a16:creationId xmlns="" xmlns:a16="http://schemas.microsoft.com/office/drawing/2014/main" id="{4B379698-AB4C-493D-BF95-F5781FDF2AC5}"/>
               </a:ext>
             </a:extLst>
           </p:cNvPr>
@@ -18461,7 +18734,7 @@
           <p:cNvPr id="4" name="Table 3">
             <a:extLst>
               <a:ext uri="{FF2B5EF4-FFF2-40B4-BE49-F238E27FC236}">
-                <a16:creationId xmlns:a16="http://schemas.microsoft.com/office/drawing/2014/main" xmlns="" id="{BEE0921D-4C1D-4106-9AC0-F73F30E8DA3C}"/>
+                <a16:creationId xmlns="" xmlns:a16="http://schemas.microsoft.com/office/drawing/2014/main" id="{BEE0921D-4C1D-4106-9AC0-F73F30E8DA3C}"/>
               </a:ext>
             </a:extLst>
           </p:cNvPr>
@@ -18490,49 +18763,49 @@
                 <a:gridCol w="1619930">
                   <a:extLst>
                     <a:ext uri="{9D8B030D-6E8A-4147-A177-3AD203B41FA5}">
-                      <a16:colId xmlns:a16="http://schemas.microsoft.com/office/drawing/2014/main" xmlns="" val="1173992025"/>
+                      <a16:colId xmlns="" xmlns:a16="http://schemas.microsoft.com/office/drawing/2014/main" val="1173992025"/>
                     </a:ext>
                   </a:extLst>
                 </a:gridCol>
                 <a:gridCol w="1619930">
                   <a:extLst>
                     <a:ext uri="{9D8B030D-6E8A-4147-A177-3AD203B41FA5}">
-                      <a16:colId xmlns:a16="http://schemas.microsoft.com/office/drawing/2014/main" xmlns="" val="115202853"/>
+                      <a16:colId xmlns="" xmlns:a16="http://schemas.microsoft.com/office/drawing/2014/main" val="115202853"/>
                     </a:ext>
                   </a:extLst>
                 </a:gridCol>
                 <a:gridCol w="1619930">
                   <a:extLst>
                     <a:ext uri="{9D8B030D-6E8A-4147-A177-3AD203B41FA5}">
-                      <a16:colId xmlns:a16="http://schemas.microsoft.com/office/drawing/2014/main" xmlns="" val="1010693434"/>
+                      <a16:colId xmlns="" xmlns:a16="http://schemas.microsoft.com/office/drawing/2014/main" val="1010693434"/>
                     </a:ext>
                   </a:extLst>
                 </a:gridCol>
                 <a:gridCol w="1619930">
                   <a:extLst>
                     <a:ext uri="{9D8B030D-6E8A-4147-A177-3AD203B41FA5}">
-                      <a16:colId xmlns:a16="http://schemas.microsoft.com/office/drawing/2014/main" xmlns="" val="608292439"/>
+                      <a16:colId xmlns="" xmlns:a16="http://schemas.microsoft.com/office/drawing/2014/main" val="608292439"/>
                     </a:ext>
                   </a:extLst>
                 </a:gridCol>
                 <a:gridCol w="1619930">
                   <a:extLst>
                     <a:ext uri="{9D8B030D-6E8A-4147-A177-3AD203B41FA5}">
-                      <a16:colId xmlns:a16="http://schemas.microsoft.com/office/drawing/2014/main" xmlns="" val="1007882540"/>
+                      <a16:colId xmlns="" xmlns:a16="http://schemas.microsoft.com/office/drawing/2014/main" val="1007882540"/>
                     </a:ext>
                   </a:extLst>
                 </a:gridCol>
                 <a:gridCol w="1619930">
                   <a:extLst>
                     <a:ext uri="{9D8B030D-6E8A-4147-A177-3AD203B41FA5}">
-                      <a16:colId xmlns:a16="http://schemas.microsoft.com/office/drawing/2014/main" xmlns="" val="3778082769"/>
+                      <a16:colId xmlns="" xmlns:a16="http://schemas.microsoft.com/office/drawing/2014/main" val="3778082769"/>
                     </a:ext>
                   </a:extLst>
                 </a:gridCol>
                 <a:gridCol w="1619930">
                   <a:extLst>
                     <a:ext uri="{9D8B030D-6E8A-4147-A177-3AD203B41FA5}">
-                      <a16:colId xmlns:a16="http://schemas.microsoft.com/office/drawing/2014/main" xmlns="" val="1136644251"/>
+                      <a16:colId xmlns="" xmlns:a16="http://schemas.microsoft.com/office/drawing/2014/main" val="1136644251"/>
                     </a:ext>
                   </a:extLst>
                 </a:gridCol>
@@ -18544,10 +18817,11 @@
                     <a:lstStyle/>
                     <a:p>
                       <a:pPr algn="ctr"/>
-                      <a:endParaRPr lang="en-ZA" dirty="0">
+                      <a:endParaRPr lang="en-ZA" b="0" i="0" dirty="0">
                         <a:solidFill>
                           <a:schemeClr val="bg1"/>
                         </a:solidFill>
+                        <a:latin typeface="Al Tarikh" charset="-78"/>
                       </a:endParaRPr>
                     </a:p>
                   </a:txBody>
@@ -18990,7 +19264,7 @@
                 </a:tc>
                 <a:extLst>
                   <a:ext uri="{0D108BD9-81ED-4DB2-BD59-A6C34878D82A}">
-                    <a16:rowId xmlns:a16="http://schemas.microsoft.com/office/drawing/2014/main" xmlns="" val="1007223600"/>
+                    <a16:rowId xmlns="" xmlns:a16="http://schemas.microsoft.com/office/drawing/2014/main" val="1007223600"/>
                   </a:ext>
                 </a:extLst>
               </a:tr>
@@ -19002,13 +19276,14 @@
                     <a:p>
                       <a:pPr algn="ctr"/>
                       <a:r>
-                        <a:rPr lang="en-ZA" sz="1600" b="1" dirty="0">
+                        <a:rPr lang="en-ZA" sz="1600" b="0" i="0" dirty="0">
                           <a:solidFill>
                             <a:schemeClr val="tx1">
                               <a:lumMod val="75000"/>
                               <a:lumOff val="25000"/>
                             </a:schemeClr>
                           </a:solidFill>
+                          <a:latin typeface="Al Tarikh" charset="-78"/>
                         </a:rPr>
                         <a:t>20YY</a:t>
                       </a:r>
@@ -19075,13 +19350,14 @@
                     <a:p>
                       <a:pPr algn="r"/>
                       <a:r>
-                        <a:rPr lang="en-ZA" sz="1600" dirty="0">
+                        <a:rPr lang="en-ZA" sz="1600" b="0" i="0" dirty="0">
                           <a:solidFill>
                             <a:schemeClr val="tx1">
                               <a:lumMod val="75000"/>
                               <a:lumOff val="25000"/>
                             </a:schemeClr>
                           </a:solidFill>
+                          <a:latin typeface="Al Tarikh" charset="-78"/>
                         </a:rPr>
                         <a:t>0</a:t>
                       </a:r>
@@ -19146,13 +19422,14 @@
                     <a:p>
                       <a:pPr algn="r"/>
                       <a:r>
-                        <a:rPr lang="en-ZA" sz="1600" dirty="0">
+                        <a:rPr lang="en-ZA" sz="1600" b="0" i="0" dirty="0">
                           <a:solidFill>
                             <a:schemeClr val="tx1">
                               <a:lumMod val="75000"/>
                               <a:lumOff val="25000"/>
                             </a:schemeClr>
                           </a:solidFill>
+                          <a:latin typeface="Al Tarikh" charset="-78"/>
                         </a:rPr>
                         <a:t>0</a:t>
                       </a:r>
@@ -19217,13 +19494,14 @@
                     <a:p>
                       <a:pPr algn="r"/>
                       <a:r>
-                        <a:rPr lang="en-ZA" sz="1600" dirty="0">
+                        <a:rPr lang="en-ZA" sz="1600" b="0" i="0" dirty="0">
                           <a:solidFill>
                             <a:schemeClr val="tx1">
                               <a:lumMod val="75000"/>
                               <a:lumOff val="25000"/>
                             </a:schemeClr>
                           </a:solidFill>
+                          <a:latin typeface="Al Tarikh" charset="-78"/>
                         </a:rPr>
                         <a:t>2</a:t>
                       </a:r>
@@ -19288,13 +19566,14 @@
                     <a:p>
                       <a:pPr algn="r"/>
                       <a:r>
-                        <a:rPr lang="en-ZA" sz="1600" dirty="0">
+                        <a:rPr lang="en-ZA" sz="1600" b="0" i="0" dirty="0">
                           <a:solidFill>
                             <a:schemeClr val="tx1">
                               <a:lumMod val="75000"/>
                               <a:lumOff val="25000"/>
                             </a:schemeClr>
                           </a:solidFill>
+                          <a:latin typeface="Al Tarikh" charset="-78"/>
                         </a:rPr>
                         <a:t>0</a:t>
                       </a:r>
@@ -19359,13 +19638,14 @@
                     <a:p>
                       <a:pPr algn="r"/>
                       <a:r>
-                        <a:rPr lang="en-ZA" sz="1600" dirty="0">
+                        <a:rPr lang="en-ZA" sz="1600" b="0" i="0" dirty="0">
                           <a:solidFill>
                             <a:schemeClr val="tx1">
                               <a:lumMod val="75000"/>
                               <a:lumOff val="25000"/>
                             </a:schemeClr>
                           </a:solidFill>
+                          <a:latin typeface="Al Tarikh" charset="-78"/>
                         </a:rPr>
                         <a:t>$0</a:t>
                       </a:r>
@@ -19432,13 +19712,14 @@
                     <a:p>
                       <a:pPr algn="r"/>
                       <a:r>
-                        <a:rPr lang="en-ZA" sz="1600" dirty="0">
+                        <a:rPr lang="en-ZA" sz="1600" b="0" i="0" dirty="0">
                           <a:solidFill>
                             <a:schemeClr val="tx1">
                               <a:lumMod val="75000"/>
                               <a:lumOff val="25000"/>
                             </a:schemeClr>
                           </a:solidFill>
+                          <a:latin typeface="Al Tarikh" charset="-78"/>
                         </a:rPr>
                         <a:t>$0</a:t>
                       </a:r>
@@ -19498,7 +19779,7 @@
                 </a:tc>
                 <a:extLst>
                   <a:ext uri="{0D108BD9-81ED-4DB2-BD59-A6C34878D82A}">
-                    <a16:rowId xmlns:a16="http://schemas.microsoft.com/office/drawing/2014/main" xmlns="" val="3583495943"/>
+                    <a16:rowId xmlns="" xmlns:a16="http://schemas.microsoft.com/office/drawing/2014/main" val="3583495943"/>
                   </a:ext>
                 </a:extLst>
               </a:tr>
@@ -19510,13 +19791,14 @@
                     <a:p>
                       <a:pPr algn="ctr"/>
                       <a:r>
-                        <a:rPr lang="en-ZA" sz="1600" b="1" dirty="0">
+                        <a:rPr lang="en-ZA" sz="1600" b="0" i="0" dirty="0">
                           <a:solidFill>
                             <a:schemeClr val="tx1">
                               <a:lumMod val="75000"/>
                               <a:lumOff val="25000"/>
                             </a:schemeClr>
                           </a:solidFill>
+                          <a:latin typeface="Al Tarikh" charset="-78"/>
                         </a:rPr>
                         <a:t>20YY</a:t>
                       </a:r>
@@ -19587,13 +19869,14 @@
                     <a:p>
                       <a:pPr algn="r"/>
                       <a:r>
-                        <a:rPr lang="en-ZA" sz="1600" dirty="0">
+                        <a:rPr lang="en-ZA" sz="1600" b="0" i="0" dirty="0">
                           <a:solidFill>
                             <a:schemeClr val="tx1">
                               <a:lumMod val="75000"/>
                               <a:lumOff val="25000"/>
                             </a:schemeClr>
                           </a:solidFill>
+                          <a:latin typeface="Al Tarikh" charset="-78"/>
                         </a:rPr>
                         <a:t>10</a:t>
                       </a:r>
@@ -19662,13 +19945,14 @@
                     <a:p>
                       <a:pPr algn="r"/>
                       <a:r>
-                        <a:rPr lang="en-ZA" sz="1600" dirty="0">
+                        <a:rPr lang="en-ZA" sz="1600" b="0" i="0" dirty="0">
                           <a:solidFill>
                             <a:schemeClr val="tx1">
                               <a:lumMod val="75000"/>
                               <a:lumOff val="25000"/>
                             </a:schemeClr>
                           </a:solidFill>
+                          <a:latin typeface="Al Tarikh" charset="-78"/>
                         </a:rPr>
                         <a:t>100</a:t>
                       </a:r>
@@ -19737,13 +20021,14 @@
                     <a:p>
                       <a:pPr algn="r"/>
                       <a:r>
-                        <a:rPr lang="en-ZA" sz="1600" dirty="0">
+                        <a:rPr lang="en-ZA" sz="1600" b="0" i="0" dirty="0">
                           <a:solidFill>
                             <a:schemeClr val="tx1">
                               <a:lumMod val="75000"/>
                               <a:lumOff val="25000"/>
                             </a:schemeClr>
                           </a:solidFill>
+                          <a:latin typeface="Al Tarikh" charset="-78"/>
                         </a:rPr>
                         <a:t>50</a:t>
                       </a:r>
@@ -19812,13 +20097,14 @@
                     <a:p>
                       <a:pPr algn="r"/>
                       <a:r>
-                        <a:rPr lang="en-ZA" sz="1600" dirty="0">
+                        <a:rPr lang="en-ZA" sz="1600" b="0" i="0" dirty="0">
                           <a:solidFill>
                             <a:schemeClr val="tx1">
                               <a:lumMod val="75000"/>
                               <a:lumOff val="25000"/>
                             </a:schemeClr>
                           </a:solidFill>
+                          <a:latin typeface="Al Tarikh" charset="-78"/>
                         </a:rPr>
                         <a:t>10</a:t>
                       </a:r>
@@ -19887,13 +20173,14 @@
                     <a:p>
                       <a:pPr algn="r"/>
                       <a:r>
-                        <a:rPr lang="en-ZA" sz="1600" dirty="0">
+                        <a:rPr lang="en-ZA" sz="1600" b="0" i="0" dirty="0">
                           <a:solidFill>
                             <a:schemeClr val="tx1">
                               <a:lumMod val="75000"/>
                               <a:lumOff val="25000"/>
                             </a:schemeClr>
                           </a:solidFill>
+                          <a:latin typeface="Al Tarikh" charset="-78"/>
                         </a:rPr>
                         <a:t>$6,750</a:t>
                       </a:r>
@@ -19962,13 +20249,14 @@
                     <a:p>
                       <a:pPr algn="r"/>
                       <a:r>
-                        <a:rPr lang="en-ZA" sz="1600" dirty="0">
+                        <a:rPr lang="en-ZA" sz="1600" b="0" i="0" dirty="0">
                           <a:solidFill>
                             <a:schemeClr val="tx1">
                               <a:lumMod val="75000"/>
                               <a:lumOff val="25000"/>
                             </a:schemeClr>
                           </a:solidFill>
+                          <a:latin typeface="Al Tarikh" charset="-78"/>
                         </a:rPr>
                         <a:t>$1,013</a:t>
                       </a:r>
@@ -20032,7 +20320,7 @@
                 </a:tc>
                 <a:extLst>
                   <a:ext uri="{0D108BD9-81ED-4DB2-BD59-A6C34878D82A}">
-                    <a16:rowId xmlns:a16="http://schemas.microsoft.com/office/drawing/2014/main" xmlns="" val="2912132828"/>
+                    <a16:rowId xmlns="" xmlns:a16="http://schemas.microsoft.com/office/drawing/2014/main" val="2912132828"/>
                   </a:ext>
                 </a:extLst>
               </a:tr>
@@ -20044,13 +20332,14 @@
                     <a:p>
                       <a:pPr algn="ctr"/>
                       <a:r>
-                        <a:rPr lang="en-ZA" sz="1600" b="1" dirty="0">
+                        <a:rPr lang="en-ZA" sz="1600" b="0" i="0" dirty="0">
                           <a:solidFill>
                             <a:schemeClr val="tx1">
                               <a:lumMod val="75000"/>
                               <a:lumOff val="25000"/>
                             </a:schemeClr>
                           </a:solidFill>
+                          <a:latin typeface="Al Tarikh" charset="-78"/>
                         </a:rPr>
                         <a:t>20YY</a:t>
                       </a:r>
@@ -20121,13 +20410,14 @@
                     <a:p>
                       <a:pPr algn="r"/>
                       <a:r>
-                        <a:rPr lang="en-ZA" sz="1600" dirty="0">
+                        <a:rPr lang="en-ZA" sz="1600" b="0" i="0" dirty="0">
                           <a:solidFill>
                             <a:schemeClr val="tx1">
                               <a:lumMod val="75000"/>
                               <a:lumOff val="25000"/>
                             </a:schemeClr>
                           </a:solidFill>
+                          <a:latin typeface="Al Tarikh" charset="-78"/>
                         </a:rPr>
                         <a:t>50</a:t>
                       </a:r>
@@ -20196,13 +20486,14 @@
                     <a:p>
                       <a:pPr algn="r"/>
                       <a:r>
-                        <a:rPr lang="en-ZA" sz="1600" dirty="0">
+                        <a:rPr lang="en-ZA" sz="1600" b="0" i="0" dirty="0">
                           <a:solidFill>
                             <a:schemeClr val="tx1">
                               <a:lumMod val="75000"/>
                               <a:lumOff val="25000"/>
                             </a:schemeClr>
                           </a:solidFill>
+                          <a:latin typeface="Al Tarikh" charset="-78"/>
                         </a:rPr>
                         <a:t>500</a:t>
                       </a:r>
@@ -20271,13 +20562,14 @@
                     <a:p>
                       <a:pPr algn="r"/>
                       <a:r>
-                        <a:rPr lang="en-ZA" sz="1600" dirty="0">
+                        <a:rPr lang="en-ZA" sz="1600" b="0" i="0" dirty="0">
                           <a:solidFill>
                             <a:schemeClr val="tx1">
                               <a:lumMod val="75000"/>
                               <a:lumOff val="25000"/>
                             </a:schemeClr>
                           </a:solidFill>
+                          <a:latin typeface="Al Tarikh" charset="-78"/>
                         </a:rPr>
                         <a:t>60</a:t>
                       </a:r>
@@ -20346,13 +20638,14 @@
                     <a:p>
                       <a:pPr algn="r"/>
                       <a:r>
-                        <a:rPr lang="en-ZA" sz="1600" dirty="0">
+                        <a:rPr lang="en-ZA" sz="1600" b="0" i="0" dirty="0">
                           <a:solidFill>
                             <a:schemeClr val="tx1">
                               <a:lumMod val="75000"/>
                               <a:lumOff val="25000"/>
                             </a:schemeClr>
                           </a:solidFill>
+                          <a:latin typeface="Al Tarikh" charset="-78"/>
                         </a:rPr>
                         <a:t>500</a:t>
                       </a:r>
@@ -20421,13 +20714,14 @@
                     <a:p>
                       <a:pPr algn="r"/>
                       <a:r>
-                        <a:rPr lang="en-ZA" sz="1600" dirty="0">
+                        <a:rPr lang="en-ZA" sz="1600" b="0" i="0" dirty="0">
                           <a:solidFill>
                             <a:schemeClr val="tx1">
                               <a:lumMod val="75000"/>
                               <a:lumOff val="25000"/>
                             </a:schemeClr>
                           </a:solidFill>
+                          <a:latin typeface="Al Tarikh" charset="-78"/>
                         </a:rPr>
                         <a:t>$33,750</a:t>
                       </a:r>
@@ -20496,13 +20790,14 @@
                     <a:p>
                       <a:pPr algn="r"/>
                       <a:r>
-                        <a:rPr lang="en-ZA" sz="1600" dirty="0">
+                        <a:rPr lang="en-ZA" sz="1600" b="0" i="0" dirty="0">
                           <a:solidFill>
                             <a:schemeClr val="tx1">
                               <a:lumMod val="75000"/>
                               <a:lumOff val="25000"/>
                             </a:schemeClr>
                           </a:solidFill>
+                          <a:latin typeface="Al Tarikh" charset="-78"/>
                         </a:rPr>
                         <a:t>$5,063</a:t>
                       </a:r>
@@ -20566,7 +20861,7 @@
                 </a:tc>
                 <a:extLst>
                   <a:ext uri="{0D108BD9-81ED-4DB2-BD59-A6C34878D82A}">
-                    <a16:rowId xmlns:a16="http://schemas.microsoft.com/office/drawing/2014/main" xmlns="" val="1094300830"/>
+                    <a16:rowId xmlns="" xmlns:a16="http://schemas.microsoft.com/office/drawing/2014/main" val="1094300830"/>
                   </a:ext>
                 </a:extLst>
               </a:tr>
@@ -20578,13 +20873,14 @@
                     <a:p>
                       <a:pPr algn="ctr"/>
                       <a:r>
-                        <a:rPr lang="en-ZA" sz="1600" b="1" dirty="0">
+                        <a:rPr lang="en-ZA" sz="1600" b="0" i="0" dirty="0">
                           <a:solidFill>
                             <a:schemeClr val="tx1">
                               <a:lumMod val="75000"/>
                               <a:lumOff val="25000"/>
                             </a:schemeClr>
                           </a:solidFill>
+                          <a:latin typeface="Al Tarikh" charset="-78"/>
                         </a:rPr>
                         <a:t>20YY</a:t>
                       </a:r>
@@ -20655,13 +20951,14 @@
                     <a:p>
                       <a:pPr algn="r"/>
                       <a:r>
-                        <a:rPr lang="en-ZA" sz="1600" dirty="0">
+                        <a:rPr lang="en-ZA" sz="1600" b="0" i="0" dirty="0">
                           <a:solidFill>
                             <a:schemeClr val="tx1">
                               <a:lumMod val="75000"/>
                               <a:lumOff val="25000"/>
                             </a:schemeClr>
                           </a:solidFill>
+                          <a:latin typeface="Al Tarikh" charset="-78"/>
                         </a:rPr>
                         <a:t>200</a:t>
                       </a:r>
@@ -20730,13 +21027,14 @@
                     <a:p>
                       <a:pPr algn="r"/>
                       <a:r>
-                        <a:rPr lang="en-ZA" sz="1600" dirty="0">
+                        <a:rPr lang="en-ZA" sz="1600" b="0" i="0" dirty="0">
                           <a:solidFill>
                             <a:schemeClr val="tx1">
                               <a:lumMod val="75000"/>
                               <a:lumOff val="25000"/>
                             </a:schemeClr>
                           </a:solidFill>
+                          <a:latin typeface="Al Tarikh" charset="-78"/>
                         </a:rPr>
                         <a:t>2000</a:t>
                       </a:r>
@@ -20805,13 +21103,14 @@
                     <a:p>
                       <a:pPr algn="r"/>
                       <a:r>
-                        <a:rPr lang="en-ZA" sz="1600" dirty="0">
+                        <a:rPr lang="en-ZA" sz="1600" b="0" i="0" dirty="0">
                           <a:solidFill>
                             <a:schemeClr val="tx1">
                               <a:lumMod val="75000"/>
                               <a:lumOff val="25000"/>
                             </a:schemeClr>
                           </a:solidFill>
+                          <a:latin typeface="Al Tarikh" charset="-78"/>
                         </a:rPr>
                         <a:t>100</a:t>
                       </a:r>
@@ -20880,13 +21179,14 @@
                     <a:p>
                       <a:pPr algn="r"/>
                       <a:r>
-                        <a:rPr lang="en-ZA" sz="1600" dirty="0">
+                        <a:rPr lang="en-ZA" sz="1600" b="0" i="0" dirty="0">
                           <a:solidFill>
                             <a:schemeClr val="tx1">
                               <a:lumMod val="75000"/>
                               <a:lumOff val="25000"/>
                             </a:schemeClr>
                           </a:solidFill>
+                          <a:latin typeface="Al Tarikh" charset="-78"/>
                         </a:rPr>
                         <a:t>5000</a:t>
                       </a:r>
@@ -20955,13 +21255,14 @@
                     <a:p>
                       <a:pPr algn="r"/>
                       <a:r>
-                        <a:rPr lang="en-ZA" sz="1600" dirty="0">
+                        <a:rPr lang="en-ZA" sz="1600" b="0" i="0" dirty="0">
                           <a:solidFill>
                             <a:schemeClr val="tx1">
                               <a:lumMod val="75000"/>
                               <a:lumOff val="25000"/>
                             </a:schemeClr>
                           </a:solidFill>
+                          <a:latin typeface="Al Tarikh" charset="-78"/>
                         </a:rPr>
                         <a:t>$135,000</a:t>
                       </a:r>
@@ -21030,13 +21331,14 @@
                     <a:p>
                       <a:pPr algn="r"/>
                       <a:r>
-                        <a:rPr lang="en-ZA" sz="1600" dirty="0">
+                        <a:rPr lang="en-ZA" sz="1600" b="0" i="0" dirty="0">
                           <a:solidFill>
                             <a:schemeClr val="tx1">
                               <a:lumMod val="75000"/>
                               <a:lumOff val="25000"/>
                             </a:schemeClr>
                           </a:solidFill>
+                          <a:latin typeface="Al Tarikh" charset="-78"/>
                         </a:rPr>
                         <a:t>$20,250</a:t>
                       </a:r>
@@ -21100,7 +21402,7 @@
                 </a:tc>
                 <a:extLst>
                   <a:ext uri="{0D108BD9-81ED-4DB2-BD59-A6C34878D82A}">
-                    <a16:rowId xmlns:a16="http://schemas.microsoft.com/office/drawing/2014/main" xmlns="" val="1687728417"/>
+                    <a16:rowId xmlns="" xmlns:a16="http://schemas.microsoft.com/office/drawing/2014/main" val="1687728417"/>
                   </a:ext>
                 </a:extLst>
               </a:tr>
@@ -21112,13 +21414,14 @@
                     <a:p>
                       <a:pPr algn="ctr"/>
                       <a:r>
-                        <a:rPr lang="en-ZA" sz="1600" b="1" dirty="0">
+                        <a:rPr lang="en-ZA" sz="1600" b="0" i="0" dirty="0">
                           <a:solidFill>
                             <a:schemeClr val="tx1">
                               <a:lumMod val="75000"/>
                               <a:lumOff val="25000"/>
                             </a:schemeClr>
                           </a:solidFill>
+                          <a:latin typeface="Al Tarikh" charset="-78"/>
                         </a:rPr>
                         <a:t>20YY</a:t>
                       </a:r>
@@ -21189,13 +21492,14 @@
                     <a:p>
                       <a:pPr algn="r"/>
                       <a:r>
-                        <a:rPr lang="en-ZA" sz="1600" dirty="0">
+                        <a:rPr lang="en-ZA" sz="1600" b="0" i="0" dirty="0">
                           <a:solidFill>
                             <a:schemeClr val="tx1">
                               <a:lumMod val="75000"/>
                               <a:lumOff val="25000"/>
                             </a:schemeClr>
                           </a:solidFill>
+                          <a:latin typeface="Al Tarikh" charset="-78"/>
                         </a:rPr>
                         <a:t>400</a:t>
                       </a:r>
@@ -21264,13 +21568,14 @@
                     <a:p>
                       <a:pPr algn="r"/>
                       <a:r>
-                        <a:rPr lang="en-ZA" sz="1600" dirty="0">
+                        <a:rPr lang="en-ZA" sz="1600" b="0" i="0" dirty="0">
                           <a:solidFill>
                             <a:schemeClr val="tx1">
                               <a:lumMod val="75000"/>
                               <a:lumOff val="25000"/>
                             </a:schemeClr>
                           </a:solidFill>
+                          <a:latin typeface="Al Tarikh" charset="-78"/>
                         </a:rPr>
                         <a:t>4000</a:t>
                       </a:r>
@@ -21339,13 +21644,14 @@
                     <a:p>
                       <a:pPr algn="r"/>
                       <a:r>
-                        <a:rPr lang="en-ZA" sz="1600" dirty="0">
+                        <a:rPr lang="en-ZA" sz="1600" b="0" i="0" dirty="0">
                           <a:solidFill>
                             <a:schemeClr val="tx1">
                               <a:lumMod val="75000"/>
                               <a:lumOff val="25000"/>
                             </a:schemeClr>
                           </a:solidFill>
+                          <a:latin typeface="Al Tarikh" charset="-78"/>
                         </a:rPr>
                         <a:t>120</a:t>
                       </a:r>
@@ -21414,13 +21720,14 @@
                     <a:p>
                       <a:pPr algn="r"/>
                       <a:r>
-                        <a:rPr lang="en-ZA" sz="1600" dirty="0">
+                        <a:rPr lang="en-ZA" sz="1600" b="0" i="0" dirty="0">
                           <a:solidFill>
                             <a:schemeClr val="tx1">
                               <a:lumMod val="75000"/>
                               <a:lumOff val="25000"/>
                             </a:schemeClr>
                           </a:solidFill>
+                          <a:latin typeface="Al Tarikh" charset="-78"/>
                         </a:rPr>
                         <a:t>50000</a:t>
                       </a:r>
@@ -21489,13 +21796,14 @@
                     <a:p>
                       <a:pPr algn="r"/>
                       <a:r>
-                        <a:rPr lang="en-ZA" sz="1600" dirty="0">
+                        <a:rPr lang="en-ZA" sz="1600" b="0" i="0" dirty="0">
                           <a:solidFill>
                             <a:schemeClr val="tx1">
                               <a:lumMod val="75000"/>
                               <a:lumOff val="25000"/>
                             </a:schemeClr>
                           </a:solidFill>
+                          <a:latin typeface="Al Tarikh" charset="-78"/>
                         </a:rPr>
                         <a:t>$270,000</a:t>
                       </a:r>
@@ -21566,13 +21874,14 @@
                     <a:p>
                       <a:pPr algn="r"/>
                       <a:r>
-                        <a:rPr lang="en-ZA" sz="1600" dirty="0">
+                        <a:rPr lang="en-ZA" sz="1600" b="0" i="0" dirty="0">
                           <a:solidFill>
                             <a:schemeClr val="tx1">
                               <a:lumMod val="75000"/>
                               <a:lumOff val="25000"/>
                             </a:schemeClr>
                           </a:solidFill>
+                          <a:latin typeface="Al Tarikh" charset="-78"/>
                         </a:rPr>
                         <a:t>$40,500</a:t>
                       </a:r>
@@ -21636,7 +21945,7 @@
                 </a:tc>
                 <a:extLst>
                   <a:ext uri="{0D108BD9-81ED-4DB2-BD59-A6C34878D82A}">
-                    <a16:rowId xmlns:a16="http://schemas.microsoft.com/office/drawing/2014/main" xmlns="" val="3857078208"/>
+                    <a16:rowId xmlns="" xmlns:a16="http://schemas.microsoft.com/office/drawing/2014/main" val="3857078208"/>
                   </a:ext>
                 </a:extLst>
               </a:tr>
